--- a/课程目录/概率论与数理统计/备考/期末试卷讲解2.pptx
+++ b/课程目录/概率论与数理统计/备考/期末试卷讲解2.pptx
@@ -5,7 +5,7 @@
     <p:sldMasterId id="2147483648" r:id="rId1"/>
   </p:sldMasterIdLst>
   <p:notesMasterIdLst>
-    <p:notesMasterId r:id="rId19"/>
+    <p:notesMasterId r:id="rId18"/>
   </p:notesMasterIdLst>
   <p:sldIdLst>
     <p:sldId id="620" r:id="rId2"/>
@@ -24,7 +24,6 @@
     <p:sldId id="626" r:id="rId15"/>
     <p:sldId id="621" r:id="rId16"/>
     <p:sldId id="627" r:id="rId17"/>
-    <p:sldId id="628" r:id="rId18"/>
   </p:sldIdLst>
   <p:sldSz cx="12192000" cy="6858000"/>
   <p:notesSz cx="6858000" cy="9144000"/>
@@ -134,6 +133,2131 @@
 <file path=ppt/changesInfos/changesInfo1.xml><?xml version="1.0" encoding="utf-8"?>
 <pc:chgInfo xmlns:a="http://schemas.openxmlformats.org/drawingml/2006/main" xmlns:r="http://schemas.openxmlformats.org/officeDocument/2006/relationships" xmlns:ac="http://schemas.microsoft.com/office/drawing/2013/main/command" xmlns:pc="http://schemas.microsoft.com/office/powerpoint/2013/main/command">
   <pc:docChgLst>
+    <pc:chgData name="zhang hua" userId="692e123b3e9a7e92" providerId="LiveId" clId="{7D6EEAB2-34C8-4CE3-8B99-C0324F29A1EF}"/>
+    <pc:docChg chg="modSld">
+      <pc:chgData name="zhang hua" userId="692e123b3e9a7e92" providerId="LiveId" clId="{7D6EEAB2-34C8-4CE3-8B99-C0324F29A1EF}" dt="2021-06-07T10:11:01.127" v="44" actId="207"/>
+      <pc:docMkLst>
+        <pc:docMk/>
+      </pc:docMkLst>
+      <pc:sldChg chg="modSp mod">
+        <pc:chgData name="zhang hua" userId="692e123b3e9a7e92" providerId="LiveId" clId="{7D6EEAB2-34C8-4CE3-8B99-C0324F29A1EF}" dt="2021-06-07T10:11:01.127" v="44" actId="207"/>
+        <pc:sldMkLst>
+          <pc:docMk/>
+          <pc:sldMk cId="850366677" sldId="626"/>
+        </pc:sldMkLst>
+        <pc:spChg chg="mod">
+          <ac:chgData name="zhang hua" userId="692e123b3e9a7e92" providerId="LiveId" clId="{7D6EEAB2-34C8-4CE3-8B99-C0324F29A1EF}" dt="2021-06-07T10:11:01.127" v="44" actId="207"/>
+          <ac:spMkLst>
+            <pc:docMk/>
+            <pc:sldMk cId="850366677" sldId="626"/>
+            <ac:spMk id="10" creationId="{B2A505DA-C286-4DDA-A934-B1DC8E670B6A}"/>
+          </ac:spMkLst>
+        </pc:spChg>
+      </pc:sldChg>
+    </pc:docChg>
+  </pc:docChgLst>
+  <pc:docChgLst>
+    <pc:chgData name="zhang hua" userId="692e123b3e9a7e92" providerId="LiveId" clId="{CC934404-5E3A-47B9-9E11-DE7E5AB3349F}"/>
+    <pc:docChg chg="undo custSel addSld delSld modSld">
+      <pc:chgData name="zhang hua" userId="692e123b3e9a7e92" providerId="LiveId" clId="{CC934404-5E3A-47B9-9E11-DE7E5AB3349F}" dt="2020-05-31T15:07:59.793" v="1926" actId="47"/>
+      <pc:docMkLst>
+        <pc:docMk/>
+      </pc:docMkLst>
+      <pc:sldChg chg="addSp modSp mod modAnim">
+        <pc:chgData name="zhang hua" userId="692e123b3e9a7e92" providerId="LiveId" clId="{CC934404-5E3A-47B9-9E11-DE7E5AB3349F}" dt="2020-05-30T14:31:32.027" v="51" actId="14100"/>
+        <pc:sldMkLst>
+          <pc:docMk/>
+          <pc:sldMk cId="3707575789" sldId="464"/>
+        </pc:sldMkLst>
+        <pc:spChg chg="add mod">
+          <ac:chgData name="zhang hua" userId="692e123b3e9a7e92" providerId="LiveId" clId="{CC934404-5E3A-47B9-9E11-DE7E5AB3349F}" dt="2020-05-30T14:31:32.027" v="51" actId="14100"/>
+          <ac:spMkLst>
+            <pc:docMk/>
+            <pc:sldMk cId="3707575789" sldId="464"/>
+            <ac:spMk id="7" creationId="{13E697D0-BC0D-4998-8C9D-6B8E10191BB2}"/>
+          </ac:spMkLst>
+        </pc:spChg>
+      </pc:sldChg>
+      <pc:sldChg chg="modSp mod modAnim">
+        <pc:chgData name="zhang hua" userId="692e123b3e9a7e92" providerId="LiveId" clId="{CC934404-5E3A-47B9-9E11-DE7E5AB3349F}" dt="2020-05-31T12:46:43.052" v="1854"/>
+        <pc:sldMkLst>
+          <pc:docMk/>
+          <pc:sldMk cId="2060957319" sldId="574"/>
+        </pc:sldMkLst>
+        <pc:spChg chg="mod">
+          <ac:chgData name="zhang hua" userId="692e123b3e9a7e92" providerId="LiveId" clId="{CC934404-5E3A-47B9-9E11-DE7E5AB3349F}" dt="2020-05-31T12:46:31.392" v="1852" actId="1076"/>
+          <ac:spMkLst>
+            <pc:docMk/>
+            <pc:sldMk cId="2060957319" sldId="574"/>
+            <ac:spMk id="11" creationId="{91BB075F-9A0E-4939-9CC8-1DF7D980ACE3}"/>
+          </ac:spMkLst>
+        </pc:spChg>
+      </pc:sldChg>
+      <pc:sldChg chg="del">
+        <pc:chgData name="zhang hua" userId="692e123b3e9a7e92" providerId="LiveId" clId="{CC934404-5E3A-47B9-9E11-DE7E5AB3349F}" dt="2020-05-31T15:07:53.269" v="1921" actId="47"/>
+        <pc:sldMkLst>
+          <pc:docMk/>
+          <pc:sldMk cId="2495151010" sldId="578"/>
+        </pc:sldMkLst>
+      </pc:sldChg>
+      <pc:sldChg chg="del">
+        <pc:chgData name="zhang hua" userId="692e123b3e9a7e92" providerId="LiveId" clId="{CC934404-5E3A-47B9-9E11-DE7E5AB3349F}" dt="2020-05-29T10:33:24.557" v="10" actId="47"/>
+        <pc:sldMkLst>
+          <pc:docMk/>
+          <pc:sldMk cId="2355437681" sldId="580"/>
+        </pc:sldMkLst>
+      </pc:sldChg>
+      <pc:sldChg chg="del">
+        <pc:chgData name="zhang hua" userId="692e123b3e9a7e92" providerId="LiveId" clId="{CC934404-5E3A-47B9-9E11-DE7E5AB3349F}" dt="2020-05-29T10:33:23.077" v="9" actId="47"/>
+        <pc:sldMkLst>
+          <pc:docMk/>
+          <pc:sldMk cId="1442547511" sldId="583"/>
+        </pc:sldMkLst>
+      </pc:sldChg>
+      <pc:sldChg chg="del">
+        <pc:chgData name="zhang hua" userId="692e123b3e9a7e92" providerId="LiveId" clId="{CC934404-5E3A-47B9-9E11-DE7E5AB3349F}" dt="2020-05-29T10:33:21.092" v="8" actId="47"/>
+        <pc:sldMkLst>
+          <pc:docMk/>
+          <pc:sldMk cId="1676271741" sldId="587"/>
+        </pc:sldMkLst>
+      </pc:sldChg>
+      <pc:sldChg chg="del">
+        <pc:chgData name="zhang hua" userId="692e123b3e9a7e92" providerId="LiveId" clId="{CC934404-5E3A-47B9-9E11-DE7E5AB3349F}" dt="2020-05-29T10:33:20.695" v="7" actId="47"/>
+        <pc:sldMkLst>
+          <pc:docMk/>
+          <pc:sldMk cId="4173976390" sldId="588"/>
+        </pc:sldMkLst>
+      </pc:sldChg>
+      <pc:sldChg chg="del">
+        <pc:chgData name="zhang hua" userId="692e123b3e9a7e92" providerId="LiveId" clId="{CC934404-5E3A-47B9-9E11-DE7E5AB3349F}" dt="2020-05-29T10:33:20.306" v="6" actId="47"/>
+        <pc:sldMkLst>
+          <pc:docMk/>
+          <pc:sldMk cId="1503410673" sldId="589"/>
+        </pc:sldMkLst>
+      </pc:sldChg>
+      <pc:sldChg chg="del">
+        <pc:chgData name="zhang hua" userId="692e123b3e9a7e92" providerId="LiveId" clId="{CC934404-5E3A-47B9-9E11-DE7E5AB3349F}" dt="2020-05-29T10:33:19.857" v="5" actId="47"/>
+        <pc:sldMkLst>
+          <pc:docMk/>
+          <pc:sldMk cId="2588378973" sldId="590"/>
+        </pc:sldMkLst>
+      </pc:sldChg>
+      <pc:sldChg chg="del">
+        <pc:chgData name="zhang hua" userId="692e123b3e9a7e92" providerId="LiveId" clId="{CC934404-5E3A-47B9-9E11-DE7E5AB3349F}" dt="2020-05-29T10:33:19.389" v="4" actId="47"/>
+        <pc:sldMkLst>
+          <pc:docMk/>
+          <pc:sldMk cId="720754059" sldId="591"/>
+        </pc:sldMkLst>
+      </pc:sldChg>
+      <pc:sldChg chg="del">
+        <pc:chgData name="zhang hua" userId="692e123b3e9a7e92" providerId="LiveId" clId="{CC934404-5E3A-47B9-9E11-DE7E5AB3349F}" dt="2020-05-29T10:33:18.262" v="1" actId="47"/>
+        <pc:sldMkLst>
+          <pc:docMk/>
+          <pc:sldMk cId="11975134" sldId="592"/>
+        </pc:sldMkLst>
+      </pc:sldChg>
+      <pc:sldChg chg="del">
+        <pc:chgData name="zhang hua" userId="692e123b3e9a7e92" providerId="LiveId" clId="{CC934404-5E3A-47B9-9E11-DE7E5AB3349F}" dt="2020-05-29T10:33:18.865" v="3" actId="47"/>
+        <pc:sldMkLst>
+          <pc:docMk/>
+          <pc:sldMk cId="1344303600" sldId="593"/>
+        </pc:sldMkLst>
+      </pc:sldChg>
+      <pc:sldChg chg="del">
+        <pc:chgData name="zhang hua" userId="692e123b3e9a7e92" providerId="LiveId" clId="{CC934404-5E3A-47B9-9E11-DE7E5AB3349F}" dt="2020-05-29T10:33:18.533" v="2" actId="47"/>
+        <pc:sldMkLst>
+          <pc:docMk/>
+          <pc:sldMk cId="2495138997" sldId="594"/>
+        </pc:sldMkLst>
+      </pc:sldChg>
+      <pc:sldChg chg="del">
+        <pc:chgData name="zhang hua" userId="692e123b3e9a7e92" providerId="LiveId" clId="{CC934404-5E3A-47B9-9E11-DE7E5AB3349F}" dt="2020-05-29T10:33:17.852" v="0" actId="47"/>
+        <pc:sldMkLst>
+          <pc:docMk/>
+          <pc:sldMk cId="898211286" sldId="595"/>
+        </pc:sldMkLst>
+      </pc:sldChg>
+      <pc:sldChg chg="modAnim">
+        <pc:chgData name="zhang hua" userId="692e123b3e9a7e92" providerId="LiveId" clId="{CC934404-5E3A-47B9-9E11-DE7E5AB3349F}" dt="2020-05-31T12:46:05.198" v="1847"/>
+        <pc:sldMkLst>
+          <pc:docMk/>
+          <pc:sldMk cId="3283854528" sldId="596"/>
+        </pc:sldMkLst>
+      </pc:sldChg>
+      <pc:sldChg chg="modAnim">
+        <pc:chgData name="zhang hua" userId="692e123b3e9a7e92" providerId="LiveId" clId="{CC934404-5E3A-47B9-9E11-DE7E5AB3349F}" dt="2020-05-31T12:46:11.018" v="1850"/>
+        <pc:sldMkLst>
+          <pc:docMk/>
+          <pc:sldMk cId="4214470502" sldId="597"/>
+        </pc:sldMkLst>
+      </pc:sldChg>
+      <pc:sldChg chg="modAnim">
+        <pc:chgData name="zhang hua" userId="692e123b3e9a7e92" providerId="LiveId" clId="{CC934404-5E3A-47B9-9E11-DE7E5AB3349F}" dt="2020-05-31T12:47:11.840" v="1863"/>
+        <pc:sldMkLst>
+          <pc:docMk/>
+          <pc:sldMk cId="692763871" sldId="598"/>
+        </pc:sldMkLst>
+      </pc:sldChg>
+      <pc:sldChg chg="modSp mod modAnim">
+        <pc:chgData name="zhang hua" userId="692e123b3e9a7e92" providerId="LiveId" clId="{CC934404-5E3A-47B9-9E11-DE7E5AB3349F}" dt="2020-05-31T12:48:06.473" v="1877" actId="1076"/>
+        <pc:sldMkLst>
+          <pc:docMk/>
+          <pc:sldMk cId="3878755702" sldId="599"/>
+        </pc:sldMkLst>
+        <pc:inkChg chg="mod">
+          <ac:chgData name="zhang hua" userId="692e123b3e9a7e92" providerId="LiveId" clId="{CC934404-5E3A-47B9-9E11-DE7E5AB3349F}" dt="2020-05-31T12:48:06.473" v="1877" actId="1076"/>
+          <ac:inkMkLst>
+            <pc:docMk/>
+            <pc:sldMk cId="3878755702" sldId="599"/>
+            <ac:inkMk id="4" creationId="{4FD154EE-5F61-B547-8B0C-528464C1658F}"/>
+          </ac:inkMkLst>
+        </pc:inkChg>
+      </pc:sldChg>
+      <pc:sldChg chg="modAnim">
+        <pc:chgData name="zhang hua" userId="692e123b3e9a7e92" providerId="LiveId" clId="{CC934404-5E3A-47B9-9E11-DE7E5AB3349F}" dt="2020-05-31T15:04:52.343" v="1914"/>
+        <pc:sldMkLst>
+          <pc:docMk/>
+          <pc:sldMk cId="2775441203" sldId="600"/>
+        </pc:sldMkLst>
+      </pc:sldChg>
+      <pc:sldChg chg="addSp delSp modSp add del mod delAnim modAnim">
+        <pc:chgData name="zhang hua" userId="692e123b3e9a7e92" providerId="LiveId" clId="{CC934404-5E3A-47B9-9E11-DE7E5AB3349F}" dt="2020-05-31T15:07:00.847" v="1919" actId="47"/>
+        <pc:sldMkLst>
+          <pc:docMk/>
+          <pc:sldMk cId="1962125762" sldId="602"/>
+        </pc:sldMkLst>
+        <pc:spChg chg="del">
+          <ac:chgData name="zhang hua" userId="692e123b3e9a7e92" providerId="LiveId" clId="{CC934404-5E3A-47B9-9E11-DE7E5AB3349F}" dt="2020-05-30T14:36:11.080" v="100" actId="478"/>
+          <ac:spMkLst>
+            <pc:docMk/>
+            <pc:sldMk cId="1962125762" sldId="602"/>
+            <ac:spMk id="3" creationId="{80E40850-9D9D-41C4-8A16-FDC3546540F0}"/>
+          </ac:spMkLst>
+        </pc:spChg>
+        <pc:spChg chg="mod">
+          <ac:chgData name="zhang hua" userId="692e123b3e9a7e92" providerId="LiveId" clId="{CC934404-5E3A-47B9-9E11-DE7E5AB3349F}" dt="2020-05-30T14:33:54.207" v="89"/>
+          <ac:spMkLst>
+            <pc:docMk/>
+            <pc:sldMk cId="1962125762" sldId="602"/>
+            <ac:spMk id="15" creationId="{688CDA68-FB5E-4C9C-9F62-C4D11CE7BCE1}"/>
+          </ac:spMkLst>
+        </pc:spChg>
+        <pc:spChg chg="mod">
+          <ac:chgData name="zhang hua" userId="692e123b3e9a7e92" providerId="LiveId" clId="{CC934404-5E3A-47B9-9E11-DE7E5AB3349F}" dt="2020-05-30T14:43:35.229" v="121" actId="1076"/>
+          <ac:spMkLst>
+            <pc:docMk/>
+            <pc:sldMk cId="1962125762" sldId="602"/>
+            <ac:spMk id="16" creationId="{9D94B637-CCFC-4F7D-9A98-76253A7B25B1}"/>
+          </ac:spMkLst>
+        </pc:spChg>
+        <pc:spChg chg="del">
+          <ac:chgData name="zhang hua" userId="692e123b3e9a7e92" providerId="LiveId" clId="{CC934404-5E3A-47B9-9E11-DE7E5AB3349F}" dt="2020-05-30T14:35:26.729" v="92" actId="478"/>
+          <ac:spMkLst>
+            <pc:docMk/>
+            <pc:sldMk cId="1962125762" sldId="602"/>
+            <ac:spMk id="17" creationId="{F35536D4-ECBA-4629-9DE8-996468163596}"/>
+          </ac:spMkLst>
+        </pc:spChg>
+        <pc:spChg chg="del">
+          <ac:chgData name="zhang hua" userId="692e123b3e9a7e92" providerId="LiveId" clId="{CC934404-5E3A-47B9-9E11-DE7E5AB3349F}" dt="2020-05-30T14:35:23.603" v="90" actId="478"/>
+          <ac:spMkLst>
+            <pc:docMk/>
+            <pc:sldMk cId="1962125762" sldId="602"/>
+            <ac:spMk id="18" creationId="{3EF10EAB-60AA-4577-8FD0-72F12E840952}"/>
+          </ac:spMkLst>
+        </pc:spChg>
+        <pc:spChg chg="add mod">
+          <ac:chgData name="zhang hua" userId="692e123b3e9a7e92" providerId="LiveId" clId="{CC934404-5E3A-47B9-9E11-DE7E5AB3349F}" dt="2020-05-30T14:43:33.464" v="120" actId="1076"/>
+          <ac:spMkLst>
+            <pc:docMk/>
+            <pc:sldMk cId="1962125762" sldId="602"/>
+            <ac:spMk id="19" creationId="{6E2BE995-6E5E-485D-B1EF-17D0372E5D78}"/>
+          </ac:spMkLst>
+        </pc:spChg>
+        <pc:spChg chg="del mod">
+          <ac:chgData name="zhang hua" userId="692e123b3e9a7e92" providerId="LiveId" clId="{CC934404-5E3A-47B9-9E11-DE7E5AB3349F}" dt="2020-05-30T14:43:30.432" v="119" actId="478"/>
+          <ac:spMkLst>
+            <pc:docMk/>
+            <pc:sldMk cId="1962125762" sldId="602"/>
+            <ac:spMk id="20" creationId="{CC823881-78C7-457E-99ED-93112E7B9263}"/>
+          </ac:spMkLst>
+        </pc:spChg>
+        <pc:spChg chg="del">
+          <ac:chgData name="zhang hua" userId="692e123b3e9a7e92" providerId="LiveId" clId="{CC934404-5E3A-47B9-9E11-DE7E5AB3349F}" dt="2020-05-30T14:35:25.191" v="91" actId="478"/>
+          <ac:spMkLst>
+            <pc:docMk/>
+            <pc:sldMk cId="1962125762" sldId="602"/>
+            <ac:spMk id="21" creationId="{F9D13278-AD20-B848-8380-DE15946BFC20}"/>
+          </ac:spMkLst>
+        </pc:spChg>
+        <pc:spChg chg="del">
+          <ac:chgData name="zhang hua" userId="692e123b3e9a7e92" providerId="LiveId" clId="{CC934404-5E3A-47B9-9E11-DE7E5AB3349F}" dt="2020-05-30T14:36:12.725" v="101" actId="478"/>
+          <ac:spMkLst>
+            <pc:docMk/>
+            <pc:sldMk cId="1962125762" sldId="602"/>
+            <ac:spMk id="22" creationId="{ED58A6D4-CD9F-4F65-B820-C5802736E168}"/>
+          </ac:spMkLst>
+        </pc:spChg>
+        <pc:spChg chg="del">
+          <ac:chgData name="zhang hua" userId="692e123b3e9a7e92" providerId="LiveId" clId="{CC934404-5E3A-47B9-9E11-DE7E5AB3349F}" dt="2020-05-30T14:36:14.580" v="102" actId="478"/>
+          <ac:spMkLst>
+            <pc:docMk/>
+            <pc:sldMk cId="1962125762" sldId="602"/>
+            <ac:spMk id="24" creationId="{259804B7-9865-4CB5-A841-373E5C76CB17}"/>
+          </ac:spMkLst>
+        </pc:spChg>
+        <pc:inkChg chg="del">
+          <ac:chgData name="zhang hua" userId="692e123b3e9a7e92" providerId="LiveId" clId="{CC934404-5E3A-47B9-9E11-DE7E5AB3349F}" dt="2020-05-30T14:33:08.113" v="53" actId="478"/>
+          <ac:inkMkLst>
+            <pc:docMk/>
+            <pc:sldMk cId="1962125762" sldId="602"/>
+            <ac:inkMk id="5" creationId="{365E87A6-7244-384E-AE3B-4E31AFED19EC}"/>
+          </ac:inkMkLst>
+        </pc:inkChg>
+      </pc:sldChg>
+      <pc:sldChg chg="addSp delSp modSp add del mod modAnim">
+        <pc:chgData name="zhang hua" userId="692e123b3e9a7e92" providerId="LiveId" clId="{CC934404-5E3A-47B9-9E11-DE7E5AB3349F}" dt="2020-05-31T15:06:47.508" v="1917" actId="47"/>
+        <pc:sldMkLst>
+          <pc:docMk/>
+          <pc:sldMk cId="3664763676" sldId="603"/>
+        </pc:sldMkLst>
+        <pc:spChg chg="add del mod">
+          <ac:chgData name="zhang hua" userId="692e123b3e9a7e92" providerId="LiveId" clId="{CC934404-5E3A-47B9-9E11-DE7E5AB3349F}" dt="2020-05-30T14:56:17.802" v="174"/>
+          <ac:spMkLst>
+            <pc:docMk/>
+            <pc:sldMk cId="3664763676" sldId="603"/>
+            <ac:spMk id="3" creationId="{548B5601-5079-46BA-A5DF-8A0712D9751F}"/>
+          </ac:spMkLst>
+        </pc:spChg>
+        <pc:spChg chg="add mod">
+          <ac:chgData name="zhang hua" userId="692e123b3e9a7e92" providerId="LiveId" clId="{CC934404-5E3A-47B9-9E11-DE7E5AB3349F}" dt="2020-05-30T14:54:30.939" v="171" actId="1076"/>
+          <ac:spMkLst>
+            <pc:docMk/>
+            <pc:sldMk cId="3664763676" sldId="603"/>
+            <ac:spMk id="8" creationId="{D8833C80-BC2F-4967-B2CD-72AA75727CE6}"/>
+          </ac:spMkLst>
+        </pc:spChg>
+        <pc:spChg chg="mod">
+          <ac:chgData name="zhang hua" userId="692e123b3e9a7e92" providerId="LiveId" clId="{CC934404-5E3A-47B9-9E11-DE7E5AB3349F}" dt="2020-05-30T14:56:11.034" v="172" actId="20577"/>
+          <ac:spMkLst>
+            <pc:docMk/>
+            <pc:sldMk cId="3664763676" sldId="603"/>
+            <ac:spMk id="15" creationId="{688CDA68-FB5E-4C9C-9F62-C4D11CE7BCE1}"/>
+          </ac:spMkLst>
+        </pc:spChg>
+        <pc:spChg chg="mod">
+          <ac:chgData name="zhang hua" userId="692e123b3e9a7e92" providerId="LiveId" clId="{CC934404-5E3A-47B9-9E11-DE7E5AB3349F}" dt="2020-05-30T14:54:04.938" v="168" actId="20577"/>
+          <ac:spMkLst>
+            <pc:docMk/>
+            <pc:sldMk cId="3664763676" sldId="603"/>
+            <ac:spMk id="16" creationId="{9D94B637-CCFC-4F7D-9A98-76253A7B25B1}"/>
+          </ac:spMkLst>
+        </pc:spChg>
+        <pc:spChg chg="mod">
+          <ac:chgData name="zhang hua" userId="692e123b3e9a7e92" providerId="LiveId" clId="{CC934404-5E3A-47B9-9E11-DE7E5AB3349F}" dt="2020-05-30T14:54:28.220" v="170"/>
+          <ac:spMkLst>
+            <pc:docMk/>
+            <pc:sldMk cId="3664763676" sldId="603"/>
+            <ac:spMk id="19" creationId="{6E2BE995-6E5E-485D-B1EF-17D0372E5D78}"/>
+          </ac:spMkLst>
+        </pc:spChg>
+      </pc:sldChg>
+      <pc:sldChg chg="addSp delSp modSp add mod delAnim modAnim">
+        <pc:chgData name="zhang hua" userId="692e123b3e9a7e92" providerId="LiveId" clId="{CC934404-5E3A-47B9-9E11-DE7E5AB3349F}" dt="2020-05-31T08:55:19.352" v="1689" actId="20577"/>
+        <pc:sldMkLst>
+          <pc:docMk/>
+          <pc:sldMk cId="33554795" sldId="604"/>
+        </pc:sldMkLst>
+        <pc:spChg chg="add del mod">
+          <ac:chgData name="zhang hua" userId="692e123b3e9a7e92" providerId="LiveId" clId="{CC934404-5E3A-47B9-9E11-DE7E5AB3349F}" dt="2020-05-31T02:43:42.574" v="518"/>
+          <ac:spMkLst>
+            <pc:docMk/>
+            <pc:sldMk cId="33554795" sldId="604"/>
+            <ac:spMk id="3" creationId="{060B80B5-B821-4713-A053-348556243A8C}"/>
+          </ac:spMkLst>
+        </pc:spChg>
+        <pc:spChg chg="mod">
+          <ac:chgData name="zhang hua" userId="692e123b3e9a7e92" providerId="LiveId" clId="{CC934404-5E3A-47B9-9E11-DE7E5AB3349F}" dt="2020-05-31T02:32:37.178" v="464" actId="20577"/>
+          <ac:spMkLst>
+            <pc:docMk/>
+            <pc:sldMk cId="33554795" sldId="604"/>
+            <ac:spMk id="8" creationId="{D8833C80-BC2F-4967-B2CD-72AA75727CE6}"/>
+          </ac:spMkLst>
+        </pc:spChg>
+        <pc:spChg chg="add del mod">
+          <ac:chgData name="zhang hua" userId="692e123b3e9a7e92" providerId="LiveId" clId="{CC934404-5E3A-47B9-9E11-DE7E5AB3349F}" dt="2020-05-30T15:09:24.925" v="191" actId="478"/>
+          <ac:spMkLst>
+            <pc:docMk/>
+            <pc:sldMk cId="33554795" sldId="604"/>
+            <ac:spMk id="9" creationId="{44FC39A8-8792-48CA-A969-B1A216B58DF3}"/>
+          </ac:spMkLst>
+        </pc:spChg>
+        <pc:spChg chg="add mod">
+          <ac:chgData name="zhang hua" userId="692e123b3e9a7e92" providerId="LiveId" clId="{CC934404-5E3A-47B9-9E11-DE7E5AB3349F}" dt="2020-05-31T08:55:19.352" v="1689" actId="20577"/>
+          <ac:spMkLst>
+            <pc:docMk/>
+            <pc:sldMk cId="33554795" sldId="604"/>
+            <ac:spMk id="10" creationId="{4E2D7992-737D-4B97-9FD4-7A8E290A8232}"/>
+          </ac:spMkLst>
+        </pc:spChg>
+        <pc:spChg chg="mod">
+          <ac:chgData name="zhang hua" userId="692e123b3e9a7e92" providerId="LiveId" clId="{CC934404-5E3A-47B9-9E11-DE7E5AB3349F}" dt="2020-05-31T02:38:59.825" v="492" actId="1076"/>
+          <ac:spMkLst>
+            <pc:docMk/>
+            <pc:sldMk cId="33554795" sldId="604"/>
+            <ac:spMk id="16" creationId="{9D94B637-CCFC-4F7D-9A98-76253A7B25B1}"/>
+          </ac:spMkLst>
+        </pc:spChg>
+        <pc:spChg chg="mod">
+          <ac:chgData name="zhang hua" userId="692e123b3e9a7e92" providerId="LiveId" clId="{CC934404-5E3A-47B9-9E11-DE7E5AB3349F}" dt="2020-05-31T02:41:32.226" v="513" actId="1076"/>
+          <ac:spMkLst>
+            <pc:docMk/>
+            <pc:sldMk cId="33554795" sldId="604"/>
+            <ac:spMk id="19" creationId="{6E2BE995-6E5E-485D-B1EF-17D0372E5D78}"/>
+          </ac:spMkLst>
+        </pc:spChg>
+      </pc:sldChg>
+      <pc:sldChg chg="addSp delSp modSp add mod delAnim modAnim">
+        <pc:chgData name="zhang hua" userId="692e123b3e9a7e92" providerId="LiveId" clId="{CC934404-5E3A-47B9-9E11-DE7E5AB3349F}" dt="2020-05-31T08:55:30.070" v="1692" actId="20577"/>
+        <pc:sldMkLst>
+          <pc:docMk/>
+          <pc:sldMk cId="3241816355" sldId="605"/>
+        </pc:sldMkLst>
+        <pc:spChg chg="add mod">
+          <ac:chgData name="zhang hua" userId="692e123b3e9a7e92" providerId="LiveId" clId="{CC934404-5E3A-47B9-9E11-DE7E5AB3349F}" dt="2020-05-31T03:15:11.138" v="722" actId="1076"/>
+          <ac:spMkLst>
+            <pc:docMk/>
+            <pc:sldMk cId="3241816355" sldId="605"/>
+            <ac:spMk id="3" creationId="{3F1DB86B-7150-4D46-AF3A-2A8E123DF8A8}"/>
+          </ac:spMkLst>
+        </pc:spChg>
+        <pc:spChg chg="mod">
+          <ac:chgData name="zhang hua" userId="692e123b3e9a7e92" providerId="LiveId" clId="{CC934404-5E3A-47B9-9E11-DE7E5AB3349F}" dt="2020-05-31T08:55:30.070" v="1692" actId="20577"/>
+          <ac:spMkLst>
+            <pc:docMk/>
+            <pc:sldMk cId="3241816355" sldId="605"/>
+            <ac:spMk id="8" creationId="{D8833C80-BC2F-4967-B2CD-72AA75727CE6}"/>
+          </ac:spMkLst>
+        </pc:spChg>
+        <pc:spChg chg="mod">
+          <ac:chgData name="zhang hua" userId="692e123b3e9a7e92" providerId="LiveId" clId="{CC934404-5E3A-47B9-9E11-DE7E5AB3349F}" dt="2020-05-31T03:15:57.919" v="733" actId="1076"/>
+          <ac:spMkLst>
+            <pc:docMk/>
+            <pc:sldMk cId="3241816355" sldId="605"/>
+            <ac:spMk id="10" creationId="{4E2D7992-737D-4B97-9FD4-7A8E290A8232}"/>
+          </ac:spMkLst>
+        </pc:spChg>
+        <pc:spChg chg="add mod">
+          <ac:chgData name="zhang hua" userId="692e123b3e9a7e92" providerId="LiveId" clId="{CC934404-5E3A-47B9-9E11-DE7E5AB3349F}" dt="2020-05-31T08:19:36.026" v="1350" actId="20577"/>
+          <ac:spMkLst>
+            <pc:docMk/>
+            <pc:sldMk cId="3241816355" sldId="605"/>
+            <ac:spMk id="11" creationId="{639678A6-EF93-47D0-9F1F-C88C10E599B1}"/>
+          </ac:spMkLst>
+        </pc:spChg>
+        <pc:spChg chg="add mod">
+          <ac:chgData name="zhang hua" userId="692e123b3e9a7e92" providerId="LiveId" clId="{CC934404-5E3A-47B9-9E11-DE7E5AB3349F}" dt="2020-05-31T02:49:08.947" v="646" actId="14100"/>
+          <ac:spMkLst>
+            <pc:docMk/>
+            <pc:sldMk cId="3241816355" sldId="605"/>
+            <ac:spMk id="12" creationId="{86223CFD-970C-418B-B3B9-75EDA29441A5}"/>
+          </ac:spMkLst>
+        </pc:spChg>
+        <pc:spChg chg="add mod">
+          <ac:chgData name="zhang hua" userId="692e123b3e9a7e92" providerId="LiveId" clId="{CC934404-5E3A-47B9-9E11-DE7E5AB3349F}" dt="2020-05-31T03:15:52.255" v="732" actId="20577"/>
+          <ac:spMkLst>
+            <pc:docMk/>
+            <pc:sldMk cId="3241816355" sldId="605"/>
+            <ac:spMk id="13" creationId="{26CD80AE-B9EF-45A2-B055-CEAFA3CE769A}"/>
+          </ac:spMkLst>
+        </pc:spChg>
+        <pc:spChg chg="del">
+          <ac:chgData name="zhang hua" userId="692e123b3e9a7e92" providerId="LiveId" clId="{CC934404-5E3A-47B9-9E11-DE7E5AB3349F}" dt="2020-05-31T02:45:22.709" v="520" actId="478"/>
+          <ac:spMkLst>
+            <pc:docMk/>
+            <pc:sldMk cId="3241816355" sldId="605"/>
+            <ac:spMk id="15" creationId="{688CDA68-FB5E-4C9C-9F62-C4D11CE7BCE1}"/>
+          </ac:spMkLst>
+        </pc:spChg>
+        <pc:spChg chg="mod">
+          <ac:chgData name="zhang hua" userId="692e123b3e9a7e92" providerId="LiveId" clId="{CC934404-5E3A-47B9-9E11-DE7E5AB3349F}" dt="2020-05-31T03:18:47.462" v="745" actId="14100"/>
+          <ac:spMkLst>
+            <pc:docMk/>
+            <pc:sldMk cId="3241816355" sldId="605"/>
+            <ac:spMk id="16" creationId="{9D94B637-CCFC-4F7D-9A98-76253A7B25B1}"/>
+          </ac:spMkLst>
+        </pc:spChg>
+        <pc:spChg chg="mod">
+          <ac:chgData name="zhang hua" userId="692e123b3e9a7e92" providerId="LiveId" clId="{CC934404-5E3A-47B9-9E11-DE7E5AB3349F}" dt="2020-05-31T02:49:31.905" v="652" actId="1076"/>
+          <ac:spMkLst>
+            <pc:docMk/>
+            <pc:sldMk cId="3241816355" sldId="605"/>
+            <ac:spMk id="19" creationId="{6E2BE995-6E5E-485D-B1EF-17D0372E5D78}"/>
+          </ac:spMkLst>
+        </pc:spChg>
+      </pc:sldChg>
+      <pc:sldChg chg="addSp delSp modSp add mod delAnim modAnim">
+        <pc:chgData name="zhang hua" userId="692e123b3e9a7e92" providerId="LiveId" clId="{CC934404-5E3A-47B9-9E11-DE7E5AB3349F}" dt="2020-05-31T12:49:21.570" v="1890"/>
+        <pc:sldMkLst>
+          <pc:docMk/>
+          <pc:sldMk cId="3283966863" sldId="606"/>
+        </pc:sldMkLst>
+        <pc:spChg chg="mod">
+          <ac:chgData name="zhang hua" userId="692e123b3e9a7e92" providerId="LiveId" clId="{CC934404-5E3A-47B9-9E11-DE7E5AB3349F}" dt="2020-05-31T03:32:18.110" v="1020" actId="1076"/>
+          <ac:spMkLst>
+            <pc:docMk/>
+            <pc:sldMk cId="3283966863" sldId="606"/>
+            <ac:spMk id="3" creationId="{3F1DB86B-7150-4D46-AF3A-2A8E123DF8A8}"/>
+          </ac:spMkLst>
+        </pc:spChg>
+        <pc:spChg chg="add mod">
+          <ac:chgData name="zhang hua" userId="692e123b3e9a7e92" providerId="LiveId" clId="{CC934404-5E3A-47B9-9E11-DE7E5AB3349F}" dt="2020-05-31T03:23:56.102" v="907" actId="1076"/>
+          <ac:spMkLst>
+            <pc:docMk/>
+            <pc:sldMk cId="3283966863" sldId="606"/>
+            <ac:spMk id="5" creationId="{0C2FE1BF-11D4-4527-A39C-8D9B8EEA1A0D}"/>
+          </ac:spMkLst>
+        </pc:spChg>
+        <pc:spChg chg="mod">
+          <ac:chgData name="zhang hua" userId="692e123b3e9a7e92" providerId="LiveId" clId="{CC934404-5E3A-47B9-9E11-DE7E5AB3349F}" dt="2020-05-31T03:38:42.483" v="1063" actId="20577"/>
+          <ac:spMkLst>
+            <pc:docMk/>
+            <pc:sldMk cId="3283966863" sldId="606"/>
+            <ac:spMk id="8" creationId="{D8833C80-BC2F-4967-B2CD-72AA75727CE6}"/>
+          </ac:spMkLst>
+        </pc:spChg>
+        <pc:spChg chg="del">
+          <ac:chgData name="zhang hua" userId="692e123b3e9a7e92" providerId="LiveId" clId="{CC934404-5E3A-47B9-9E11-DE7E5AB3349F}" dt="2020-05-31T03:23:45.661" v="905" actId="478"/>
+          <ac:spMkLst>
+            <pc:docMk/>
+            <pc:sldMk cId="3283966863" sldId="606"/>
+            <ac:spMk id="10" creationId="{4E2D7992-737D-4B97-9FD4-7A8E290A8232}"/>
+          </ac:spMkLst>
+        </pc:spChg>
+        <pc:spChg chg="mod">
+          <ac:chgData name="zhang hua" userId="692e123b3e9a7e92" providerId="LiveId" clId="{CC934404-5E3A-47B9-9E11-DE7E5AB3349F}" dt="2020-05-31T03:18:16.028" v="741" actId="20577"/>
+          <ac:spMkLst>
+            <pc:docMk/>
+            <pc:sldMk cId="3283966863" sldId="606"/>
+            <ac:spMk id="11" creationId="{639678A6-EF93-47D0-9F1F-C88C10E599B1}"/>
+          </ac:spMkLst>
+        </pc:spChg>
+        <pc:spChg chg="del">
+          <ac:chgData name="zhang hua" userId="692e123b3e9a7e92" providerId="LiveId" clId="{CC934404-5E3A-47B9-9E11-DE7E5AB3349F}" dt="2020-05-31T03:18:28.802" v="743" actId="478"/>
+          <ac:spMkLst>
+            <pc:docMk/>
+            <pc:sldMk cId="3283966863" sldId="606"/>
+            <ac:spMk id="12" creationId="{86223CFD-970C-418B-B3B9-75EDA29441A5}"/>
+          </ac:spMkLst>
+        </pc:spChg>
+        <pc:spChg chg="del">
+          <ac:chgData name="zhang hua" userId="692e123b3e9a7e92" providerId="LiveId" clId="{CC934404-5E3A-47B9-9E11-DE7E5AB3349F}" dt="2020-05-31T03:19:32.452" v="751" actId="478"/>
+          <ac:spMkLst>
+            <pc:docMk/>
+            <pc:sldMk cId="3283966863" sldId="606"/>
+            <ac:spMk id="13" creationId="{26CD80AE-B9EF-45A2-B055-CEAFA3CE769A}"/>
+          </ac:spMkLst>
+        </pc:spChg>
+        <pc:spChg chg="add mod">
+          <ac:chgData name="zhang hua" userId="692e123b3e9a7e92" providerId="LiveId" clId="{CC934404-5E3A-47B9-9E11-DE7E5AB3349F}" dt="2020-05-31T08:56:35.604" v="1709" actId="20577"/>
+          <ac:spMkLst>
+            <pc:docMk/>
+            <pc:sldMk cId="3283966863" sldId="606"/>
+            <ac:spMk id="14" creationId="{C9E5F054-AF21-451D-BD61-B3149F5E7EA9}"/>
+          </ac:spMkLst>
+        </pc:spChg>
+        <pc:spChg chg="add del mod">
+          <ac:chgData name="zhang hua" userId="692e123b3e9a7e92" providerId="LiveId" clId="{CC934404-5E3A-47B9-9E11-DE7E5AB3349F}" dt="2020-05-31T03:30:45.405" v="977" actId="478"/>
+          <ac:spMkLst>
+            <pc:docMk/>
+            <pc:sldMk cId="3283966863" sldId="606"/>
+            <ac:spMk id="15" creationId="{4A44289E-E9BC-4DE1-A94D-3EF45D075635}"/>
+          </ac:spMkLst>
+        </pc:spChg>
+        <pc:spChg chg="del">
+          <ac:chgData name="zhang hua" userId="692e123b3e9a7e92" providerId="LiveId" clId="{CC934404-5E3A-47B9-9E11-DE7E5AB3349F}" dt="2020-05-31T03:19:12.233" v="746" actId="478"/>
+          <ac:spMkLst>
+            <pc:docMk/>
+            <pc:sldMk cId="3283966863" sldId="606"/>
+            <ac:spMk id="16" creationId="{9D94B637-CCFC-4F7D-9A98-76253A7B25B1}"/>
+          </ac:spMkLst>
+        </pc:spChg>
+        <pc:spChg chg="add mod">
+          <ac:chgData name="zhang hua" userId="692e123b3e9a7e92" providerId="LiveId" clId="{CC934404-5E3A-47B9-9E11-DE7E5AB3349F}" dt="2020-05-31T08:56:23.611" v="1705" actId="1076"/>
+          <ac:spMkLst>
+            <pc:docMk/>
+            <pc:sldMk cId="3283966863" sldId="606"/>
+            <ac:spMk id="17" creationId="{E8D759C8-8444-4E5F-8AB8-7C227F6ABE82}"/>
+          </ac:spMkLst>
+        </pc:spChg>
+        <pc:spChg chg="add mod">
+          <ac:chgData name="zhang hua" userId="692e123b3e9a7e92" providerId="LiveId" clId="{CC934404-5E3A-47B9-9E11-DE7E5AB3349F}" dt="2020-05-31T08:55:54.573" v="1693" actId="1076"/>
+          <ac:spMkLst>
+            <pc:docMk/>
+            <pc:sldMk cId="3283966863" sldId="606"/>
+            <ac:spMk id="18" creationId="{6748771B-0E6B-44D3-8AE9-E103A40516FA}"/>
+          </ac:spMkLst>
+        </pc:spChg>
+        <pc:spChg chg="del">
+          <ac:chgData name="zhang hua" userId="692e123b3e9a7e92" providerId="LiveId" clId="{CC934404-5E3A-47B9-9E11-DE7E5AB3349F}" dt="2020-05-31T03:18:26.819" v="742" actId="478"/>
+          <ac:spMkLst>
+            <pc:docMk/>
+            <pc:sldMk cId="3283966863" sldId="606"/>
+            <ac:spMk id="19" creationId="{6E2BE995-6E5E-485D-B1EF-17D0372E5D78}"/>
+          </ac:spMkLst>
+        </pc:spChg>
+        <pc:spChg chg="add mod">
+          <ac:chgData name="zhang hua" userId="692e123b3e9a7e92" providerId="LiveId" clId="{CC934404-5E3A-47B9-9E11-DE7E5AB3349F}" dt="2020-05-31T08:56:42.603" v="1712" actId="20577"/>
+          <ac:spMkLst>
+            <pc:docMk/>
+            <pc:sldMk cId="3283966863" sldId="606"/>
+            <ac:spMk id="20" creationId="{06CF0D35-9359-4BFE-AAA0-DDF0D83E9E8C}"/>
+          </ac:spMkLst>
+        </pc:spChg>
+        <pc:spChg chg="add mod">
+          <ac:chgData name="zhang hua" userId="692e123b3e9a7e92" providerId="LiveId" clId="{CC934404-5E3A-47B9-9E11-DE7E5AB3349F}" dt="2020-05-31T08:56:11.834" v="1703" actId="6549"/>
+          <ac:spMkLst>
+            <pc:docMk/>
+            <pc:sldMk cId="3283966863" sldId="606"/>
+            <ac:spMk id="21" creationId="{4FDA7C49-F631-4062-9483-AE664D3E2BF7}"/>
+          </ac:spMkLst>
+        </pc:spChg>
+      </pc:sldChg>
+      <pc:sldChg chg="addSp delSp modSp add mod delAnim modAnim">
+        <pc:chgData name="zhang hua" userId="692e123b3e9a7e92" providerId="LiveId" clId="{CC934404-5E3A-47B9-9E11-DE7E5AB3349F}" dt="2020-05-31T12:49:36.832" v="1898"/>
+        <pc:sldMkLst>
+          <pc:docMk/>
+          <pc:sldMk cId="528679076" sldId="607"/>
+        </pc:sldMkLst>
+        <pc:spChg chg="del">
+          <ac:chgData name="zhang hua" userId="692e123b3e9a7e92" providerId="LiveId" clId="{CC934404-5E3A-47B9-9E11-DE7E5AB3349F}" dt="2020-05-31T03:46:23.123" v="1069" actId="478"/>
+          <ac:spMkLst>
+            <pc:docMk/>
+            <pc:sldMk cId="528679076" sldId="607"/>
+            <ac:spMk id="3" creationId="{3F1DB86B-7150-4D46-AF3A-2A8E123DF8A8}"/>
+          </ac:spMkLst>
+        </pc:spChg>
+        <pc:spChg chg="mod">
+          <ac:chgData name="zhang hua" userId="692e123b3e9a7e92" providerId="LiveId" clId="{CC934404-5E3A-47B9-9E11-DE7E5AB3349F}" dt="2020-05-31T03:47:13.113" v="1098"/>
+          <ac:spMkLst>
+            <pc:docMk/>
+            <pc:sldMk cId="528679076" sldId="607"/>
+            <ac:spMk id="5" creationId="{0C2FE1BF-11D4-4527-A39C-8D9B8EEA1A0D}"/>
+          </ac:spMkLst>
+        </pc:spChg>
+        <pc:spChg chg="del">
+          <ac:chgData name="zhang hua" userId="692e123b3e9a7e92" providerId="LiveId" clId="{CC934404-5E3A-47B9-9E11-DE7E5AB3349F}" dt="2020-05-31T03:47:52.348" v="1099" actId="478"/>
+          <ac:spMkLst>
+            <pc:docMk/>
+            <pc:sldMk cId="528679076" sldId="607"/>
+            <ac:spMk id="8" creationId="{D8833C80-BC2F-4967-B2CD-72AA75727CE6}"/>
+          </ac:spMkLst>
+        </pc:spChg>
+        <pc:spChg chg="mod">
+          <ac:chgData name="zhang hua" userId="692e123b3e9a7e92" providerId="LiveId" clId="{CC934404-5E3A-47B9-9E11-DE7E5AB3349F}" dt="2020-05-31T03:46:18.490" v="1067" actId="1076"/>
+          <ac:spMkLst>
+            <pc:docMk/>
+            <pc:sldMk cId="528679076" sldId="607"/>
+            <ac:spMk id="11" creationId="{639678A6-EF93-47D0-9F1F-C88C10E599B1}"/>
+          </ac:spMkLst>
+        </pc:spChg>
+        <pc:spChg chg="mod">
+          <ac:chgData name="zhang hua" userId="692e123b3e9a7e92" providerId="LiveId" clId="{CC934404-5E3A-47B9-9E11-DE7E5AB3349F}" dt="2020-05-31T08:57:14.026" v="1716" actId="20577"/>
+          <ac:spMkLst>
+            <pc:docMk/>
+            <pc:sldMk cId="528679076" sldId="607"/>
+            <ac:spMk id="14" creationId="{C9E5F054-AF21-451D-BD61-B3149F5E7EA9}"/>
+          </ac:spMkLst>
+        </pc:spChg>
+        <pc:spChg chg="add mod">
+          <ac:chgData name="zhang hua" userId="692e123b3e9a7e92" providerId="LiveId" clId="{CC934404-5E3A-47B9-9E11-DE7E5AB3349F}" dt="2020-05-31T08:57:31.927" v="1723" actId="20577"/>
+          <ac:spMkLst>
+            <pc:docMk/>
+            <pc:sldMk cId="528679076" sldId="607"/>
+            <ac:spMk id="15" creationId="{D1DD1573-8130-40C7-87A4-6D3DB339DD7D}"/>
+          </ac:spMkLst>
+        </pc:spChg>
+        <pc:spChg chg="add mod">
+          <ac:chgData name="zhang hua" userId="692e123b3e9a7e92" providerId="LiveId" clId="{CC934404-5E3A-47B9-9E11-DE7E5AB3349F}" dt="2020-05-31T08:57:24.780" v="1720" actId="20577"/>
+          <ac:spMkLst>
+            <pc:docMk/>
+            <pc:sldMk cId="528679076" sldId="607"/>
+            <ac:spMk id="16" creationId="{48F7767A-9EDA-4BA6-A155-70253FE95DD7}"/>
+          </ac:spMkLst>
+        </pc:spChg>
+        <pc:spChg chg="del mod">
+          <ac:chgData name="zhang hua" userId="692e123b3e9a7e92" providerId="LiveId" clId="{CC934404-5E3A-47B9-9E11-DE7E5AB3349F}" dt="2020-05-31T03:49:56.423" v="1145" actId="478"/>
+          <ac:spMkLst>
+            <pc:docMk/>
+            <pc:sldMk cId="528679076" sldId="607"/>
+            <ac:spMk id="17" creationId="{E8D759C8-8444-4E5F-8AB8-7C227F6ABE82}"/>
+          </ac:spMkLst>
+        </pc:spChg>
+        <pc:spChg chg="mod">
+          <ac:chgData name="zhang hua" userId="692e123b3e9a7e92" providerId="LiveId" clId="{CC934404-5E3A-47B9-9E11-DE7E5AB3349F}" dt="2020-05-31T03:51:36.810" v="1202" actId="1076"/>
+          <ac:spMkLst>
+            <pc:docMk/>
+            <pc:sldMk cId="528679076" sldId="607"/>
+            <ac:spMk id="18" creationId="{6748771B-0E6B-44D3-8AE9-E103A40516FA}"/>
+          </ac:spMkLst>
+        </pc:spChg>
+        <pc:spChg chg="add mod">
+          <ac:chgData name="zhang hua" userId="692e123b3e9a7e92" providerId="LiveId" clId="{CC934404-5E3A-47B9-9E11-DE7E5AB3349F}" dt="2020-05-31T08:57:37.156" v="1726" actId="20577"/>
+          <ac:spMkLst>
+            <pc:docMk/>
+            <pc:sldMk cId="528679076" sldId="607"/>
+            <ac:spMk id="19" creationId="{8018A45B-105E-4343-92F7-DA2890878326}"/>
+          </ac:spMkLst>
+        </pc:spChg>
+        <pc:spChg chg="del">
+          <ac:chgData name="zhang hua" userId="692e123b3e9a7e92" providerId="LiveId" clId="{CC934404-5E3A-47B9-9E11-DE7E5AB3349F}" dt="2020-05-31T03:51:39.116" v="1203" actId="478"/>
+          <ac:spMkLst>
+            <pc:docMk/>
+            <pc:sldMk cId="528679076" sldId="607"/>
+            <ac:spMk id="20" creationId="{06CF0D35-9359-4BFE-AAA0-DDF0D83E9E8C}"/>
+          </ac:spMkLst>
+        </pc:spChg>
+        <pc:spChg chg="del">
+          <ac:chgData name="zhang hua" userId="692e123b3e9a7e92" providerId="LiveId" clId="{CC934404-5E3A-47B9-9E11-DE7E5AB3349F}" dt="2020-05-31T03:47:54.012" v="1100" actId="478"/>
+          <ac:spMkLst>
+            <pc:docMk/>
+            <pc:sldMk cId="528679076" sldId="607"/>
+            <ac:spMk id="21" creationId="{4FDA7C49-F631-4062-9483-AE664D3E2BF7}"/>
+          </ac:spMkLst>
+        </pc:spChg>
+        <pc:spChg chg="add mod">
+          <ac:chgData name="zhang hua" userId="692e123b3e9a7e92" providerId="LiveId" clId="{CC934404-5E3A-47B9-9E11-DE7E5AB3349F}" dt="2020-05-31T04:46:20.228" v="1299" actId="1076"/>
+          <ac:spMkLst>
+            <pc:docMk/>
+            <pc:sldMk cId="528679076" sldId="607"/>
+            <ac:spMk id="22" creationId="{4BC4C87E-C3A7-4431-81A9-A4D069B495D5}"/>
+          </ac:spMkLst>
+        </pc:spChg>
+        <pc:spChg chg="add mod">
+          <ac:chgData name="zhang hua" userId="692e123b3e9a7e92" providerId="LiveId" clId="{CC934404-5E3A-47B9-9E11-DE7E5AB3349F}" dt="2020-05-31T04:46:32.883" v="1307" actId="14100"/>
+          <ac:spMkLst>
+            <pc:docMk/>
+            <pc:sldMk cId="528679076" sldId="607"/>
+            <ac:spMk id="23" creationId="{0B32D0CE-763E-4AB1-9C7C-83DC6E4238EE}"/>
+          </ac:spMkLst>
+        </pc:spChg>
+      </pc:sldChg>
+      <pc:sldChg chg="add del">
+        <pc:chgData name="zhang hua" userId="692e123b3e9a7e92" providerId="LiveId" clId="{CC934404-5E3A-47B9-9E11-DE7E5AB3349F}" dt="2020-05-31T15:07:51.477" v="1920" actId="47"/>
+        <pc:sldMkLst>
+          <pc:docMk/>
+          <pc:sldMk cId="239840502" sldId="608"/>
+        </pc:sldMkLst>
+      </pc:sldChg>
+      <pc:sldChg chg="delSp modSp add mod delAnim modAnim">
+        <pc:chgData name="zhang hua" userId="692e123b3e9a7e92" providerId="LiveId" clId="{CC934404-5E3A-47B9-9E11-DE7E5AB3349F}" dt="2020-05-31T08:32:21.352" v="1500" actId="20577"/>
+        <pc:sldMkLst>
+          <pc:docMk/>
+          <pc:sldMk cId="2261663365" sldId="609"/>
+        </pc:sldMkLst>
+        <pc:spChg chg="mod">
+          <ac:chgData name="zhang hua" userId="692e123b3e9a7e92" providerId="LiveId" clId="{CC934404-5E3A-47B9-9E11-DE7E5AB3349F}" dt="2020-05-31T08:32:21.352" v="1500" actId="20577"/>
+          <ac:spMkLst>
+            <pc:docMk/>
+            <pc:sldMk cId="2261663365" sldId="609"/>
+            <ac:spMk id="3" creationId="{3F1DB86B-7150-4D46-AF3A-2A8E123DF8A8}"/>
+          </ac:spMkLst>
+        </pc:spChg>
+        <pc:spChg chg="del">
+          <ac:chgData name="zhang hua" userId="692e123b3e9a7e92" providerId="LiveId" clId="{CC934404-5E3A-47B9-9E11-DE7E5AB3349F}" dt="2020-05-31T08:27:38.936" v="1439" actId="478"/>
+          <ac:spMkLst>
+            <pc:docMk/>
+            <pc:sldMk cId="2261663365" sldId="609"/>
+            <ac:spMk id="8" creationId="{D8833C80-BC2F-4967-B2CD-72AA75727CE6}"/>
+          </ac:spMkLst>
+        </pc:spChg>
+        <pc:spChg chg="del mod">
+          <ac:chgData name="zhang hua" userId="692e123b3e9a7e92" providerId="LiveId" clId="{CC934404-5E3A-47B9-9E11-DE7E5AB3349F}" dt="2020-05-31T08:29:43.495" v="1490" actId="478"/>
+          <ac:spMkLst>
+            <pc:docMk/>
+            <pc:sldMk cId="2261663365" sldId="609"/>
+            <ac:spMk id="10" creationId="{4E2D7992-737D-4B97-9FD4-7A8E290A8232}"/>
+          </ac:spMkLst>
+        </pc:spChg>
+        <pc:spChg chg="mod">
+          <ac:chgData name="zhang hua" userId="692e123b3e9a7e92" providerId="LiveId" clId="{CC934404-5E3A-47B9-9E11-DE7E5AB3349F}" dt="2020-05-31T08:29:50.592" v="1491"/>
+          <ac:spMkLst>
+            <pc:docMk/>
+            <pc:sldMk cId="2261663365" sldId="609"/>
+            <ac:spMk id="11" creationId="{639678A6-EF93-47D0-9F1F-C88C10E599B1}"/>
+          </ac:spMkLst>
+        </pc:spChg>
+        <pc:spChg chg="mod">
+          <ac:chgData name="zhang hua" userId="692e123b3e9a7e92" providerId="LiveId" clId="{CC934404-5E3A-47B9-9E11-DE7E5AB3349F}" dt="2020-05-31T08:21:09.576" v="1394" actId="20577"/>
+          <ac:spMkLst>
+            <pc:docMk/>
+            <pc:sldMk cId="2261663365" sldId="609"/>
+            <ac:spMk id="12" creationId="{86223CFD-970C-418B-B3B9-75EDA29441A5}"/>
+          </ac:spMkLst>
+        </pc:spChg>
+        <pc:spChg chg="mod">
+          <ac:chgData name="zhang hua" userId="692e123b3e9a7e92" providerId="LiveId" clId="{CC934404-5E3A-47B9-9E11-DE7E5AB3349F}" dt="2020-05-31T08:27:34.389" v="1437" actId="14100"/>
+          <ac:spMkLst>
+            <pc:docMk/>
+            <pc:sldMk cId="2261663365" sldId="609"/>
+            <ac:spMk id="13" creationId="{26CD80AE-B9EF-45A2-B055-CEAFA3CE769A}"/>
+          </ac:spMkLst>
+        </pc:spChg>
+        <pc:spChg chg="del">
+          <ac:chgData name="zhang hua" userId="692e123b3e9a7e92" providerId="LiveId" clId="{CC934404-5E3A-47B9-9E11-DE7E5AB3349F}" dt="2020-05-31T08:21:02.066" v="1392" actId="478"/>
+          <ac:spMkLst>
+            <pc:docMk/>
+            <pc:sldMk cId="2261663365" sldId="609"/>
+            <ac:spMk id="16" creationId="{9D94B637-CCFC-4F7D-9A98-76253A7B25B1}"/>
+          </ac:spMkLst>
+        </pc:spChg>
+        <pc:spChg chg="mod">
+          <ac:chgData name="zhang hua" userId="692e123b3e9a7e92" providerId="LiveId" clId="{CC934404-5E3A-47B9-9E11-DE7E5AB3349F}" dt="2020-05-31T08:25:28.823" v="1434" actId="14100"/>
+          <ac:spMkLst>
+            <pc:docMk/>
+            <pc:sldMk cId="2261663365" sldId="609"/>
+            <ac:spMk id="19" creationId="{6E2BE995-6E5E-485D-B1EF-17D0372E5D78}"/>
+          </ac:spMkLst>
+        </pc:spChg>
+      </pc:sldChg>
+      <pc:sldChg chg="add del">
+        <pc:chgData name="zhang hua" userId="692e123b3e9a7e92" providerId="LiveId" clId="{CC934404-5E3A-47B9-9E11-DE7E5AB3349F}" dt="2020-05-31T15:07:55.661" v="1922" actId="47"/>
+        <pc:sldMkLst>
+          <pc:docMk/>
+          <pc:sldMk cId="758191624" sldId="610"/>
+        </pc:sldMkLst>
+      </pc:sldChg>
+      <pc:sldChg chg="add">
+        <pc:chgData name="zhang hua" userId="692e123b3e9a7e92" providerId="LiveId" clId="{CC934404-5E3A-47B9-9E11-DE7E5AB3349F}" dt="2020-05-31T08:47:11.166" v="1502"/>
+        <pc:sldMkLst>
+          <pc:docMk/>
+          <pc:sldMk cId="4159610496" sldId="611"/>
+        </pc:sldMkLst>
+      </pc:sldChg>
+      <pc:sldChg chg="add del">
+        <pc:chgData name="zhang hua" userId="692e123b3e9a7e92" providerId="LiveId" clId="{CC934404-5E3A-47B9-9E11-DE7E5AB3349F}" dt="2020-05-31T15:07:59.793" v="1926" actId="47"/>
+        <pc:sldMkLst>
+          <pc:docMk/>
+          <pc:sldMk cId="23322473" sldId="612"/>
+        </pc:sldMkLst>
+      </pc:sldChg>
+      <pc:sldChg chg="add del">
+        <pc:chgData name="zhang hua" userId="692e123b3e9a7e92" providerId="LiveId" clId="{CC934404-5E3A-47B9-9E11-DE7E5AB3349F}" dt="2020-05-31T15:07:59.367" v="1925" actId="47"/>
+        <pc:sldMkLst>
+          <pc:docMk/>
+          <pc:sldMk cId="2570346812" sldId="613"/>
+        </pc:sldMkLst>
+      </pc:sldChg>
+      <pc:sldChg chg="add del">
+        <pc:chgData name="zhang hua" userId="692e123b3e9a7e92" providerId="LiveId" clId="{CC934404-5E3A-47B9-9E11-DE7E5AB3349F}" dt="2020-05-31T15:07:59.003" v="1924" actId="47"/>
+        <pc:sldMkLst>
+          <pc:docMk/>
+          <pc:sldMk cId="3268990480" sldId="614"/>
+        </pc:sldMkLst>
+      </pc:sldChg>
+      <pc:sldChg chg="add del">
+        <pc:chgData name="zhang hua" userId="692e123b3e9a7e92" providerId="LiveId" clId="{CC934404-5E3A-47B9-9E11-DE7E5AB3349F}" dt="2020-05-31T15:07:58.587" v="1923" actId="47"/>
+        <pc:sldMkLst>
+          <pc:docMk/>
+          <pc:sldMk cId="3666095202" sldId="615"/>
+        </pc:sldMkLst>
+      </pc:sldChg>
+      <pc:sldChg chg="addSp delSp modSp add mod delAnim modAnim">
+        <pc:chgData name="zhang hua" userId="692e123b3e9a7e92" providerId="LiveId" clId="{CC934404-5E3A-47B9-9E11-DE7E5AB3349F}" dt="2020-05-31T12:49:48.341" v="1904"/>
+        <pc:sldMkLst>
+          <pc:docMk/>
+          <pc:sldMk cId="1914383446" sldId="616"/>
+        </pc:sldMkLst>
+        <pc:spChg chg="mod">
+          <ac:chgData name="zhang hua" userId="692e123b3e9a7e92" providerId="LiveId" clId="{CC934404-5E3A-47B9-9E11-DE7E5AB3349F}" dt="2020-05-31T08:51:34.368" v="1641" actId="20577"/>
+          <ac:spMkLst>
+            <pc:docMk/>
+            <pc:sldMk cId="1914383446" sldId="616"/>
+            <ac:spMk id="5" creationId="{0C2FE1BF-11D4-4527-A39C-8D9B8EEA1A0D}"/>
+          </ac:spMkLst>
+        </pc:spChg>
+        <pc:spChg chg="del">
+          <ac:chgData name="zhang hua" userId="692e123b3e9a7e92" providerId="LiveId" clId="{CC934404-5E3A-47B9-9E11-DE7E5AB3349F}" dt="2020-05-31T08:51:27.245" v="1631" actId="478"/>
+          <ac:spMkLst>
+            <pc:docMk/>
+            <pc:sldMk cId="1914383446" sldId="616"/>
+            <ac:spMk id="11" creationId="{639678A6-EF93-47D0-9F1F-C88C10E599B1}"/>
+          </ac:spMkLst>
+        </pc:spChg>
+        <pc:spChg chg="del">
+          <ac:chgData name="zhang hua" userId="692e123b3e9a7e92" providerId="LiveId" clId="{CC934404-5E3A-47B9-9E11-DE7E5AB3349F}" dt="2020-05-31T08:52:34.416" v="1645" actId="478"/>
+          <ac:spMkLst>
+            <pc:docMk/>
+            <pc:sldMk cId="1914383446" sldId="616"/>
+            <ac:spMk id="14" creationId="{C9E5F054-AF21-451D-BD61-B3149F5E7EA9}"/>
+          </ac:spMkLst>
+        </pc:spChg>
+        <pc:spChg chg="del">
+          <ac:chgData name="zhang hua" userId="692e123b3e9a7e92" providerId="LiveId" clId="{CC934404-5E3A-47B9-9E11-DE7E5AB3349F}" dt="2020-05-31T08:54:07.714" v="1668" actId="478"/>
+          <ac:spMkLst>
+            <pc:docMk/>
+            <pc:sldMk cId="1914383446" sldId="616"/>
+            <ac:spMk id="15" creationId="{D1DD1573-8130-40C7-87A4-6D3DB339DD7D}"/>
+          </ac:spMkLst>
+        </pc:spChg>
+        <pc:spChg chg="mod">
+          <ac:chgData name="zhang hua" userId="692e123b3e9a7e92" providerId="LiveId" clId="{CC934404-5E3A-47B9-9E11-DE7E5AB3349F}" dt="2020-05-31T08:53:36.226" v="1663" actId="1076"/>
+          <ac:spMkLst>
+            <pc:docMk/>
+            <pc:sldMk cId="1914383446" sldId="616"/>
+            <ac:spMk id="16" creationId="{48F7767A-9EDA-4BA6-A155-70253FE95DD7}"/>
+          </ac:spMkLst>
+        </pc:spChg>
+        <pc:spChg chg="add mod">
+          <ac:chgData name="zhang hua" userId="692e123b3e9a7e92" providerId="LiveId" clId="{CC934404-5E3A-47B9-9E11-DE7E5AB3349F}" dt="2020-05-31T08:54:32.410" v="1682" actId="20577"/>
+          <ac:spMkLst>
+            <pc:docMk/>
+            <pc:sldMk cId="1914383446" sldId="616"/>
+            <ac:spMk id="17" creationId="{2E69457D-84A9-48F2-B1EB-7C159F8F2B7A}"/>
+          </ac:spMkLst>
+        </pc:spChg>
+        <pc:spChg chg="mod">
+          <ac:chgData name="zhang hua" userId="692e123b3e9a7e92" providerId="LiveId" clId="{CC934404-5E3A-47B9-9E11-DE7E5AB3349F}" dt="2020-05-31T08:53:58.363" v="1667" actId="20577"/>
+          <ac:spMkLst>
+            <pc:docMk/>
+            <pc:sldMk cId="1914383446" sldId="616"/>
+            <ac:spMk id="18" creationId="{6748771B-0E6B-44D3-8AE9-E103A40516FA}"/>
+          </ac:spMkLst>
+        </pc:spChg>
+        <pc:spChg chg="del">
+          <ac:chgData name="zhang hua" userId="692e123b3e9a7e92" providerId="LiveId" clId="{CC934404-5E3A-47B9-9E11-DE7E5AB3349F}" dt="2020-05-31T08:54:12.761" v="1671" actId="478"/>
+          <ac:spMkLst>
+            <pc:docMk/>
+            <pc:sldMk cId="1914383446" sldId="616"/>
+            <ac:spMk id="19" creationId="{8018A45B-105E-4343-92F7-DA2890878326}"/>
+          </ac:spMkLst>
+        </pc:spChg>
+        <pc:spChg chg="mod">
+          <ac:chgData name="zhang hua" userId="692e123b3e9a7e92" providerId="LiveId" clId="{CC934404-5E3A-47B9-9E11-DE7E5AB3349F}" dt="2020-05-31T08:52:55.387" v="1647" actId="20577"/>
+          <ac:spMkLst>
+            <pc:docMk/>
+            <pc:sldMk cId="1914383446" sldId="616"/>
+            <ac:spMk id="22" creationId="{4BC4C87E-C3A7-4431-81A9-A4D069B495D5}"/>
+          </ac:spMkLst>
+        </pc:spChg>
+        <pc:spChg chg="mod">
+          <ac:chgData name="zhang hua" userId="692e123b3e9a7e92" providerId="LiveId" clId="{CC934404-5E3A-47B9-9E11-DE7E5AB3349F}" dt="2020-05-31T08:54:44.426" v="1684" actId="14100"/>
+          <ac:spMkLst>
+            <pc:docMk/>
+            <pc:sldMk cId="1914383446" sldId="616"/>
+            <ac:spMk id="23" creationId="{0B32D0CE-763E-4AB1-9C7C-83DC6E4238EE}"/>
+          </ac:spMkLst>
+        </pc:spChg>
+      </pc:sldChg>
+      <pc:sldChg chg="addSp delSp modSp add mod delAnim modAnim">
+        <pc:chgData name="zhang hua" userId="692e123b3e9a7e92" providerId="LiveId" clId="{CC934404-5E3A-47B9-9E11-DE7E5AB3349F}" dt="2020-05-31T12:50:03.005" v="1912"/>
+        <pc:sldMkLst>
+          <pc:docMk/>
+          <pc:sldMk cId="1823998689" sldId="617"/>
+        </pc:sldMkLst>
+        <pc:spChg chg="mod">
+          <ac:chgData name="zhang hua" userId="692e123b3e9a7e92" providerId="LiveId" clId="{CC934404-5E3A-47B9-9E11-DE7E5AB3349F}" dt="2020-05-31T12:32:50.077" v="1806" actId="20577"/>
+          <ac:spMkLst>
+            <pc:docMk/>
+            <pc:sldMk cId="1823998689" sldId="617"/>
+            <ac:spMk id="5" creationId="{0C2FE1BF-11D4-4527-A39C-8D9B8EEA1A0D}"/>
+          </ac:spMkLst>
+        </pc:spChg>
+        <pc:spChg chg="add mod">
+          <ac:chgData name="zhang hua" userId="692e123b3e9a7e92" providerId="LiveId" clId="{CC934404-5E3A-47B9-9E11-DE7E5AB3349F}" dt="2020-05-31T12:37:22.026" v="1846" actId="20577"/>
+          <ac:spMkLst>
+            <pc:docMk/>
+            <pc:sldMk cId="1823998689" sldId="617"/>
+            <ac:spMk id="11" creationId="{1F5B8874-10DB-4792-B643-8980F3732C96}"/>
+          </ac:spMkLst>
+        </pc:spChg>
+        <pc:spChg chg="del">
+          <ac:chgData name="zhang hua" userId="692e123b3e9a7e92" providerId="LiveId" clId="{CC934404-5E3A-47B9-9E11-DE7E5AB3349F}" dt="2020-05-31T12:35:24.717" v="1843" actId="478"/>
+          <ac:spMkLst>
+            <pc:docMk/>
+            <pc:sldMk cId="1823998689" sldId="617"/>
+            <ac:spMk id="16" creationId="{48F7767A-9EDA-4BA6-A155-70253FE95DD7}"/>
+          </ac:spMkLst>
+        </pc:spChg>
+        <pc:spChg chg="mod">
+          <ac:chgData name="zhang hua" userId="692e123b3e9a7e92" providerId="LiveId" clId="{CC934404-5E3A-47B9-9E11-DE7E5AB3349F}" dt="2020-05-31T12:35:15.125" v="1842" actId="20577"/>
+          <ac:spMkLst>
+            <pc:docMk/>
+            <pc:sldMk cId="1823998689" sldId="617"/>
+            <ac:spMk id="17" creationId="{2E69457D-84A9-48F2-B1EB-7C159F8F2B7A}"/>
+          </ac:spMkLst>
+        </pc:spChg>
+        <pc:spChg chg="mod">
+          <ac:chgData name="zhang hua" userId="692e123b3e9a7e92" providerId="LiveId" clId="{CC934404-5E3A-47B9-9E11-DE7E5AB3349F}" dt="2020-05-31T12:34:15.315" v="1809" actId="20577"/>
+          <ac:spMkLst>
+            <pc:docMk/>
+            <pc:sldMk cId="1823998689" sldId="617"/>
+            <ac:spMk id="18" creationId="{6748771B-0E6B-44D3-8AE9-E103A40516FA}"/>
+          </ac:spMkLst>
+        </pc:spChg>
+      </pc:sldChg>
+    </pc:docChg>
+  </pc:docChgLst>
+  <pc:docChgLst>
+    <pc:chgData name="zhang hua" userId="692e123b3e9a7e92" providerId="LiveId" clId="{77E15D27-0BB6-4DFC-A2A3-6EB05682AAD4}"/>
+    <pc:docChg chg="undo custSel addSld delSld modSld sldOrd">
+      <pc:chgData name="zhang hua" userId="692e123b3e9a7e92" providerId="LiveId" clId="{77E15D27-0BB6-4DFC-A2A3-6EB05682AAD4}" dt="2021-06-04T02:29:26.045" v="2901" actId="20577"/>
+      <pc:docMkLst>
+        <pc:docMk/>
+      </pc:docMkLst>
+      <pc:sldChg chg="addSp delSp modSp mod">
+        <pc:chgData name="zhang hua" userId="692e123b3e9a7e92" providerId="LiveId" clId="{77E15D27-0BB6-4DFC-A2A3-6EB05682AAD4}" dt="2021-06-04T00:29:48.310" v="2886" actId="20577"/>
+        <pc:sldMkLst>
+          <pc:docMk/>
+          <pc:sldMk cId="3707575789" sldId="464"/>
+        </pc:sldMkLst>
+        <pc:spChg chg="mod">
+          <ac:chgData name="zhang hua" userId="692e123b3e9a7e92" providerId="LiveId" clId="{77E15D27-0BB6-4DFC-A2A3-6EB05682AAD4}" dt="2021-06-04T00:29:48.310" v="2886" actId="20577"/>
+          <ac:spMkLst>
+            <pc:docMk/>
+            <pc:sldMk cId="3707575789" sldId="464"/>
+            <ac:spMk id="8" creationId="{53894266-BE4C-43B1-A182-8AC388DF9AED}"/>
+          </ac:spMkLst>
+        </pc:spChg>
+        <pc:spChg chg="mod">
+          <ac:chgData name="zhang hua" userId="692e123b3e9a7e92" providerId="LiveId" clId="{77E15D27-0BB6-4DFC-A2A3-6EB05682AAD4}" dt="2021-05-31T14:44:50.388" v="820" actId="2711"/>
+          <ac:spMkLst>
+            <pc:docMk/>
+            <pc:sldMk cId="3707575789" sldId="464"/>
+            <ac:spMk id="10" creationId="{D6A21F6C-F435-45C5-8F71-F867F0D79F04}"/>
+          </ac:spMkLst>
+        </pc:spChg>
+        <pc:inkChg chg="add del">
+          <ac:chgData name="zhang hua" userId="692e123b3e9a7e92" providerId="LiveId" clId="{77E15D27-0BB6-4DFC-A2A3-6EB05682AAD4}" dt="2021-05-28T15:33:10.722" v="2" actId="478"/>
+          <ac:inkMkLst>
+            <pc:docMk/>
+            <pc:sldMk cId="3707575789" sldId="464"/>
+            <ac:inkMk id="4" creationId="{D9D543C0-4E04-4A78-9E9C-B880929C7ED9}"/>
+          </ac:inkMkLst>
+        </pc:inkChg>
+      </pc:sldChg>
+      <pc:sldChg chg="addSp delSp modSp mod addAnim delAnim modAnim">
+        <pc:chgData name="zhang hua" userId="692e123b3e9a7e92" providerId="LiveId" clId="{77E15D27-0BB6-4DFC-A2A3-6EB05682AAD4}" dt="2021-06-03T17:03:34.989" v="2745"/>
+        <pc:sldMkLst>
+          <pc:docMk/>
+          <pc:sldMk cId="3978341358" sldId="539"/>
+        </pc:sldMkLst>
+        <pc:spChg chg="mod">
+          <ac:chgData name="zhang hua" userId="692e123b3e9a7e92" providerId="LiveId" clId="{77E15D27-0BB6-4DFC-A2A3-6EB05682AAD4}" dt="2021-05-28T16:08:52.288" v="43" actId="20577"/>
+          <ac:spMkLst>
+            <pc:docMk/>
+            <pc:sldMk cId="3978341358" sldId="539"/>
+            <ac:spMk id="7" creationId="{495119F0-9BC1-4B86-A2F7-78EA40B35DEC}"/>
+          </ac:spMkLst>
+        </pc:spChg>
+        <pc:spChg chg="del">
+          <ac:chgData name="zhang hua" userId="692e123b3e9a7e92" providerId="LiveId" clId="{77E15D27-0BB6-4DFC-A2A3-6EB05682AAD4}" dt="2021-05-28T16:09:34.638" v="50" actId="478"/>
+          <ac:spMkLst>
+            <pc:docMk/>
+            <pc:sldMk cId="3978341358" sldId="539"/>
+            <ac:spMk id="8" creationId="{45FB3874-F02B-754E-98BD-C600DC253B68}"/>
+          </ac:spMkLst>
+        </pc:spChg>
+        <pc:spChg chg="del">
+          <ac:chgData name="zhang hua" userId="692e123b3e9a7e92" providerId="LiveId" clId="{77E15D27-0BB6-4DFC-A2A3-6EB05682AAD4}" dt="2021-05-28T16:09:20.501" v="46" actId="478"/>
+          <ac:spMkLst>
+            <pc:docMk/>
+            <pc:sldMk cId="3978341358" sldId="539"/>
+            <ac:spMk id="9" creationId="{6B14A96A-3EEC-C144-ABFE-45383DD23123}"/>
+          </ac:spMkLst>
+        </pc:spChg>
+        <pc:spChg chg="mod">
+          <ac:chgData name="zhang hua" userId="692e123b3e9a7e92" providerId="LiveId" clId="{77E15D27-0BB6-4DFC-A2A3-6EB05682AAD4}" dt="2021-05-29T03:35:18.965" v="65" actId="1076"/>
+          <ac:spMkLst>
+            <pc:docMk/>
+            <pc:sldMk cId="3978341358" sldId="539"/>
+            <ac:spMk id="10" creationId="{431F5C29-FEDB-9243-B0D6-EB3C5FC4BA5B}"/>
+          </ac:spMkLst>
+        </pc:spChg>
+        <pc:spChg chg="add del mod">
+          <ac:chgData name="zhang hua" userId="692e123b3e9a7e92" providerId="LiveId" clId="{77E15D27-0BB6-4DFC-A2A3-6EB05682AAD4}" dt="2021-05-29T03:35:35.793" v="70" actId="1076"/>
+          <ac:spMkLst>
+            <pc:docMk/>
+            <pc:sldMk cId="3978341358" sldId="539"/>
+            <ac:spMk id="11" creationId="{8118F8BA-2F9C-408B-87F0-A06EB9262D70}"/>
+          </ac:spMkLst>
+        </pc:spChg>
+        <pc:spChg chg="add mod">
+          <ac:chgData name="zhang hua" userId="692e123b3e9a7e92" providerId="LiveId" clId="{77E15D27-0BB6-4DFC-A2A3-6EB05682AAD4}" dt="2021-05-29T03:35:56.616" v="72" actId="207"/>
+          <ac:spMkLst>
+            <pc:docMk/>
+            <pc:sldMk cId="3978341358" sldId="539"/>
+            <ac:spMk id="12" creationId="{DB0B2522-2616-4C09-A0B0-2F8772369925}"/>
+          </ac:spMkLst>
+        </pc:spChg>
+        <pc:inkChg chg="add del">
+          <ac:chgData name="zhang hua" userId="692e123b3e9a7e92" providerId="LiveId" clId="{77E15D27-0BB6-4DFC-A2A3-6EB05682AAD4}" dt="2021-05-28T15:33:13.577" v="3" actId="478"/>
+          <ac:inkMkLst>
+            <pc:docMk/>
+            <pc:sldMk cId="3978341358" sldId="539"/>
+            <ac:inkMk id="3" creationId="{B3C5FAF5-C579-4A13-B865-2DBAFA86C0B7}"/>
+          </ac:inkMkLst>
+        </pc:inkChg>
+      </pc:sldChg>
+      <pc:sldChg chg="addSp delSp modSp mod delAnim modAnim">
+        <pc:chgData name="zhang hua" userId="692e123b3e9a7e92" providerId="LiveId" clId="{77E15D27-0BB6-4DFC-A2A3-6EB05682AAD4}" dt="2021-05-29T06:48:57.289" v="141" actId="20577"/>
+        <pc:sldMkLst>
+          <pc:docMk/>
+          <pc:sldMk cId="3283854528" sldId="596"/>
+        </pc:sldMkLst>
+        <pc:spChg chg="del">
+          <ac:chgData name="zhang hua" userId="692e123b3e9a7e92" providerId="LiveId" clId="{77E15D27-0BB6-4DFC-A2A3-6EB05682AAD4}" dt="2021-05-29T06:39:08.031" v="78" actId="478"/>
+          <ac:spMkLst>
+            <pc:docMk/>
+            <pc:sldMk cId="3283854528" sldId="596"/>
+            <ac:spMk id="8" creationId="{46743DB1-C235-4A6F-B42B-917BA0AAFF72}"/>
+          </ac:spMkLst>
+        </pc:spChg>
+        <pc:spChg chg="add mod">
+          <ac:chgData name="zhang hua" userId="692e123b3e9a7e92" providerId="LiveId" clId="{77E15D27-0BB6-4DFC-A2A3-6EB05682AAD4}" dt="2021-05-29T06:48:57.289" v="141" actId="20577"/>
+          <ac:spMkLst>
+            <pc:docMk/>
+            <pc:sldMk cId="3283854528" sldId="596"/>
+            <ac:spMk id="10" creationId="{B2A505DA-C286-4DDA-A934-B1DC8E670B6A}"/>
+          </ac:spMkLst>
+        </pc:spChg>
+        <pc:spChg chg="del mod">
+          <ac:chgData name="zhang hua" userId="692e123b3e9a7e92" providerId="LiveId" clId="{77E15D27-0BB6-4DFC-A2A3-6EB05682AAD4}" dt="2021-05-29T06:47:54.867" v="125" actId="478"/>
+          <ac:spMkLst>
+            <pc:docMk/>
+            <pc:sldMk cId="3283854528" sldId="596"/>
+            <ac:spMk id="11" creationId="{8118F8BA-2F9C-408B-87F0-A06EB9262D70}"/>
+          </ac:spMkLst>
+        </pc:spChg>
+        <pc:spChg chg="del">
+          <ac:chgData name="zhang hua" userId="692e123b3e9a7e92" providerId="LiveId" clId="{77E15D27-0BB6-4DFC-A2A3-6EB05682AAD4}" dt="2021-05-29T06:39:12.007" v="80" actId="478"/>
+          <ac:spMkLst>
+            <pc:docMk/>
+            <pc:sldMk cId="3283854528" sldId="596"/>
+            <ac:spMk id="12" creationId="{7AFCE5CA-2E15-9D40-9070-EBA0D0A7F00D}"/>
+          </ac:spMkLst>
+        </pc:spChg>
+        <pc:spChg chg="add mod">
+          <ac:chgData name="zhang hua" userId="692e123b3e9a7e92" providerId="LiveId" clId="{77E15D27-0BB6-4DFC-A2A3-6EB05682AAD4}" dt="2021-05-29T06:48:48.496" v="135" actId="12"/>
+          <ac:spMkLst>
+            <pc:docMk/>
+            <pc:sldMk cId="3283854528" sldId="596"/>
+            <ac:spMk id="13" creationId="{A4044EDB-3DE0-4C76-A3CA-E68356F916C6}"/>
+          </ac:spMkLst>
+        </pc:spChg>
+        <pc:spChg chg="del mod">
+          <ac:chgData name="zhang hua" userId="692e123b3e9a7e92" providerId="LiveId" clId="{77E15D27-0BB6-4DFC-A2A3-6EB05682AAD4}" dt="2021-05-29T06:47:53.744" v="124" actId="478"/>
+          <ac:spMkLst>
+            <pc:docMk/>
+            <pc:sldMk cId="3283854528" sldId="596"/>
+            <ac:spMk id="14" creationId="{0D392486-9F7C-4223-A04B-61250234450B}"/>
+          </ac:spMkLst>
+        </pc:spChg>
+        <pc:spChg chg="del">
+          <ac:chgData name="zhang hua" userId="692e123b3e9a7e92" providerId="LiveId" clId="{77E15D27-0BB6-4DFC-A2A3-6EB05682AAD4}" dt="2021-05-29T06:39:10.033" v="79" actId="478"/>
+          <ac:spMkLst>
+            <pc:docMk/>
+            <pc:sldMk cId="3283854528" sldId="596"/>
+            <ac:spMk id="15" creationId="{2707FEC7-03AD-4C36-B09D-41A5FD14E060}"/>
+          </ac:spMkLst>
+        </pc:spChg>
+        <pc:inkChg chg="add del">
+          <ac:chgData name="zhang hua" userId="692e123b3e9a7e92" providerId="LiveId" clId="{77E15D27-0BB6-4DFC-A2A3-6EB05682AAD4}" dt="2021-05-28T15:33:15.943" v="4" actId="478"/>
+          <ac:inkMkLst>
+            <pc:docMk/>
+            <pc:sldMk cId="3283854528" sldId="596"/>
+            <ac:inkMk id="3" creationId="{64329C80-A1BA-4297-8E10-7A4DAED5855A}"/>
+          </ac:inkMkLst>
+        </pc:inkChg>
+      </pc:sldChg>
+      <pc:sldChg chg="addSp del">
+        <pc:chgData name="zhang hua" userId="692e123b3e9a7e92" providerId="LiveId" clId="{77E15D27-0BB6-4DFC-A2A3-6EB05682AAD4}" dt="2021-05-31T14:56:46.583" v="834" actId="47"/>
+        <pc:sldMkLst>
+          <pc:docMk/>
+          <pc:sldMk cId="4214470502" sldId="597"/>
+        </pc:sldMkLst>
+        <pc:inkChg chg="add">
+          <ac:chgData name="zhang hua" userId="692e123b3e9a7e92" providerId="LiveId" clId="{77E15D27-0BB6-4DFC-A2A3-6EB05682AAD4}" dt="2021-05-21T12:38:51.191" v="1"/>
+          <ac:inkMkLst>
+            <pc:docMk/>
+            <pc:sldMk cId="4214470502" sldId="597"/>
+            <ac:inkMk id="3" creationId="{94976FFC-B918-46BA-A400-FDA5CC3F1533}"/>
+          </ac:inkMkLst>
+        </pc:inkChg>
+      </pc:sldChg>
+      <pc:sldChg chg="addSp del">
+        <pc:chgData name="zhang hua" userId="692e123b3e9a7e92" providerId="LiveId" clId="{77E15D27-0BB6-4DFC-A2A3-6EB05682AAD4}" dt="2021-05-31T14:59:21.218" v="836" actId="47"/>
+        <pc:sldMkLst>
+          <pc:docMk/>
+          <pc:sldMk cId="3836628674" sldId="598"/>
+        </pc:sldMkLst>
+        <pc:inkChg chg="add">
+          <ac:chgData name="zhang hua" userId="692e123b3e9a7e92" providerId="LiveId" clId="{77E15D27-0BB6-4DFC-A2A3-6EB05682AAD4}" dt="2021-05-21T12:38:51.191" v="1"/>
+          <ac:inkMkLst>
+            <pc:docMk/>
+            <pc:sldMk cId="3836628674" sldId="598"/>
+            <ac:inkMk id="3" creationId="{E2355B7D-B2D3-4065-BB3E-AA44FD862387}"/>
+          </ac:inkMkLst>
+        </pc:inkChg>
+      </pc:sldChg>
+      <pc:sldChg chg="addSp modSp mod">
+        <pc:chgData name="zhang hua" userId="692e123b3e9a7e92" providerId="LiveId" clId="{77E15D27-0BB6-4DFC-A2A3-6EB05682AAD4}" dt="2021-06-03T15:12:49.167" v="1503" actId="207"/>
+        <pc:sldMkLst>
+          <pc:docMk/>
+          <pc:sldMk cId="2743064620" sldId="611"/>
+        </pc:sldMkLst>
+        <pc:spChg chg="add mod">
+          <ac:chgData name="zhang hua" userId="692e123b3e9a7e92" providerId="LiveId" clId="{77E15D27-0BB6-4DFC-A2A3-6EB05682AAD4}" dt="2021-06-03T15:12:49.167" v="1503" actId="207"/>
+          <ac:spMkLst>
+            <pc:docMk/>
+            <pc:sldMk cId="2743064620" sldId="611"/>
+            <ac:spMk id="4" creationId="{8D4DD288-A32A-4232-A6D4-86D8F8B48040}"/>
+          </ac:spMkLst>
+        </pc:spChg>
+      </pc:sldChg>
+      <pc:sldChg chg="addSp modSp mod modAnim">
+        <pc:chgData name="zhang hua" userId="692e123b3e9a7e92" providerId="LiveId" clId="{77E15D27-0BB6-4DFC-A2A3-6EB05682AAD4}" dt="2021-06-04T01:17:08.745" v="2887" actId="20577"/>
+        <pc:sldMkLst>
+          <pc:docMk/>
+          <pc:sldMk cId="2936971934" sldId="612"/>
+        </pc:sldMkLst>
+        <pc:spChg chg="add mod">
+          <ac:chgData name="zhang hua" userId="692e123b3e9a7e92" providerId="LiveId" clId="{77E15D27-0BB6-4DFC-A2A3-6EB05682AAD4}" dt="2021-06-03T15:33:34.784" v="2149" actId="1076"/>
+          <ac:spMkLst>
+            <pc:docMk/>
+            <pc:sldMk cId="2936971934" sldId="612"/>
+            <ac:spMk id="4" creationId="{6955FB27-435C-472D-ACF9-DC7E16F77E01}"/>
+          </ac:spMkLst>
+        </pc:spChg>
+        <pc:spChg chg="add mod">
+          <ac:chgData name="zhang hua" userId="692e123b3e9a7e92" providerId="LiveId" clId="{77E15D27-0BB6-4DFC-A2A3-6EB05682AAD4}" dt="2021-06-03T16:03:21.986" v="2479" actId="20577"/>
+          <ac:spMkLst>
+            <pc:docMk/>
+            <pc:sldMk cId="2936971934" sldId="612"/>
+            <ac:spMk id="5" creationId="{27F16099-0810-4C4D-A188-F75005EC4B30}"/>
+          </ac:spMkLst>
+        </pc:spChg>
+        <pc:spChg chg="add mod">
+          <ac:chgData name="zhang hua" userId="692e123b3e9a7e92" providerId="LiveId" clId="{77E15D27-0BB6-4DFC-A2A3-6EB05682AAD4}" dt="2021-06-04T01:17:08.745" v="2887" actId="20577"/>
+          <ac:spMkLst>
+            <pc:docMk/>
+            <pc:sldMk cId="2936971934" sldId="612"/>
+            <ac:spMk id="6" creationId="{93B1EA73-CBAE-41C8-9DB0-2B5AEA4B0E92}"/>
+          </ac:spMkLst>
+        </pc:spChg>
+      </pc:sldChg>
+      <pc:sldChg chg="addSp modSp mod modAnim">
+        <pc:chgData name="zhang hua" userId="692e123b3e9a7e92" providerId="LiveId" clId="{77E15D27-0BB6-4DFC-A2A3-6EB05682AAD4}" dt="2021-06-04T02:29:26.045" v="2901" actId="20577"/>
+        <pc:sldMkLst>
+          <pc:docMk/>
+          <pc:sldMk cId="479595479" sldId="614"/>
+        </pc:sldMkLst>
+        <pc:spChg chg="add mod">
+          <ac:chgData name="zhang hua" userId="692e123b3e9a7e92" providerId="LiveId" clId="{77E15D27-0BB6-4DFC-A2A3-6EB05682AAD4}" dt="2021-06-04T02:29:26.045" v="2901" actId="20577"/>
+          <ac:spMkLst>
+            <pc:docMk/>
+            <pc:sldMk cId="479595479" sldId="614"/>
+            <ac:spMk id="4" creationId="{33AE0C3F-0126-4888-9576-4237308DF724}"/>
+          </ac:spMkLst>
+        </pc:spChg>
+        <pc:spChg chg="add mod">
+          <ac:chgData name="zhang hua" userId="692e123b3e9a7e92" providerId="LiveId" clId="{77E15D27-0BB6-4DFC-A2A3-6EB05682AAD4}" dt="2021-06-03T16:16:13.274" v="2589" actId="20577"/>
+          <ac:spMkLst>
+            <pc:docMk/>
+            <pc:sldMk cId="479595479" sldId="614"/>
+            <ac:spMk id="5" creationId="{7035B9EF-66B4-4824-8B28-486B447C0D84}"/>
+          </ac:spMkLst>
+        </pc:spChg>
+      </pc:sldChg>
+      <pc:sldChg chg="addSp add del">
+        <pc:chgData name="zhang hua" userId="692e123b3e9a7e92" providerId="LiveId" clId="{77E15D27-0BB6-4DFC-A2A3-6EB05682AAD4}" dt="2021-05-31T14:56:49.873" v="835" actId="47"/>
+        <pc:sldMkLst>
+          <pc:docMk/>
+          <pc:sldMk cId="1583862867" sldId="619"/>
+        </pc:sldMkLst>
+        <pc:inkChg chg="add">
+          <ac:chgData name="zhang hua" userId="692e123b3e9a7e92" providerId="LiveId" clId="{77E15D27-0BB6-4DFC-A2A3-6EB05682AAD4}" dt="2021-05-21T12:38:51.191" v="1"/>
+          <ac:inkMkLst>
+            <pc:docMk/>
+            <pc:sldMk cId="1583862867" sldId="619"/>
+            <ac:inkMk id="4" creationId="{BFE7DE3B-6849-44B8-AE5D-71B70965425B}"/>
+          </ac:inkMkLst>
+        </pc:inkChg>
+      </pc:sldChg>
+      <pc:sldChg chg="delSp add mod ord delAnim">
+        <pc:chgData name="zhang hua" userId="692e123b3e9a7e92" providerId="LiveId" clId="{77E15D27-0BB6-4DFC-A2A3-6EB05682AAD4}" dt="2021-05-29T06:50:11.950" v="144" actId="478"/>
+        <pc:sldMkLst>
+          <pc:docMk/>
+          <pc:sldMk cId="2140974664" sldId="620"/>
+        </pc:sldMkLst>
+        <pc:spChg chg="del">
+          <ac:chgData name="zhang hua" userId="692e123b3e9a7e92" providerId="LiveId" clId="{77E15D27-0BB6-4DFC-A2A3-6EB05682AAD4}" dt="2021-05-29T06:50:11.950" v="144" actId="478"/>
+          <ac:spMkLst>
+            <pc:docMk/>
+            <pc:sldMk cId="2140974664" sldId="620"/>
+            <ac:spMk id="10" creationId="{B2A505DA-C286-4DDA-A934-B1DC8E670B6A}"/>
+          </ac:spMkLst>
+        </pc:spChg>
+      </pc:sldChg>
+      <pc:sldChg chg="addSp delSp modSp add mod addAnim delAnim modAnim">
+        <pc:chgData name="zhang hua" userId="692e123b3e9a7e92" providerId="LiveId" clId="{77E15D27-0BB6-4DFC-A2A3-6EB05682AAD4}" dt="2021-06-03T17:04:12.083" v="2755"/>
+        <pc:sldMkLst>
+          <pc:docMk/>
+          <pc:sldMk cId="1380495108" sldId="621"/>
+        </pc:sldMkLst>
+        <pc:spChg chg="add mod">
+          <ac:chgData name="zhang hua" userId="692e123b3e9a7e92" providerId="LiveId" clId="{77E15D27-0BB6-4DFC-A2A3-6EB05682AAD4}" dt="2021-05-31T14:50:53.588" v="830" actId="14100"/>
+          <ac:spMkLst>
+            <pc:docMk/>
+            <pc:sldMk cId="1380495108" sldId="621"/>
+            <ac:spMk id="6" creationId="{0882AC06-443D-4B78-AD1A-1968CEBBF782}"/>
+          </ac:spMkLst>
+        </pc:spChg>
+        <pc:spChg chg="add mod">
+          <ac:chgData name="zhang hua" userId="692e123b3e9a7e92" providerId="LiveId" clId="{77E15D27-0BB6-4DFC-A2A3-6EB05682AAD4}" dt="2021-05-29T06:59:09.702" v="207" actId="5793"/>
+          <ac:spMkLst>
+            <pc:docMk/>
+            <pc:sldMk cId="1380495108" sldId="621"/>
+            <ac:spMk id="7" creationId="{D13B9C49-DACE-4371-89CC-BEB20E369DD2}"/>
+          </ac:spMkLst>
+        </pc:spChg>
+        <pc:spChg chg="mod">
+          <ac:chgData name="zhang hua" userId="692e123b3e9a7e92" providerId="LiveId" clId="{77E15D27-0BB6-4DFC-A2A3-6EB05682AAD4}" dt="2021-05-29T06:53:15.570" v="150" actId="207"/>
+          <ac:spMkLst>
+            <pc:docMk/>
+            <pc:sldMk cId="1380495108" sldId="621"/>
+            <ac:spMk id="10" creationId="{B2A505DA-C286-4DDA-A934-B1DC8E670B6A}"/>
+          </ac:spMkLst>
+        </pc:spChg>
+        <pc:spChg chg="add del mod">
+          <ac:chgData name="zhang hua" userId="692e123b3e9a7e92" providerId="LiveId" clId="{77E15D27-0BB6-4DFC-A2A3-6EB05682AAD4}" dt="2021-06-03T17:03:58.598" v="2747" actId="478"/>
+          <ac:spMkLst>
+            <pc:docMk/>
+            <pc:sldMk cId="1380495108" sldId="621"/>
+            <ac:spMk id="13" creationId="{A4044EDB-3DE0-4C76-A3CA-E68356F916C6}"/>
+          </ac:spMkLst>
+        </pc:spChg>
+      </pc:sldChg>
+      <pc:sldChg chg="delSp modSp add mod delAnim modAnim">
+        <pc:chgData name="zhang hua" userId="692e123b3e9a7e92" providerId="LiveId" clId="{77E15D27-0BB6-4DFC-A2A3-6EB05682AAD4}" dt="2021-05-29T07:11:39.252" v="226" actId="20577"/>
+        <pc:sldMkLst>
+          <pc:docMk/>
+          <pc:sldMk cId="1106910788" sldId="622"/>
+        </pc:sldMkLst>
+        <pc:spChg chg="del">
+          <ac:chgData name="zhang hua" userId="692e123b3e9a7e92" providerId="LiveId" clId="{77E15D27-0BB6-4DFC-A2A3-6EB05682AAD4}" dt="2021-05-29T07:10:25.671" v="212" actId="478"/>
+          <ac:spMkLst>
+            <pc:docMk/>
+            <pc:sldMk cId="1106910788" sldId="622"/>
+            <ac:spMk id="6" creationId="{0882AC06-443D-4B78-AD1A-1968CEBBF782}"/>
+          </ac:spMkLst>
+        </pc:spChg>
+        <pc:spChg chg="del">
+          <ac:chgData name="zhang hua" userId="692e123b3e9a7e92" providerId="LiveId" clId="{77E15D27-0BB6-4DFC-A2A3-6EB05682AAD4}" dt="2021-05-29T07:10:34.205" v="215" actId="478"/>
+          <ac:spMkLst>
+            <pc:docMk/>
+            <pc:sldMk cId="1106910788" sldId="622"/>
+            <ac:spMk id="7" creationId="{D13B9C49-DACE-4371-89CC-BEB20E369DD2}"/>
+          </ac:spMkLst>
+        </pc:spChg>
+        <pc:spChg chg="mod">
+          <ac:chgData name="zhang hua" userId="692e123b3e9a7e92" providerId="LiveId" clId="{77E15D27-0BB6-4DFC-A2A3-6EB05682AAD4}" dt="2021-05-29T07:11:39.252" v="226" actId="20577"/>
+          <ac:spMkLst>
+            <pc:docMk/>
+            <pc:sldMk cId="1106910788" sldId="622"/>
+            <ac:spMk id="10" creationId="{B2A505DA-C286-4DDA-A934-B1DC8E670B6A}"/>
+          </ac:spMkLst>
+        </pc:spChg>
+        <pc:spChg chg="del">
+          <ac:chgData name="zhang hua" userId="692e123b3e9a7e92" providerId="LiveId" clId="{77E15D27-0BB6-4DFC-A2A3-6EB05682AAD4}" dt="2021-05-29T07:10:24.251" v="211" actId="478"/>
+          <ac:spMkLst>
+            <pc:docMk/>
+            <pc:sldMk cId="1106910788" sldId="622"/>
+            <ac:spMk id="13" creationId="{A4044EDB-3DE0-4C76-A3CA-E68356F916C6}"/>
+          </ac:spMkLst>
+        </pc:spChg>
+      </pc:sldChg>
+      <pc:sldChg chg="modSp add modAnim">
+        <pc:chgData name="zhang hua" userId="692e123b3e9a7e92" providerId="LiveId" clId="{77E15D27-0BB6-4DFC-A2A3-6EB05682AAD4}" dt="2021-05-31T14:53:02.070" v="831" actId="207"/>
+        <pc:sldMkLst>
+          <pc:docMk/>
+          <pc:sldMk cId="116602333" sldId="623"/>
+        </pc:sldMkLst>
+        <pc:spChg chg="mod">
+          <ac:chgData name="zhang hua" userId="692e123b3e9a7e92" providerId="LiveId" clId="{77E15D27-0BB6-4DFC-A2A3-6EB05682AAD4}" dt="2021-05-31T14:53:02.070" v="831" actId="207"/>
+          <ac:spMkLst>
+            <pc:docMk/>
+            <pc:sldMk cId="116602333" sldId="623"/>
+            <ac:spMk id="10" creationId="{B2A505DA-C286-4DDA-A934-B1DC8E670B6A}"/>
+          </ac:spMkLst>
+        </pc:spChg>
+      </pc:sldChg>
+      <pc:sldChg chg="addSp delSp modSp add mod modAnim">
+        <pc:chgData name="zhang hua" userId="692e123b3e9a7e92" providerId="LiveId" clId="{77E15D27-0BB6-4DFC-A2A3-6EB05682AAD4}" dt="2021-05-29T07:49:11.279" v="579" actId="207"/>
+        <pc:sldMkLst>
+          <pc:docMk/>
+          <pc:sldMk cId="361577793" sldId="624"/>
+        </pc:sldMkLst>
+        <pc:spChg chg="add del">
+          <ac:chgData name="zhang hua" userId="692e123b3e9a7e92" providerId="LiveId" clId="{77E15D27-0BB6-4DFC-A2A3-6EB05682AAD4}" dt="2021-05-29T07:18:27.009" v="285" actId="22"/>
+          <ac:spMkLst>
+            <pc:docMk/>
+            <pc:sldMk cId="361577793" sldId="624"/>
+            <ac:spMk id="6" creationId="{8D7BA530-B10B-4B99-914C-5CE81CB4A25D}"/>
+          </ac:spMkLst>
+        </pc:spChg>
+        <pc:spChg chg="mod">
+          <ac:chgData name="zhang hua" userId="692e123b3e9a7e92" providerId="LiveId" clId="{77E15D27-0BB6-4DFC-A2A3-6EB05682AAD4}" dt="2021-05-29T07:49:11.279" v="579" actId="207"/>
+          <ac:spMkLst>
+            <pc:docMk/>
+            <pc:sldMk cId="361577793" sldId="624"/>
+            <ac:spMk id="10" creationId="{B2A505DA-C286-4DDA-A934-B1DC8E670B6A}"/>
+          </ac:spMkLst>
+        </pc:spChg>
+      </pc:sldChg>
+      <pc:sldChg chg="modSp add modAnim">
+        <pc:chgData name="zhang hua" userId="692e123b3e9a7e92" providerId="LiveId" clId="{77E15D27-0BB6-4DFC-A2A3-6EB05682AAD4}" dt="2021-06-03T17:02:04.733" v="2743"/>
+        <pc:sldMkLst>
+          <pc:docMk/>
+          <pc:sldMk cId="807724742" sldId="625"/>
+        </pc:sldMkLst>
+        <pc:spChg chg="mod">
+          <ac:chgData name="zhang hua" userId="692e123b3e9a7e92" providerId="LiveId" clId="{77E15D27-0BB6-4DFC-A2A3-6EB05682AAD4}" dt="2021-05-31T14:54:28.999" v="832"/>
+          <ac:spMkLst>
+            <pc:docMk/>
+            <pc:sldMk cId="807724742" sldId="625"/>
+            <ac:spMk id="10" creationId="{B2A505DA-C286-4DDA-A934-B1DC8E670B6A}"/>
+          </ac:spMkLst>
+        </pc:spChg>
+      </pc:sldChg>
+      <pc:sldChg chg="modSp add mod modShow">
+        <pc:chgData name="zhang hua" userId="692e123b3e9a7e92" providerId="LiveId" clId="{77E15D27-0BB6-4DFC-A2A3-6EB05682AAD4}" dt="2021-06-03T17:02:23.738" v="2744" actId="729"/>
+        <pc:sldMkLst>
+          <pc:docMk/>
+          <pc:sldMk cId="850366677" sldId="626"/>
+        </pc:sldMkLst>
+        <pc:spChg chg="mod">
+          <ac:chgData name="zhang hua" userId="692e123b3e9a7e92" providerId="LiveId" clId="{77E15D27-0BB6-4DFC-A2A3-6EB05682AAD4}" dt="2021-05-29T08:09:25.989" v="663" actId="20577"/>
+          <ac:spMkLst>
+            <pc:docMk/>
+            <pc:sldMk cId="850366677" sldId="626"/>
+            <ac:spMk id="10" creationId="{B2A505DA-C286-4DDA-A934-B1DC8E670B6A}"/>
+          </ac:spMkLst>
+        </pc:spChg>
+      </pc:sldChg>
+      <pc:sldChg chg="addSp modSp add mod">
+        <pc:chgData name="zhang hua" userId="692e123b3e9a7e92" providerId="LiveId" clId="{77E15D27-0BB6-4DFC-A2A3-6EB05682AAD4}" dt="2021-05-31T14:56:12.332" v="833" actId="207"/>
+        <pc:sldMkLst>
+          <pc:docMk/>
+          <pc:sldMk cId="3628398660" sldId="627"/>
+        </pc:sldMkLst>
+        <pc:spChg chg="add mod">
+          <ac:chgData name="zhang hua" userId="692e123b3e9a7e92" providerId="LiveId" clId="{77E15D27-0BB6-4DFC-A2A3-6EB05682AAD4}" dt="2021-05-29T09:41:37.754" v="796" actId="20577"/>
+          <ac:spMkLst>
+            <pc:docMk/>
+            <pc:sldMk cId="3628398660" sldId="627"/>
+            <ac:spMk id="5" creationId="{103E7F0D-CBDF-4E22-A4C6-E2F252E03B83}"/>
+          </ac:spMkLst>
+        </pc:spChg>
+        <pc:spChg chg="mod">
+          <ac:chgData name="zhang hua" userId="692e123b3e9a7e92" providerId="LiveId" clId="{77E15D27-0BB6-4DFC-A2A3-6EB05682AAD4}" dt="2021-05-31T14:56:12.332" v="833" actId="207"/>
+          <ac:spMkLst>
+            <pc:docMk/>
+            <pc:sldMk cId="3628398660" sldId="627"/>
+            <ac:spMk id="10" creationId="{B2A505DA-C286-4DDA-A934-B1DC8E670B6A}"/>
+          </ac:spMkLst>
+        </pc:spChg>
+      </pc:sldChg>
+      <pc:sldChg chg="addSp modSp add mod modAnim">
+        <pc:chgData name="zhang hua" userId="692e123b3e9a7e92" providerId="LiveId" clId="{77E15D27-0BB6-4DFC-A2A3-6EB05682AAD4}" dt="2021-06-04T01:17:45.461" v="2894" actId="20577"/>
+        <pc:sldMkLst>
+          <pc:docMk/>
+          <pc:sldMk cId="1411823124" sldId="628"/>
+        </pc:sldMkLst>
+        <pc:spChg chg="mod">
+          <ac:chgData name="zhang hua" userId="692e123b3e9a7e92" providerId="LiveId" clId="{77E15D27-0BB6-4DFC-A2A3-6EB05682AAD4}" dt="2021-06-04T01:17:45.461" v="2894" actId="20577"/>
+          <ac:spMkLst>
+            <pc:docMk/>
+            <pc:sldMk cId="1411823124" sldId="628"/>
+            <ac:spMk id="4" creationId="{6955FB27-435C-472D-ACF9-DC7E16F77E01}"/>
+          </ac:spMkLst>
+        </pc:spChg>
+        <pc:spChg chg="add mod">
+          <ac:chgData name="zhang hua" userId="692e123b3e9a7e92" providerId="LiveId" clId="{77E15D27-0BB6-4DFC-A2A3-6EB05682AAD4}" dt="2021-06-04T00:25:48.615" v="2812"/>
+          <ac:spMkLst>
+            <pc:docMk/>
+            <pc:sldMk cId="1411823124" sldId="628"/>
+            <ac:spMk id="5" creationId="{10DB6818-FCD8-471C-9CC8-B42522848AFB}"/>
+          </ac:spMkLst>
+        </pc:spChg>
+      </pc:sldChg>
+      <pc:sldChg chg="addSp delSp modSp add mod modAnim">
+        <pc:chgData name="zhang hua" userId="692e123b3e9a7e92" providerId="LiveId" clId="{77E15D27-0BB6-4DFC-A2A3-6EB05682AAD4}" dt="2021-06-03T16:36:46.333" v="2735" actId="20577"/>
+        <pc:sldMkLst>
+          <pc:docMk/>
+          <pc:sldMk cId="3110529430" sldId="629"/>
+        </pc:sldMkLst>
+        <pc:spChg chg="mod">
+          <ac:chgData name="zhang hua" userId="692e123b3e9a7e92" providerId="LiveId" clId="{77E15D27-0BB6-4DFC-A2A3-6EB05682AAD4}" dt="2021-06-03T16:36:46.333" v="2735" actId="20577"/>
+          <ac:spMkLst>
+            <pc:docMk/>
+            <pc:sldMk cId="3110529430" sldId="629"/>
+            <ac:spMk id="4" creationId="{6955FB27-435C-472D-ACF9-DC7E16F77E01}"/>
+          </ac:spMkLst>
+        </pc:spChg>
+        <pc:spChg chg="del">
+          <ac:chgData name="zhang hua" userId="692e123b3e9a7e92" providerId="LiveId" clId="{77E15D27-0BB6-4DFC-A2A3-6EB05682AAD4}" dt="2021-06-03T15:51:04.975" v="2348" actId="478"/>
+          <ac:spMkLst>
+            <pc:docMk/>
+            <pc:sldMk cId="3110529430" sldId="629"/>
+            <ac:spMk id="5" creationId="{10DB6818-FCD8-471C-9CC8-B42522848AFB}"/>
+          </ac:spMkLst>
+        </pc:spChg>
+        <pc:spChg chg="add mod">
+          <ac:chgData name="zhang hua" userId="692e123b3e9a7e92" providerId="LiveId" clId="{77E15D27-0BB6-4DFC-A2A3-6EB05682AAD4}" dt="2021-06-03T16:16:04.677" v="2584" actId="20577"/>
+          <ac:spMkLst>
+            <pc:docMk/>
+            <pc:sldMk cId="3110529430" sldId="629"/>
+            <ac:spMk id="6" creationId="{7A22F99A-FD1D-42CE-B705-6DA9CCA0E53E}"/>
+          </ac:spMkLst>
+        </pc:spChg>
+      </pc:sldChg>
+      <pc:sldChg chg="modSp add modAnim">
+        <pc:chgData name="zhang hua" userId="692e123b3e9a7e92" providerId="LiveId" clId="{77E15D27-0BB6-4DFC-A2A3-6EB05682AAD4}" dt="2021-06-04T00:27:23.205" v="2828" actId="20577"/>
+        <pc:sldMkLst>
+          <pc:docMk/>
+          <pc:sldMk cId="1001349609" sldId="630"/>
+        </pc:sldMkLst>
+        <pc:spChg chg="mod">
+          <ac:chgData name="zhang hua" userId="692e123b3e9a7e92" providerId="LiveId" clId="{77E15D27-0BB6-4DFC-A2A3-6EB05682AAD4}" dt="2021-06-04T00:27:23.205" v="2828" actId="20577"/>
+          <ac:spMkLst>
+            <pc:docMk/>
+            <pc:sldMk cId="1001349609" sldId="630"/>
+            <ac:spMk id="4" creationId="{6955FB27-435C-472D-ACF9-DC7E16F77E01}"/>
+          </ac:spMkLst>
+        </pc:spChg>
+        <pc:spChg chg="mod">
+          <ac:chgData name="zhang hua" userId="692e123b3e9a7e92" providerId="LiveId" clId="{77E15D27-0BB6-4DFC-A2A3-6EB05682AAD4}" dt="2021-06-03T16:22:30.864" v="2618" actId="20577"/>
+          <ac:spMkLst>
+            <pc:docMk/>
+            <pc:sldMk cId="1001349609" sldId="630"/>
+            <ac:spMk id="5" creationId="{10DB6818-FCD8-471C-9CC8-B42522848AFB}"/>
+          </ac:spMkLst>
+        </pc:spChg>
+      </pc:sldChg>
+      <pc:sldChg chg="modSp add modAnim">
+        <pc:chgData name="zhang hua" userId="692e123b3e9a7e92" providerId="LiveId" clId="{77E15D27-0BB6-4DFC-A2A3-6EB05682AAD4}" dt="2021-06-03T16:36:39.512" v="2734" actId="20577"/>
+        <pc:sldMkLst>
+          <pc:docMk/>
+          <pc:sldMk cId="26805153" sldId="631"/>
+        </pc:sldMkLst>
+        <pc:spChg chg="mod">
+          <ac:chgData name="zhang hua" userId="692e123b3e9a7e92" providerId="LiveId" clId="{77E15D27-0BB6-4DFC-A2A3-6EB05682AAD4}" dt="2021-06-03T16:36:39.512" v="2734" actId="20577"/>
+          <ac:spMkLst>
+            <pc:docMk/>
+            <pc:sldMk cId="26805153" sldId="631"/>
+            <ac:spMk id="4" creationId="{6955FB27-435C-472D-ACF9-DC7E16F77E01}"/>
+          </ac:spMkLst>
+        </pc:spChg>
+      </pc:sldChg>
+      <pc:sldChg chg="modSp add mod modAnim">
+        <pc:chgData name="zhang hua" userId="692e123b3e9a7e92" providerId="LiveId" clId="{77E15D27-0BB6-4DFC-A2A3-6EB05682AAD4}" dt="2021-06-03T17:07:06.359" v="2786"/>
+        <pc:sldMkLst>
+          <pc:docMk/>
+          <pc:sldMk cId="237733207" sldId="632"/>
+        </pc:sldMkLst>
+        <pc:spChg chg="mod">
+          <ac:chgData name="zhang hua" userId="692e123b3e9a7e92" providerId="LiveId" clId="{77E15D27-0BB6-4DFC-A2A3-6EB05682AAD4}" dt="2021-06-03T17:07:06.359" v="2786"/>
+          <ac:spMkLst>
+            <pc:docMk/>
+            <pc:sldMk cId="237733207" sldId="632"/>
+            <ac:spMk id="4" creationId="{33AE0C3F-0126-4888-9576-4237308DF724}"/>
+          </ac:spMkLst>
+        </pc:spChg>
+        <pc:spChg chg="mod">
+          <ac:chgData name="zhang hua" userId="692e123b3e9a7e92" providerId="LiveId" clId="{77E15D27-0BB6-4DFC-A2A3-6EB05682AAD4}" dt="2021-06-03T17:05:57.208" v="2774" actId="20577"/>
+          <ac:spMkLst>
+            <pc:docMk/>
+            <pc:sldMk cId="237733207" sldId="632"/>
+            <ac:spMk id="5" creationId="{7035B9EF-66B4-4824-8B28-486B447C0D84}"/>
+          </ac:spMkLst>
+        </pc:spChg>
+      </pc:sldChg>
+      <pc:sldChg chg="modSp add modAnim">
+        <pc:chgData name="zhang hua" userId="692e123b3e9a7e92" providerId="LiveId" clId="{77E15D27-0BB6-4DFC-A2A3-6EB05682AAD4}" dt="2021-06-03T17:07:59.632" v="2800" actId="6549"/>
+        <pc:sldMkLst>
+          <pc:docMk/>
+          <pc:sldMk cId="4289403496" sldId="633"/>
+        </pc:sldMkLst>
+        <pc:spChg chg="mod">
+          <ac:chgData name="zhang hua" userId="692e123b3e9a7e92" providerId="LiveId" clId="{77E15D27-0BB6-4DFC-A2A3-6EB05682AAD4}" dt="2021-06-03T17:07:59.632" v="2800" actId="6549"/>
+          <ac:spMkLst>
+            <pc:docMk/>
+            <pc:sldMk cId="4289403496" sldId="633"/>
+            <ac:spMk id="4" creationId="{33AE0C3F-0126-4888-9576-4237308DF724}"/>
+          </ac:spMkLst>
+        </pc:spChg>
+        <pc:spChg chg="mod">
+          <ac:chgData name="zhang hua" userId="692e123b3e9a7e92" providerId="LiveId" clId="{77E15D27-0BB6-4DFC-A2A3-6EB05682AAD4}" dt="2021-06-03T16:31:29.151" v="2670" actId="20577"/>
+          <ac:spMkLst>
+            <pc:docMk/>
+            <pc:sldMk cId="4289403496" sldId="633"/>
+            <ac:spMk id="5" creationId="{7035B9EF-66B4-4824-8B28-486B447C0D84}"/>
+          </ac:spMkLst>
+        </pc:spChg>
+      </pc:sldChg>
+      <pc:sldChg chg="modSp add modAnim">
+        <pc:chgData name="zhang hua" userId="692e123b3e9a7e92" providerId="LiveId" clId="{77E15D27-0BB6-4DFC-A2A3-6EB05682AAD4}" dt="2021-06-03T16:36:51.921" v="2736" actId="20577"/>
+        <pc:sldMkLst>
+          <pc:docMk/>
+          <pc:sldMk cId="2523989912" sldId="634"/>
+        </pc:sldMkLst>
+        <pc:spChg chg="mod">
+          <ac:chgData name="zhang hua" userId="692e123b3e9a7e92" providerId="LiveId" clId="{77E15D27-0BB6-4DFC-A2A3-6EB05682AAD4}" dt="2021-06-03T16:36:51.921" v="2736" actId="20577"/>
+          <ac:spMkLst>
+            <pc:docMk/>
+            <pc:sldMk cId="2523989912" sldId="634"/>
+            <ac:spMk id="4" creationId="{6955FB27-435C-472D-ACF9-DC7E16F77E01}"/>
+          </ac:spMkLst>
+        </pc:spChg>
+        <pc:spChg chg="mod">
+          <ac:chgData name="zhang hua" userId="692e123b3e9a7e92" providerId="LiveId" clId="{77E15D27-0BB6-4DFC-A2A3-6EB05682AAD4}" dt="2021-06-03T16:33:46.163" v="2691" actId="6549"/>
+          <ac:spMkLst>
+            <pc:docMk/>
+            <pc:sldMk cId="2523989912" sldId="634"/>
+            <ac:spMk id="6" creationId="{7A22F99A-FD1D-42CE-B705-6DA9CCA0E53E}"/>
+          </ac:spMkLst>
+        </pc:spChg>
+      </pc:sldChg>
+      <pc:sldChg chg="modSp add modAnim">
+        <pc:chgData name="zhang hua" userId="692e123b3e9a7e92" providerId="LiveId" clId="{77E15D27-0BB6-4DFC-A2A3-6EB05682AAD4}" dt="2021-06-03T16:36:14.246" v="2731" actId="20577"/>
+        <pc:sldMkLst>
+          <pc:docMk/>
+          <pc:sldMk cId="678719431" sldId="635"/>
+        </pc:sldMkLst>
+        <pc:spChg chg="mod">
+          <ac:chgData name="zhang hua" userId="692e123b3e9a7e92" providerId="LiveId" clId="{77E15D27-0BB6-4DFC-A2A3-6EB05682AAD4}" dt="2021-06-03T16:36:14.246" v="2731" actId="20577"/>
+          <ac:spMkLst>
+            <pc:docMk/>
+            <pc:sldMk cId="678719431" sldId="635"/>
+            <ac:spMk id="4" creationId="{6955FB27-435C-472D-ACF9-DC7E16F77E01}"/>
+          </ac:spMkLst>
+        </pc:spChg>
+      </pc:sldChg>
+    </pc:docChg>
+  </pc:docChgLst>
+  <pc:docChgLst>
+    <pc:chgData name="zhang hua" userId="692e123b3e9a7e92" providerId="LiveId" clId="{D9B66C08-7609-4D4B-B9E2-052D8FF3FBA1}"/>
+    <pc:docChg chg="undo custSel addSld delSld modSld">
+      <pc:chgData name="zhang hua" userId="692e123b3e9a7e92" providerId="LiveId" clId="{D9B66C08-7609-4D4B-B9E2-052D8FF3FBA1}" dt="2021-10-28T15:30:27.626" v="270"/>
+      <pc:docMkLst>
+        <pc:docMk/>
+      </pc:docMkLst>
+      <pc:sldChg chg="del">
+        <pc:chgData name="zhang hua" userId="692e123b3e9a7e92" providerId="LiveId" clId="{D9B66C08-7609-4D4B-B9E2-052D8FF3FBA1}" dt="2021-10-28T15:00:15.773" v="0" actId="47"/>
+        <pc:sldMkLst>
+          <pc:docMk/>
+          <pc:sldMk cId="3707575789" sldId="464"/>
+        </pc:sldMkLst>
+      </pc:sldChg>
+      <pc:sldChg chg="del">
+        <pc:chgData name="zhang hua" userId="692e123b3e9a7e92" providerId="LiveId" clId="{D9B66C08-7609-4D4B-B9E2-052D8FF3FBA1}" dt="2021-10-28T15:00:16.232" v="1" actId="47"/>
+        <pc:sldMkLst>
+          <pc:docMk/>
+          <pc:sldMk cId="3978341358" sldId="539"/>
+        </pc:sldMkLst>
+      </pc:sldChg>
+      <pc:sldChg chg="del">
+        <pc:chgData name="zhang hua" userId="692e123b3e9a7e92" providerId="LiveId" clId="{D9B66C08-7609-4D4B-B9E2-052D8FF3FBA1}" dt="2021-10-28T15:00:16.942" v="2" actId="47"/>
+        <pc:sldMkLst>
+          <pc:docMk/>
+          <pc:sldMk cId="3283854528" sldId="596"/>
+        </pc:sldMkLst>
+      </pc:sldChg>
+      <pc:sldChg chg="addSp delSp modSp add del mod modTransition">
+        <pc:chgData name="zhang hua" userId="692e123b3e9a7e92" providerId="LiveId" clId="{D9B66C08-7609-4D4B-B9E2-052D8FF3FBA1}" dt="2021-10-28T15:02:09.392" v="54" actId="14100"/>
+        <pc:sldMkLst>
+          <pc:docMk/>
+          <pc:sldMk cId="2177102389" sldId="600"/>
+        </pc:sldMkLst>
+        <pc:picChg chg="del">
+          <ac:chgData name="zhang hua" userId="692e123b3e9a7e92" providerId="LiveId" clId="{D9B66C08-7609-4D4B-B9E2-052D8FF3FBA1}" dt="2021-10-28T15:00:31.085" v="26" actId="478"/>
+          <ac:picMkLst>
+            <pc:docMk/>
+            <pc:sldMk cId="2177102389" sldId="600"/>
+            <ac:picMk id="4" creationId="{5D61566E-2589-470F-9268-80D97DEFEA12}"/>
+          </ac:picMkLst>
+        </pc:picChg>
+        <pc:picChg chg="add mod">
+          <ac:chgData name="zhang hua" userId="692e123b3e9a7e92" providerId="LiveId" clId="{D9B66C08-7609-4D4B-B9E2-052D8FF3FBA1}" dt="2021-10-28T15:01:51.005" v="51" actId="14100"/>
+          <ac:picMkLst>
+            <pc:docMk/>
+            <pc:sldMk cId="2177102389" sldId="600"/>
+            <ac:picMk id="5" creationId="{232C890D-BBCB-4AAD-B8A4-E5069F7713C3}"/>
+          </ac:picMkLst>
+        </pc:picChg>
+        <pc:picChg chg="add mod">
+          <ac:chgData name="zhang hua" userId="692e123b3e9a7e92" providerId="LiveId" clId="{D9B66C08-7609-4D4B-B9E2-052D8FF3FBA1}" dt="2021-10-28T15:02:09.392" v="54" actId="14100"/>
+          <ac:picMkLst>
+            <pc:docMk/>
+            <pc:sldMk cId="2177102389" sldId="600"/>
+            <ac:picMk id="7" creationId="{7B823A4C-4310-4DC6-990E-41A3FADC3153}"/>
+          </ac:picMkLst>
+        </pc:picChg>
+      </pc:sldChg>
+      <pc:sldChg chg="addSp delSp modSp add mod modTransition">
+        <pc:chgData name="zhang hua" userId="692e123b3e9a7e92" providerId="LiveId" clId="{D9B66C08-7609-4D4B-B9E2-052D8FF3FBA1}" dt="2021-10-28T15:20:50.821" v="221"/>
+        <pc:sldMkLst>
+          <pc:docMk/>
+          <pc:sldMk cId="3202909132" sldId="601"/>
+        </pc:sldMkLst>
+        <pc:picChg chg="add mod">
+          <ac:chgData name="zhang hua" userId="692e123b3e9a7e92" providerId="LiveId" clId="{D9B66C08-7609-4D4B-B9E2-052D8FF3FBA1}" dt="2021-10-28T15:02:35.028" v="59" actId="14100"/>
+          <ac:picMkLst>
+            <pc:docMk/>
+            <pc:sldMk cId="3202909132" sldId="601"/>
+            <ac:picMk id="4" creationId="{BE897608-2DFD-45B3-B974-63034AC5891D}"/>
+          </ac:picMkLst>
+        </pc:picChg>
+        <pc:picChg chg="add del mod">
+          <ac:chgData name="zhang hua" userId="692e123b3e9a7e92" providerId="LiveId" clId="{D9B66C08-7609-4D4B-B9E2-052D8FF3FBA1}" dt="2021-10-28T15:20:49.278" v="219" actId="21"/>
+          <ac:picMkLst>
+            <pc:docMk/>
+            <pc:sldMk cId="3202909132" sldId="601"/>
+            <ac:picMk id="6" creationId="{CC6DD2AD-649E-4F16-AC81-4774EA4D0EE5}"/>
+          </ac:picMkLst>
+        </pc:picChg>
+      </pc:sldChg>
+      <pc:sldChg chg="addSp modSp add mod modTransition">
+        <pc:chgData name="zhang hua" userId="692e123b3e9a7e92" providerId="LiveId" clId="{D9B66C08-7609-4D4B-B9E2-052D8FF3FBA1}" dt="2021-10-28T15:23:00.379" v="232"/>
+        <pc:sldMkLst>
+          <pc:docMk/>
+          <pc:sldMk cId="2671076134" sldId="602"/>
+        </pc:sldMkLst>
+        <pc:picChg chg="add mod">
+          <ac:chgData name="zhang hua" userId="692e123b3e9a7e92" providerId="LiveId" clId="{D9B66C08-7609-4D4B-B9E2-052D8FF3FBA1}" dt="2021-10-28T15:03:59.094" v="71" actId="14100"/>
+          <ac:picMkLst>
+            <pc:docMk/>
+            <pc:sldMk cId="2671076134" sldId="602"/>
+            <ac:picMk id="4" creationId="{498681F2-20F1-473A-9101-F978B3B6A424}"/>
+          </ac:picMkLst>
+        </pc:picChg>
+        <pc:picChg chg="add mod">
+          <ac:chgData name="zhang hua" userId="692e123b3e9a7e92" providerId="LiveId" clId="{D9B66C08-7609-4D4B-B9E2-052D8FF3FBA1}" dt="2021-10-28T15:04:19.741" v="74" actId="14100"/>
+          <ac:picMkLst>
+            <pc:docMk/>
+            <pc:sldMk cId="2671076134" sldId="602"/>
+            <ac:picMk id="6" creationId="{CE68421E-BC5B-4EE0-BA3B-F946E64D1688}"/>
+          </ac:picMkLst>
+        </pc:picChg>
+      </pc:sldChg>
+      <pc:sldChg chg="addSp modSp add mod modTransition">
+        <pc:chgData name="zhang hua" userId="692e123b3e9a7e92" providerId="LiveId" clId="{D9B66C08-7609-4D4B-B9E2-052D8FF3FBA1}" dt="2021-10-28T15:23:37.001" v="236"/>
+        <pc:sldMkLst>
+          <pc:docMk/>
+          <pc:sldMk cId="3988354388" sldId="603"/>
+        </pc:sldMkLst>
+        <pc:picChg chg="add mod">
+          <ac:chgData name="zhang hua" userId="692e123b3e9a7e92" providerId="LiveId" clId="{D9B66C08-7609-4D4B-B9E2-052D8FF3FBA1}" dt="2021-10-28T15:04:40.866" v="82" actId="14100"/>
+          <ac:picMkLst>
+            <pc:docMk/>
+            <pc:sldMk cId="3988354388" sldId="603"/>
+            <ac:picMk id="4" creationId="{C3138DF0-1A02-4F67-AE37-BC7C9F3C0976}"/>
+          </ac:picMkLst>
+        </pc:picChg>
+        <pc:picChg chg="add mod">
+          <ac:chgData name="zhang hua" userId="692e123b3e9a7e92" providerId="LiveId" clId="{D9B66C08-7609-4D4B-B9E2-052D8FF3FBA1}" dt="2021-10-28T15:05:11.744" v="94" actId="1036"/>
+          <ac:picMkLst>
+            <pc:docMk/>
+            <pc:sldMk cId="3988354388" sldId="603"/>
+            <ac:picMk id="6" creationId="{0BA67F57-60BF-46D5-9A64-C11BCC12A01A}"/>
+          </ac:picMkLst>
+        </pc:picChg>
+      </pc:sldChg>
+      <pc:sldChg chg="addSp modSp add mod modTransition">
+        <pc:chgData name="zhang hua" userId="692e123b3e9a7e92" providerId="LiveId" clId="{D9B66C08-7609-4D4B-B9E2-052D8FF3FBA1}" dt="2021-10-28T15:23:54.229" v="248"/>
+        <pc:sldMkLst>
+          <pc:docMk/>
+          <pc:sldMk cId="2602930772" sldId="604"/>
+        </pc:sldMkLst>
+        <pc:picChg chg="add mod">
+          <ac:chgData name="zhang hua" userId="692e123b3e9a7e92" providerId="LiveId" clId="{D9B66C08-7609-4D4B-B9E2-052D8FF3FBA1}" dt="2021-10-28T15:05:30.635" v="101" actId="14100"/>
+          <ac:picMkLst>
+            <pc:docMk/>
+            <pc:sldMk cId="2602930772" sldId="604"/>
+            <ac:picMk id="4" creationId="{F7ADBABE-A6B9-4A4C-994A-77F9B234F14C}"/>
+          </ac:picMkLst>
+        </pc:picChg>
+        <pc:picChg chg="add mod">
+          <ac:chgData name="zhang hua" userId="692e123b3e9a7e92" providerId="LiveId" clId="{D9B66C08-7609-4D4B-B9E2-052D8FF3FBA1}" dt="2021-10-28T15:05:48.848" v="112" actId="14100"/>
+          <ac:picMkLst>
+            <pc:docMk/>
+            <pc:sldMk cId="2602930772" sldId="604"/>
+            <ac:picMk id="6" creationId="{5F74A90E-A462-46FE-AC27-DFF67808AEAA}"/>
+          </ac:picMkLst>
+        </pc:picChg>
+      </pc:sldChg>
+      <pc:sldChg chg="addSp modSp add mod modTransition">
+        <pc:chgData name="zhang hua" userId="692e123b3e9a7e92" providerId="LiveId" clId="{D9B66C08-7609-4D4B-B9E2-052D8FF3FBA1}" dt="2021-10-28T15:26:07.782" v="252"/>
+        <pc:sldMkLst>
+          <pc:docMk/>
+          <pc:sldMk cId="2239448993" sldId="605"/>
+        </pc:sldMkLst>
+        <pc:picChg chg="add mod">
+          <ac:chgData name="zhang hua" userId="692e123b3e9a7e92" providerId="LiveId" clId="{D9B66C08-7609-4D4B-B9E2-052D8FF3FBA1}" dt="2021-10-28T15:06:08.143" v="120" actId="14100"/>
+          <ac:picMkLst>
+            <pc:docMk/>
+            <pc:sldMk cId="2239448993" sldId="605"/>
+            <ac:picMk id="4" creationId="{0EBD8B58-6B81-4D4E-8236-3A01B0DDBCB9}"/>
+          </ac:picMkLst>
+        </pc:picChg>
+        <pc:picChg chg="add mod">
+          <ac:chgData name="zhang hua" userId="692e123b3e9a7e92" providerId="LiveId" clId="{D9B66C08-7609-4D4B-B9E2-052D8FF3FBA1}" dt="2021-10-28T15:06:52.748" v="130" actId="1076"/>
+          <ac:picMkLst>
+            <pc:docMk/>
+            <pc:sldMk cId="2239448993" sldId="605"/>
+            <ac:picMk id="6" creationId="{6C5FC585-2515-489C-8FD4-1139CE7F6AF6}"/>
+          </ac:picMkLst>
+        </pc:picChg>
+        <pc:picChg chg="add mod">
+          <ac:chgData name="zhang hua" userId="692e123b3e9a7e92" providerId="LiveId" clId="{D9B66C08-7609-4D4B-B9E2-052D8FF3FBA1}" dt="2021-10-28T15:06:42.188" v="126" actId="14100"/>
+          <ac:picMkLst>
+            <pc:docMk/>
+            <pc:sldMk cId="2239448993" sldId="605"/>
+            <ac:picMk id="8" creationId="{2BB21B69-C513-4141-A0D7-92ECEF4074C9}"/>
+          </ac:picMkLst>
+        </pc:picChg>
+      </pc:sldChg>
+      <pc:sldChg chg="addSp modSp add mod modTransition">
+        <pc:chgData name="zhang hua" userId="692e123b3e9a7e92" providerId="LiveId" clId="{D9B66C08-7609-4D4B-B9E2-052D8FF3FBA1}" dt="2021-10-28T15:26:48.278" v="256"/>
+        <pc:sldMkLst>
+          <pc:docMk/>
+          <pc:sldMk cId="3980338196" sldId="606"/>
+        </pc:sldMkLst>
+        <pc:picChg chg="add mod">
+          <ac:chgData name="zhang hua" userId="692e123b3e9a7e92" providerId="LiveId" clId="{D9B66C08-7609-4D4B-B9E2-052D8FF3FBA1}" dt="2021-10-28T15:07:09.613" v="137" actId="14100"/>
+          <ac:picMkLst>
+            <pc:docMk/>
+            <pc:sldMk cId="3980338196" sldId="606"/>
+            <ac:picMk id="4" creationId="{F64B2FED-6AE5-4DC3-87EC-A42BC7D3D84D}"/>
+          </ac:picMkLst>
+        </pc:picChg>
+        <pc:picChg chg="add mod">
+          <ac:chgData name="zhang hua" userId="692e123b3e9a7e92" providerId="LiveId" clId="{D9B66C08-7609-4D4B-B9E2-052D8FF3FBA1}" dt="2021-10-28T15:07:30.184" v="142" actId="14100"/>
+          <ac:picMkLst>
+            <pc:docMk/>
+            <pc:sldMk cId="3980338196" sldId="606"/>
+            <ac:picMk id="6" creationId="{E6CB50CB-1402-4426-9D8F-837D388FE440}"/>
+          </ac:picMkLst>
+        </pc:picChg>
+      </pc:sldChg>
+      <pc:sldChg chg="addSp modSp add mod modTransition">
+        <pc:chgData name="zhang hua" userId="692e123b3e9a7e92" providerId="LiveId" clId="{D9B66C08-7609-4D4B-B9E2-052D8FF3FBA1}" dt="2021-10-28T15:27:07.481" v="260"/>
+        <pc:sldMkLst>
+          <pc:docMk/>
+          <pc:sldMk cId="2231970788" sldId="607"/>
+        </pc:sldMkLst>
+        <pc:picChg chg="add mod">
+          <ac:chgData name="zhang hua" userId="692e123b3e9a7e92" providerId="LiveId" clId="{D9B66C08-7609-4D4B-B9E2-052D8FF3FBA1}" dt="2021-10-28T15:08:02.731" v="152" actId="14100"/>
+          <ac:picMkLst>
+            <pc:docMk/>
+            <pc:sldMk cId="2231970788" sldId="607"/>
+            <ac:picMk id="4" creationId="{AFACB90E-98AB-499F-B6ED-467002F76F8C}"/>
+          </ac:picMkLst>
+        </pc:picChg>
+        <pc:picChg chg="add mod">
+          <ac:chgData name="zhang hua" userId="692e123b3e9a7e92" providerId="LiveId" clId="{D9B66C08-7609-4D4B-B9E2-052D8FF3FBA1}" dt="2021-10-28T15:08:22.187" v="155" actId="14100"/>
+          <ac:picMkLst>
+            <pc:docMk/>
+            <pc:sldMk cId="2231970788" sldId="607"/>
+            <ac:picMk id="6" creationId="{1F81FBE6-54A3-4E60-BC74-63DEF6AFA658}"/>
+          </ac:picMkLst>
+        </pc:picChg>
+      </pc:sldChg>
+      <pc:sldChg chg="addSp modSp add mod modTransition">
+        <pc:chgData name="zhang hua" userId="692e123b3e9a7e92" providerId="LiveId" clId="{D9B66C08-7609-4D4B-B9E2-052D8FF3FBA1}" dt="2021-10-28T15:30:06.429" v="264"/>
+        <pc:sldMkLst>
+          <pc:docMk/>
+          <pc:sldMk cId="867763444" sldId="608"/>
+        </pc:sldMkLst>
+        <pc:picChg chg="add mod">
+          <ac:chgData name="zhang hua" userId="692e123b3e9a7e92" providerId="LiveId" clId="{D9B66C08-7609-4D4B-B9E2-052D8FF3FBA1}" dt="2021-10-28T15:08:44.222" v="164" actId="14100"/>
+          <ac:picMkLst>
+            <pc:docMk/>
+            <pc:sldMk cId="867763444" sldId="608"/>
+            <ac:picMk id="4" creationId="{2712BCE4-82BD-468C-B373-81DB0BCC2D9C}"/>
+          </ac:picMkLst>
+        </pc:picChg>
+      </pc:sldChg>
+      <pc:sldChg chg="addSp modSp add mod modTransition">
+        <pc:chgData name="zhang hua" userId="692e123b3e9a7e92" providerId="LiveId" clId="{D9B66C08-7609-4D4B-B9E2-052D8FF3FBA1}" dt="2021-10-28T15:30:27.625" v="268"/>
+        <pc:sldMkLst>
+          <pc:docMk/>
+          <pc:sldMk cId="1372430918" sldId="609"/>
+        </pc:sldMkLst>
+        <pc:picChg chg="add mod">
+          <ac:chgData name="zhang hua" userId="692e123b3e9a7e92" providerId="LiveId" clId="{D9B66C08-7609-4D4B-B9E2-052D8FF3FBA1}" dt="2021-10-28T15:09:01.171" v="171" actId="14100"/>
+          <ac:picMkLst>
+            <pc:docMk/>
+            <pc:sldMk cId="1372430918" sldId="609"/>
+            <ac:picMk id="4" creationId="{44F94118-E8D7-47CE-A161-99F3948B39C2}"/>
+          </ac:picMkLst>
+        </pc:picChg>
+      </pc:sldChg>
+      <pc:sldChg chg="addSp delSp modSp add mod modTransition">
+        <pc:chgData name="zhang hua" userId="692e123b3e9a7e92" providerId="LiveId" clId="{D9B66C08-7609-4D4B-B9E2-052D8FF3FBA1}" dt="2021-10-28T15:30:27.626" v="270"/>
+        <pc:sldMkLst>
+          <pc:docMk/>
+          <pc:sldMk cId="996605378" sldId="610"/>
+        </pc:sldMkLst>
+        <pc:picChg chg="add del mod">
+          <ac:chgData name="zhang hua" userId="692e123b3e9a7e92" providerId="LiveId" clId="{D9B66C08-7609-4D4B-B9E2-052D8FF3FBA1}" dt="2021-10-28T15:09:21.980" v="178" actId="478"/>
+          <ac:picMkLst>
+            <pc:docMk/>
+            <pc:sldMk cId="996605378" sldId="610"/>
+            <ac:picMk id="4" creationId="{69A0864B-67E4-48A3-8E7D-3B0D82EDDF17}"/>
+          </ac:picMkLst>
+        </pc:picChg>
+        <pc:picChg chg="add mod">
+          <ac:chgData name="zhang hua" userId="692e123b3e9a7e92" providerId="LiveId" clId="{D9B66C08-7609-4D4B-B9E2-052D8FF3FBA1}" dt="2021-10-28T15:09:49.214" v="182" actId="14100"/>
+          <ac:picMkLst>
+            <pc:docMk/>
+            <pc:sldMk cId="996605378" sldId="610"/>
+            <ac:picMk id="6" creationId="{1AFAD7BD-5F16-47EA-B272-818F5D1F4919}"/>
+          </ac:picMkLst>
+        </pc:picChg>
+      </pc:sldChg>
+      <pc:sldChg chg="addSp modSp add mod modTransition">
+        <pc:chgData name="zhang hua" userId="692e123b3e9a7e92" providerId="LiveId" clId="{D9B66C08-7609-4D4B-B9E2-052D8FF3FBA1}" dt="2021-10-28T15:20:18.188" v="201"/>
+        <pc:sldMkLst>
+          <pc:docMk/>
+          <pc:sldMk cId="1509737855" sldId="611"/>
+        </pc:sldMkLst>
+        <pc:picChg chg="add mod">
+          <ac:chgData name="zhang hua" userId="692e123b3e9a7e92" providerId="LiveId" clId="{D9B66C08-7609-4D4B-B9E2-052D8FF3FBA1}" dt="2021-10-28T15:20:14.059" v="199" actId="1035"/>
+          <ac:picMkLst>
+            <pc:docMk/>
+            <pc:sldMk cId="1509737855" sldId="611"/>
+            <ac:picMk id="4" creationId="{9F745EB5-D4B8-4EE7-9C86-278A89DB9317}"/>
+          </ac:picMkLst>
+        </pc:picChg>
+      </pc:sldChg>
+      <pc:sldChg chg="add">
+        <pc:chgData name="zhang hua" userId="692e123b3e9a7e92" providerId="LiveId" clId="{D9B66C08-7609-4D4B-B9E2-052D8FF3FBA1}" dt="2021-10-28T15:00:37.556" v="38"/>
+        <pc:sldMkLst>
+          <pc:docMk/>
+          <pc:sldMk cId="2610388346" sldId="612"/>
+        </pc:sldMkLst>
+      </pc:sldChg>
+      <pc:sldChg chg="add">
+        <pc:chgData name="zhang hua" userId="692e123b3e9a7e92" providerId="LiveId" clId="{D9B66C08-7609-4D4B-B9E2-052D8FF3FBA1}" dt="2021-10-28T15:00:37.751" v="39"/>
+        <pc:sldMkLst>
+          <pc:docMk/>
+          <pc:sldMk cId="2807655177" sldId="613"/>
+        </pc:sldMkLst>
+      </pc:sldChg>
+      <pc:sldChg chg="del">
+        <pc:chgData name="zhang hua" userId="692e123b3e9a7e92" providerId="LiveId" clId="{D9B66C08-7609-4D4B-B9E2-052D8FF3FBA1}" dt="2021-10-28T15:00:23.385" v="15" actId="47"/>
+        <pc:sldMkLst>
+          <pc:docMk/>
+          <pc:sldMk cId="479595479" sldId="614"/>
+        </pc:sldMkLst>
+      </pc:sldChg>
+      <pc:sldChg chg="add">
+        <pc:chgData name="zhang hua" userId="692e123b3e9a7e92" providerId="LiveId" clId="{D9B66C08-7609-4D4B-B9E2-052D8FF3FBA1}" dt="2021-10-28T15:00:37.945" v="40"/>
+        <pc:sldMkLst>
+          <pc:docMk/>
+          <pc:sldMk cId="968480306" sldId="614"/>
+        </pc:sldMkLst>
+      </pc:sldChg>
+      <pc:sldChg chg="add">
+        <pc:chgData name="zhang hua" userId="692e123b3e9a7e92" providerId="LiveId" clId="{D9B66C08-7609-4D4B-B9E2-052D8FF3FBA1}" dt="2021-10-28T15:00:38.143" v="41"/>
+        <pc:sldMkLst>
+          <pc:docMk/>
+          <pc:sldMk cId="1295687018" sldId="615"/>
+        </pc:sldMkLst>
+      </pc:sldChg>
+      <pc:sldChg chg="add modTransition">
+        <pc:chgData name="zhang hua" userId="692e123b3e9a7e92" providerId="LiveId" clId="{D9B66C08-7609-4D4B-B9E2-052D8FF3FBA1}" dt="2021-10-28T15:01:40.166" v="48"/>
+        <pc:sldMkLst>
+          <pc:docMk/>
+          <pc:sldMk cId="138991699" sldId="616"/>
+        </pc:sldMkLst>
+      </pc:sldChg>
+      <pc:sldChg chg="del">
+        <pc:chgData name="zhang hua" userId="692e123b3e9a7e92" providerId="LiveId" clId="{D9B66C08-7609-4D4B-B9E2-052D8FF3FBA1}" dt="2021-10-28T15:00:24.851" v="18" actId="47"/>
+        <pc:sldMkLst>
+          <pc:docMk/>
+          <pc:sldMk cId="287288892" sldId="616"/>
+        </pc:sldMkLst>
+      </pc:sldChg>
+      <pc:sldChg chg="del">
+        <pc:chgData name="zhang hua" userId="692e123b3e9a7e92" providerId="LiveId" clId="{D9B66C08-7609-4D4B-B9E2-052D8FF3FBA1}" dt="2021-10-28T15:00:24.973" v="19" actId="47"/>
+        <pc:sldMkLst>
+          <pc:docMk/>
+          <pc:sldMk cId="1084548999" sldId="617"/>
+        </pc:sldMkLst>
+      </pc:sldChg>
+      <pc:sldChg chg="addSp delSp modSp new mod modTransition">
+        <pc:chgData name="zhang hua" userId="692e123b3e9a7e92" providerId="LiveId" clId="{D9B66C08-7609-4D4B-B9E2-052D8FF3FBA1}" dt="2021-10-28T15:20:57.888" v="228"/>
+        <pc:sldMkLst>
+          <pc:docMk/>
+          <pc:sldMk cId="4035995922" sldId="617"/>
+        </pc:sldMkLst>
+        <pc:spChg chg="del">
+          <ac:chgData name="zhang hua" userId="692e123b3e9a7e92" providerId="LiveId" clId="{D9B66C08-7609-4D4B-B9E2-052D8FF3FBA1}" dt="2021-10-28T15:20:44.406" v="213" actId="478"/>
+          <ac:spMkLst>
+            <pc:docMk/>
+            <pc:sldMk cId="4035995922" sldId="617"/>
+            <ac:spMk id="2" creationId="{E0F5356F-AA10-4EB7-9AA9-353DF456DB47}"/>
+          </ac:spMkLst>
+        </pc:spChg>
+        <pc:spChg chg="del">
+          <ac:chgData name="zhang hua" userId="692e123b3e9a7e92" providerId="LiveId" clId="{D9B66C08-7609-4D4B-B9E2-052D8FF3FBA1}" dt="2021-10-28T15:20:45.900" v="214" actId="478"/>
+          <ac:spMkLst>
+            <pc:docMk/>
+            <pc:sldMk cId="4035995922" sldId="617"/>
+            <ac:spMk id="3" creationId="{6FB473E7-E2B7-4E3C-8D0E-E10D765A350D}"/>
+          </ac:spMkLst>
+        </pc:spChg>
+        <pc:picChg chg="add mod">
+          <ac:chgData name="zhang hua" userId="692e123b3e9a7e92" providerId="LiveId" clId="{D9B66C08-7609-4D4B-B9E2-052D8FF3FBA1}" dt="2021-10-28T15:20:55.261" v="226" actId="1076"/>
+          <ac:picMkLst>
+            <pc:docMk/>
+            <pc:sldMk cId="4035995922" sldId="617"/>
+            <ac:picMk id="4" creationId="{42ADBE70-A273-4FCF-8FAB-5252A8BCDE5D}"/>
+          </ac:picMkLst>
+        </pc:picChg>
+      </pc:sldChg>
+      <pc:sldChg chg="del">
+        <pc:chgData name="zhang hua" userId="692e123b3e9a7e92" providerId="LiveId" clId="{D9B66C08-7609-4D4B-B9E2-052D8FF3FBA1}" dt="2021-10-28T15:00:25.147" v="20" actId="47"/>
+        <pc:sldMkLst>
+          <pc:docMk/>
+          <pc:sldMk cId="2651034160" sldId="618"/>
+        </pc:sldMkLst>
+      </pc:sldChg>
+      <pc:sldChg chg="del">
+        <pc:chgData name="zhang hua" userId="692e123b3e9a7e92" providerId="LiveId" clId="{D9B66C08-7609-4D4B-B9E2-052D8FF3FBA1}" dt="2021-10-28T15:00:17.006" v="3" actId="47"/>
+        <pc:sldMkLst>
+          <pc:docMk/>
+          <pc:sldMk cId="1106910788" sldId="622"/>
+        </pc:sldMkLst>
+      </pc:sldChg>
+      <pc:sldChg chg="del">
+        <pc:chgData name="zhang hua" userId="692e123b3e9a7e92" providerId="LiveId" clId="{D9B66C08-7609-4D4B-B9E2-052D8FF3FBA1}" dt="2021-10-28T15:00:17.559" v="4" actId="47"/>
+        <pc:sldMkLst>
+          <pc:docMk/>
+          <pc:sldMk cId="116602333" sldId="623"/>
+        </pc:sldMkLst>
+      </pc:sldChg>
+      <pc:sldChg chg="del">
+        <pc:chgData name="zhang hua" userId="692e123b3e9a7e92" providerId="LiveId" clId="{D9B66C08-7609-4D4B-B9E2-052D8FF3FBA1}" dt="2021-10-28T15:00:17.971" v="5" actId="47"/>
+        <pc:sldMkLst>
+          <pc:docMk/>
+          <pc:sldMk cId="361577793" sldId="624"/>
+        </pc:sldMkLst>
+      </pc:sldChg>
+      <pc:sldChg chg="del">
+        <pc:chgData name="zhang hua" userId="692e123b3e9a7e92" providerId="LiveId" clId="{D9B66C08-7609-4D4B-B9E2-052D8FF3FBA1}" dt="2021-10-28T15:00:18.204" v="6" actId="47"/>
+        <pc:sldMkLst>
+          <pc:docMk/>
+          <pc:sldMk cId="807724742" sldId="625"/>
+        </pc:sldMkLst>
+      </pc:sldChg>
+      <pc:sldChg chg="del">
+        <pc:chgData name="zhang hua" userId="692e123b3e9a7e92" providerId="LiveId" clId="{D9B66C08-7609-4D4B-B9E2-052D8FF3FBA1}" dt="2021-10-28T15:00:19.416" v="10" actId="47"/>
+        <pc:sldMkLst>
+          <pc:docMk/>
+          <pc:sldMk cId="3628398660" sldId="627"/>
+        </pc:sldMkLst>
+      </pc:sldChg>
+      <pc:sldChg chg="del">
+        <pc:chgData name="zhang hua" userId="692e123b3e9a7e92" providerId="LiveId" clId="{D9B66C08-7609-4D4B-B9E2-052D8FF3FBA1}" dt="2021-10-28T15:00:20.300" v="11" actId="47"/>
+        <pc:sldMkLst>
+          <pc:docMk/>
+          <pc:sldMk cId="1411823124" sldId="628"/>
+        </pc:sldMkLst>
+      </pc:sldChg>
+      <pc:sldChg chg="del">
+        <pc:chgData name="zhang hua" userId="692e123b3e9a7e92" providerId="LiveId" clId="{D9B66C08-7609-4D4B-B9E2-052D8FF3FBA1}" dt="2021-10-28T15:00:21.893" v="13" actId="47"/>
+        <pc:sldMkLst>
+          <pc:docMk/>
+          <pc:sldMk cId="3110529430" sldId="629"/>
+        </pc:sldMkLst>
+      </pc:sldChg>
+      <pc:sldChg chg="del">
+        <pc:chgData name="zhang hua" userId="692e123b3e9a7e92" providerId="LiveId" clId="{D9B66C08-7609-4D4B-B9E2-052D8FF3FBA1}" dt="2021-10-28T15:00:21.201" v="12" actId="47"/>
+        <pc:sldMkLst>
+          <pc:docMk/>
+          <pc:sldMk cId="1001349609" sldId="630"/>
+        </pc:sldMkLst>
+      </pc:sldChg>
+      <pc:sldChg chg="del">
+        <pc:chgData name="zhang hua" userId="692e123b3e9a7e92" providerId="LiveId" clId="{D9B66C08-7609-4D4B-B9E2-052D8FF3FBA1}" dt="2021-10-28T15:00:24.140" v="16" actId="47"/>
+        <pc:sldMkLst>
+          <pc:docMk/>
+          <pc:sldMk cId="237733207" sldId="632"/>
+        </pc:sldMkLst>
+      </pc:sldChg>
+      <pc:sldChg chg="del">
+        <pc:chgData name="zhang hua" userId="692e123b3e9a7e92" providerId="LiveId" clId="{D9B66C08-7609-4D4B-B9E2-052D8FF3FBA1}" dt="2021-10-28T15:00:22.717" v="14" actId="47"/>
+        <pc:sldMkLst>
+          <pc:docMk/>
+          <pc:sldMk cId="2523989912" sldId="634"/>
+        </pc:sldMkLst>
+      </pc:sldChg>
+      <pc:sldChg chg="del">
+        <pc:chgData name="zhang hua" userId="692e123b3e9a7e92" providerId="LiveId" clId="{D9B66C08-7609-4D4B-B9E2-052D8FF3FBA1}" dt="2021-10-28T15:00:18.367" v="7" actId="47"/>
+        <pc:sldMkLst>
+          <pc:docMk/>
+          <pc:sldMk cId="3955880690" sldId="636"/>
+        </pc:sldMkLst>
+      </pc:sldChg>
+      <pc:sldChg chg="del">
+        <pc:chgData name="zhang hua" userId="692e123b3e9a7e92" providerId="LiveId" clId="{D9B66C08-7609-4D4B-B9E2-052D8FF3FBA1}" dt="2021-10-28T15:00:18.557" v="8" actId="47"/>
+        <pc:sldMkLst>
+          <pc:docMk/>
+          <pc:sldMk cId="1442741240" sldId="637"/>
+        </pc:sldMkLst>
+      </pc:sldChg>
+      <pc:sldChg chg="del">
+        <pc:chgData name="zhang hua" userId="692e123b3e9a7e92" providerId="LiveId" clId="{D9B66C08-7609-4D4B-B9E2-052D8FF3FBA1}" dt="2021-10-28T15:00:18.851" v="9" actId="47"/>
+        <pc:sldMkLst>
+          <pc:docMk/>
+          <pc:sldMk cId="2570470883" sldId="638"/>
+        </pc:sldMkLst>
+      </pc:sldChg>
+      <pc:sldChg chg="del">
+        <pc:chgData name="zhang hua" userId="692e123b3e9a7e92" providerId="LiveId" clId="{D9B66C08-7609-4D4B-B9E2-052D8FF3FBA1}" dt="2021-10-28T15:00:25.528" v="21" actId="47"/>
+        <pc:sldMkLst>
+          <pc:docMk/>
+          <pc:sldMk cId="711597523" sldId="639"/>
+        </pc:sldMkLst>
+      </pc:sldChg>
+      <pc:sldChg chg="del">
+        <pc:chgData name="zhang hua" userId="692e123b3e9a7e92" providerId="LiveId" clId="{D9B66C08-7609-4D4B-B9E2-052D8FF3FBA1}" dt="2021-10-28T15:00:25.888" v="22" actId="47"/>
+        <pc:sldMkLst>
+          <pc:docMk/>
+          <pc:sldMk cId="3036265426" sldId="640"/>
+        </pc:sldMkLst>
+      </pc:sldChg>
+      <pc:sldChg chg="del">
+        <pc:chgData name="zhang hua" userId="692e123b3e9a7e92" providerId="LiveId" clId="{D9B66C08-7609-4D4B-B9E2-052D8FF3FBA1}" dt="2021-10-28T15:00:25.954" v="23" actId="47"/>
+        <pc:sldMkLst>
+          <pc:docMk/>
+          <pc:sldMk cId="2704386023" sldId="641"/>
+        </pc:sldMkLst>
+      </pc:sldChg>
+      <pc:sldChg chg="del">
+        <pc:chgData name="zhang hua" userId="692e123b3e9a7e92" providerId="LiveId" clId="{D9B66C08-7609-4D4B-B9E2-052D8FF3FBA1}" dt="2021-10-28T15:00:24.604" v="17" actId="47"/>
+        <pc:sldMkLst>
+          <pc:docMk/>
+          <pc:sldMk cId="2451321393" sldId="642"/>
+        </pc:sldMkLst>
+      </pc:sldChg>
+    </pc:docChg>
+  </pc:docChgLst>
+  <pc:docChgLst>
     <pc:chgData name="zhang hua" userId="692e123b3e9a7e92" providerId="LiveId" clId="{A7806EB7-0FCF-499D-AA44-519E12E11B0E}"/>
     <pc:docChg chg="custSel addSld delSld modSld">
       <pc:chgData name="zhang hua" userId="692e123b3e9a7e92" providerId="LiveId" clId="{A7806EB7-0FCF-499D-AA44-519E12E11B0E}" dt="2020-11-06T04:00:08.494" v="27"/>
@@ -469,6 +2593,393 @@
         <pc:sldMkLst>
           <pc:docMk/>
           <pc:sldMk cId="2651034160" sldId="618"/>
+        </pc:sldMkLst>
+      </pc:sldChg>
+    </pc:docChg>
+  </pc:docChgLst>
+  <pc:docChgLst>
+    <pc:chgData name="zhang hua" userId="692e123b3e9a7e92" providerId="LiveId" clId="{FDCEFD3C-ED7D-4538-8664-10F8448383FB}"/>
+    <pc:docChg chg="custSel addSld delSld modSld sldOrd">
+      <pc:chgData name="zhang hua" userId="692e123b3e9a7e92" providerId="LiveId" clId="{FDCEFD3C-ED7D-4538-8664-10F8448383FB}" dt="2021-10-29T00:05:26.820" v="127" actId="14100"/>
+      <pc:docMkLst>
+        <pc:docMk/>
+      </pc:docMkLst>
+      <pc:sldChg chg="del">
+        <pc:chgData name="zhang hua" userId="692e123b3e9a7e92" providerId="LiveId" clId="{FDCEFD3C-ED7D-4538-8664-10F8448383FB}" dt="2021-10-28T23:57:17.554" v="0" actId="47"/>
+        <pc:sldMkLst>
+          <pc:docMk/>
+          <pc:sldMk cId="2177102389" sldId="600"/>
+        </pc:sldMkLst>
+      </pc:sldChg>
+      <pc:sldChg chg="del">
+        <pc:chgData name="zhang hua" userId="692e123b3e9a7e92" providerId="LiveId" clId="{FDCEFD3C-ED7D-4538-8664-10F8448383FB}" dt="2021-10-28T23:57:17.762" v="1" actId="47"/>
+        <pc:sldMkLst>
+          <pc:docMk/>
+          <pc:sldMk cId="3202909132" sldId="601"/>
+        </pc:sldMkLst>
+      </pc:sldChg>
+      <pc:sldChg chg="del">
+        <pc:chgData name="zhang hua" userId="692e123b3e9a7e92" providerId="LiveId" clId="{FDCEFD3C-ED7D-4538-8664-10F8448383FB}" dt="2021-10-28T23:57:18.089" v="3" actId="47"/>
+        <pc:sldMkLst>
+          <pc:docMk/>
+          <pc:sldMk cId="2671076134" sldId="602"/>
+        </pc:sldMkLst>
+      </pc:sldChg>
+      <pc:sldChg chg="del">
+        <pc:chgData name="zhang hua" userId="692e123b3e9a7e92" providerId="LiveId" clId="{FDCEFD3C-ED7D-4538-8664-10F8448383FB}" dt="2021-10-28T23:57:18.252" v="4" actId="47"/>
+        <pc:sldMkLst>
+          <pc:docMk/>
+          <pc:sldMk cId="3988354388" sldId="603"/>
+        </pc:sldMkLst>
+      </pc:sldChg>
+      <pc:sldChg chg="del">
+        <pc:chgData name="zhang hua" userId="692e123b3e9a7e92" providerId="LiveId" clId="{FDCEFD3C-ED7D-4538-8664-10F8448383FB}" dt="2021-10-28T23:57:18.405" v="5" actId="47"/>
+        <pc:sldMkLst>
+          <pc:docMk/>
+          <pc:sldMk cId="2602930772" sldId="604"/>
+        </pc:sldMkLst>
+      </pc:sldChg>
+      <pc:sldChg chg="del">
+        <pc:chgData name="zhang hua" userId="692e123b3e9a7e92" providerId="LiveId" clId="{FDCEFD3C-ED7D-4538-8664-10F8448383FB}" dt="2021-10-28T23:57:18.569" v="6" actId="47"/>
+        <pc:sldMkLst>
+          <pc:docMk/>
+          <pc:sldMk cId="2239448993" sldId="605"/>
+        </pc:sldMkLst>
+      </pc:sldChg>
+      <pc:sldChg chg="del">
+        <pc:chgData name="zhang hua" userId="692e123b3e9a7e92" providerId="LiveId" clId="{FDCEFD3C-ED7D-4538-8664-10F8448383FB}" dt="2021-10-28T23:57:18.764" v="7" actId="47"/>
+        <pc:sldMkLst>
+          <pc:docMk/>
+          <pc:sldMk cId="3980338196" sldId="606"/>
+        </pc:sldMkLst>
+      </pc:sldChg>
+      <pc:sldChg chg="del">
+        <pc:chgData name="zhang hua" userId="692e123b3e9a7e92" providerId="LiveId" clId="{FDCEFD3C-ED7D-4538-8664-10F8448383FB}" dt="2021-10-28T23:57:18.927" v="8" actId="47"/>
+        <pc:sldMkLst>
+          <pc:docMk/>
+          <pc:sldMk cId="2231970788" sldId="607"/>
+        </pc:sldMkLst>
+      </pc:sldChg>
+      <pc:sldChg chg="del">
+        <pc:chgData name="zhang hua" userId="692e123b3e9a7e92" providerId="LiveId" clId="{FDCEFD3C-ED7D-4538-8664-10F8448383FB}" dt="2021-10-28T23:57:19.286" v="9" actId="47"/>
+        <pc:sldMkLst>
+          <pc:docMk/>
+          <pc:sldMk cId="867763444" sldId="608"/>
+        </pc:sldMkLst>
+      </pc:sldChg>
+      <pc:sldChg chg="del">
+        <pc:chgData name="zhang hua" userId="692e123b3e9a7e92" providerId="LiveId" clId="{FDCEFD3C-ED7D-4538-8664-10F8448383FB}" dt="2021-10-28T23:57:19.710" v="10" actId="47"/>
+        <pc:sldMkLst>
+          <pc:docMk/>
+          <pc:sldMk cId="1372430918" sldId="609"/>
+        </pc:sldMkLst>
+      </pc:sldChg>
+      <pc:sldChg chg="del">
+        <pc:chgData name="zhang hua" userId="692e123b3e9a7e92" providerId="LiveId" clId="{FDCEFD3C-ED7D-4538-8664-10F8448383FB}" dt="2021-10-28T23:57:20.115" v="11" actId="47"/>
+        <pc:sldMkLst>
+          <pc:docMk/>
+          <pc:sldMk cId="996605378" sldId="610"/>
+        </pc:sldMkLst>
+      </pc:sldChg>
+      <pc:sldChg chg="del">
+        <pc:chgData name="zhang hua" userId="692e123b3e9a7e92" providerId="LiveId" clId="{FDCEFD3C-ED7D-4538-8664-10F8448383FB}" dt="2021-10-28T23:57:20.906" v="12" actId="47"/>
+        <pc:sldMkLst>
+          <pc:docMk/>
+          <pc:sldMk cId="1509737855" sldId="611"/>
+        </pc:sldMkLst>
+      </pc:sldChg>
+      <pc:sldChg chg="addSp modSp mod modTransition">
+        <pc:chgData name="zhang hua" userId="692e123b3e9a7e92" providerId="LiveId" clId="{FDCEFD3C-ED7D-4538-8664-10F8448383FB}" dt="2021-10-28T23:59:34.487" v="36"/>
+        <pc:sldMkLst>
+          <pc:docMk/>
+          <pc:sldMk cId="2610388346" sldId="612"/>
+        </pc:sldMkLst>
+        <pc:picChg chg="add mod">
+          <ac:chgData name="zhang hua" userId="692e123b3e9a7e92" providerId="LiveId" clId="{FDCEFD3C-ED7D-4538-8664-10F8448383FB}" dt="2021-10-28T23:59:09.343" v="34" actId="14100"/>
+          <ac:picMkLst>
+            <pc:docMk/>
+            <pc:sldMk cId="2610388346" sldId="612"/>
+            <ac:picMk id="4" creationId="{C84D4126-899E-4255-A73A-1F424A1788B1}"/>
+          </ac:picMkLst>
+        </pc:picChg>
+      </pc:sldChg>
+      <pc:sldChg chg="addSp modSp mod modTransition">
+        <pc:chgData name="zhang hua" userId="692e123b3e9a7e92" providerId="LiveId" clId="{FDCEFD3C-ED7D-4538-8664-10F8448383FB}" dt="2021-10-29T00:01:19.019" v="70"/>
+        <pc:sldMkLst>
+          <pc:docMk/>
+          <pc:sldMk cId="2807655177" sldId="613"/>
+        </pc:sldMkLst>
+        <pc:picChg chg="add mod">
+          <ac:chgData name="zhang hua" userId="692e123b3e9a7e92" providerId="LiveId" clId="{FDCEFD3C-ED7D-4538-8664-10F8448383FB}" dt="2021-10-29T00:01:03.541" v="68" actId="14100"/>
+          <ac:picMkLst>
+            <pc:docMk/>
+            <pc:sldMk cId="2807655177" sldId="613"/>
+            <ac:picMk id="4" creationId="{CA4CF3D3-A736-4FC8-899E-E56E952366F8}"/>
+          </ac:picMkLst>
+        </pc:picChg>
+      </pc:sldChg>
+      <pc:sldChg chg="addSp modSp mod modTransition">
+        <pc:chgData name="zhang hua" userId="692e123b3e9a7e92" providerId="LiveId" clId="{FDCEFD3C-ED7D-4538-8664-10F8448383FB}" dt="2021-10-29T00:01:46.467" v="80"/>
+        <pc:sldMkLst>
+          <pc:docMk/>
+          <pc:sldMk cId="968480306" sldId="614"/>
+        </pc:sldMkLst>
+        <pc:picChg chg="add mod">
+          <ac:chgData name="zhang hua" userId="692e123b3e9a7e92" providerId="LiveId" clId="{FDCEFD3C-ED7D-4538-8664-10F8448383FB}" dt="2021-10-29T00:01:24.079" v="75" actId="14100"/>
+          <ac:picMkLst>
+            <pc:docMk/>
+            <pc:sldMk cId="968480306" sldId="614"/>
+            <ac:picMk id="4" creationId="{09221E9D-F632-4D88-B7F7-1F7297218523}"/>
+          </ac:picMkLst>
+        </pc:picChg>
+        <pc:picChg chg="add mod">
+          <ac:chgData name="zhang hua" userId="692e123b3e9a7e92" providerId="LiveId" clId="{FDCEFD3C-ED7D-4538-8664-10F8448383FB}" dt="2021-10-29T00:01:44.990" v="78" actId="14100"/>
+          <ac:picMkLst>
+            <pc:docMk/>
+            <pc:sldMk cId="968480306" sldId="614"/>
+            <ac:picMk id="6" creationId="{7EB3531B-2D3D-418E-B200-5F39EB1C0E46}"/>
+          </ac:picMkLst>
+        </pc:picChg>
+      </pc:sldChg>
+      <pc:sldChg chg="addSp modSp mod modTransition">
+        <pc:chgData name="zhang hua" userId="692e123b3e9a7e92" providerId="LiveId" clId="{FDCEFD3C-ED7D-4538-8664-10F8448383FB}" dt="2021-10-29T00:02:34.305" v="88"/>
+        <pc:sldMkLst>
+          <pc:docMk/>
+          <pc:sldMk cId="1295687018" sldId="615"/>
+        </pc:sldMkLst>
+        <pc:picChg chg="add mod">
+          <ac:chgData name="zhang hua" userId="692e123b3e9a7e92" providerId="LiveId" clId="{FDCEFD3C-ED7D-4538-8664-10F8448383FB}" dt="2021-10-29T00:02:17.379" v="86" actId="14100"/>
+          <ac:picMkLst>
+            <pc:docMk/>
+            <pc:sldMk cId="1295687018" sldId="615"/>
+            <ac:picMk id="4" creationId="{96FB6CF2-9775-4156-9733-8F7E540518DE}"/>
+          </ac:picMkLst>
+        </pc:picChg>
+      </pc:sldChg>
+      <pc:sldChg chg="addSp modSp mod modTransition">
+        <pc:chgData name="zhang hua" userId="692e123b3e9a7e92" providerId="LiveId" clId="{FDCEFD3C-ED7D-4538-8664-10F8448383FB}" dt="2021-10-29T00:02:46.508" v="96"/>
+        <pc:sldMkLst>
+          <pc:docMk/>
+          <pc:sldMk cId="138991699" sldId="616"/>
+        </pc:sldMkLst>
+        <pc:picChg chg="add mod">
+          <ac:chgData name="zhang hua" userId="692e123b3e9a7e92" providerId="LiveId" clId="{FDCEFD3C-ED7D-4538-8664-10F8448383FB}" dt="2021-10-29T00:02:42.847" v="93" actId="14100"/>
+          <ac:picMkLst>
+            <pc:docMk/>
+            <pc:sldMk cId="138991699" sldId="616"/>
+            <ac:picMk id="4" creationId="{97E0E906-E937-44C7-932E-F8843FBF80D6}"/>
+          </ac:picMkLst>
+        </pc:picChg>
+      </pc:sldChg>
+      <pc:sldChg chg="addSp modSp add mod modTransition">
+        <pc:chgData name="zhang hua" userId="692e123b3e9a7e92" providerId="LiveId" clId="{FDCEFD3C-ED7D-4538-8664-10F8448383FB}" dt="2021-10-28T23:59:58.825" v="46"/>
+        <pc:sldMkLst>
+          <pc:docMk/>
+          <pc:sldMk cId="3464084533" sldId="617"/>
+        </pc:sldMkLst>
+        <pc:picChg chg="add mod">
+          <ac:chgData name="zhang hua" userId="692e123b3e9a7e92" providerId="LiveId" clId="{FDCEFD3C-ED7D-4538-8664-10F8448383FB}" dt="2021-10-28T23:59:41.528" v="41" actId="14100"/>
+          <ac:picMkLst>
+            <pc:docMk/>
+            <pc:sldMk cId="3464084533" sldId="617"/>
+            <ac:picMk id="4" creationId="{7E556140-9CF7-449A-B5C8-6122EA6F43E9}"/>
+          </ac:picMkLst>
+        </pc:picChg>
+        <pc:picChg chg="add mod">
+          <ac:chgData name="zhang hua" userId="692e123b3e9a7e92" providerId="LiveId" clId="{FDCEFD3C-ED7D-4538-8664-10F8448383FB}" dt="2021-10-28T23:59:57.248" v="44" actId="14100"/>
+          <ac:picMkLst>
+            <pc:docMk/>
+            <pc:sldMk cId="3464084533" sldId="617"/>
+            <ac:picMk id="6" creationId="{B8BF4DAA-CEF1-4AD3-B2E2-D69AF92E4888}"/>
+          </ac:picMkLst>
+        </pc:picChg>
+      </pc:sldChg>
+      <pc:sldChg chg="del">
+        <pc:chgData name="zhang hua" userId="692e123b3e9a7e92" providerId="LiveId" clId="{FDCEFD3C-ED7D-4538-8664-10F8448383FB}" dt="2021-10-28T23:57:17.926" v="2" actId="47"/>
+        <pc:sldMkLst>
+          <pc:docMk/>
+          <pc:sldMk cId="4035995922" sldId="617"/>
+        </pc:sldMkLst>
+      </pc:sldChg>
+      <pc:sldChg chg="addSp delSp modSp add mod modTransition">
+        <pc:chgData name="zhang hua" userId="692e123b3e9a7e92" providerId="LiveId" clId="{FDCEFD3C-ED7D-4538-8664-10F8448383FB}" dt="2021-10-29T00:00:40.380" v="57"/>
+        <pc:sldMkLst>
+          <pc:docMk/>
+          <pc:sldMk cId="4192588316" sldId="618"/>
+        </pc:sldMkLst>
+        <pc:picChg chg="add mod">
+          <ac:chgData name="zhang hua" userId="692e123b3e9a7e92" providerId="LiveId" clId="{FDCEFD3C-ED7D-4538-8664-10F8448383FB}" dt="2021-10-29T00:00:14.919" v="51" actId="14100"/>
+          <ac:picMkLst>
+            <pc:docMk/>
+            <pc:sldMk cId="4192588316" sldId="618"/>
+            <ac:picMk id="4" creationId="{A9B9A84D-9ACA-4DF6-B8E3-6B60D4D9F396}"/>
+          </ac:picMkLst>
+        </pc:picChg>
+        <pc:picChg chg="add del mod">
+          <ac:chgData name="zhang hua" userId="692e123b3e9a7e92" providerId="LiveId" clId="{FDCEFD3C-ED7D-4538-8664-10F8448383FB}" dt="2021-10-29T00:00:39.466" v="55" actId="21"/>
+          <ac:picMkLst>
+            <pc:docMk/>
+            <pc:sldMk cId="4192588316" sldId="618"/>
+            <ac:picMk id="6" creationId="{7BE5D252-011E-416E-BCFA-C3BE9B8A71AC}"/>
+          </ac:picMkLst>
+        </pc:picChg>
+      </pc:sldChg>
+      <pc:sldChg chg="addSp modSp add mod modTransition">
+        <pc:chgData name="zhang hua" userId="692e123b3e9a7e92" providerId="LiveId" clId="{FDCEFD3C-ED7D-4538-8664-10F8448383FB}" dt="2021-10-29T00:00:56.618" v="63"/>
+        <pc:sldMkLst>
+          <pc:docMk/>
+          <pc:sldMk cId="2965473725" sldId="619"/>
+        </pc:sldMkLst>
+        <pc:picChg chg="add mod">
+          <ac:chgData name="zhang hua" userId="692e123b3e9a7e92" providerId="LiveId" clId="{FDCEFD3C-ED7D-4538-8664-10F8448383FB}" dt="2021-10-29T00:00:42.732" v="61" actId="1076"/>
+          <ac:picMkLst>
+            <pc:docMk/>
+            <pc:sldMk cId="2965473725" sldId="619"/>
+            <ac:picMk id="4" creationId="{C42F6872-9B19-41DF-B2E2-80D20BA56295}"/>
+          </ac:picMkLst>
+        </pc:picChg>
+      </pc:sldChg>
+      <pc:sldChg chg="addSp modSp add mod ord modTransition">
+        <pc:chgData name="zhang hua" userId="692e123b3e9a7e92" providerId="LiveId" clId="{FDCEFD3C-ED7D-4538-8664-10F8448383FB}" dt="2021-10-28T23:58:49.340" v="31"/>
+        <pc:sldMkLst>
+          <pc:docMk/>
+          <pc:sldMk cId="2766182230" sldId="620"/>
+        </pc:sldMkLst>
+        <pc:picChg chg="add mod">
+          <ac:chgData name="zhang hua" userId="692e123b3e9a7e92" providerId="LiveId" clId="{FDCEFD3C-ED7D-4538-8664-10F8448383FB}" dt="2021-10-28T23:58:19.786" v="23" actId="14100"/>
+          <ac:picMkLst>
+            <pc:docMk/>
+            <pc:sldMk cId="2766182230" sldId="620"/>
+            <ac:picMk id="4" creationId="{165E3FCB-E8F6-4A88-94B4-37AC6C86CDE5}"/>
+          </ac:picMkLst>
+        </pc:picChg>
+        <pc:picChg chg="add mod">
+          <ac:chgData name="zhang hua" userId="692e123b3e9a7e92" providerId="LiveId" clId="{FDCEFD3C-ED7D-4538-8664-10F8448383FB}" dt="2021-10-28T23:58:43.775" v="27" actId="1076"/>
+          <ac:picMkLst>
+            <pc:docMk/>
+            <pc:sldMk cId="2766182230" sldId="620"/>
+            <ac:picMk id="6" creationId="{D02F44CC-28D5-49D3-B330-A7EABF777B2E}"/>
+          </ac:picMkLst>
+        </pc:picChg>
+      </pc:sldChg>
+      <pc:sldChg chg="addSp delSp modSp add mod">
+        <pc:chgData name="zhang hua" userId="692e123b3e9a7e92" providerId="LiveId" clId="{FDCEFD3C-ED7D-4538-8664-10F8448383FB}" dt="2021-10-29T00:05:08.659" v="123" actId="14100"/>
+        <pc:sldMkLst>
+          <pc:docMk/>
+          <pc:sldMk cId="3624179205" sldId="621"/>
+        </pc:sldMkLst>
+        <pc:picChg chg="del">
+          <ac:chgData name="zhang hua" userId="692e123b3e9a7e92" providerId="LiveId" clId="{FDCEFD3C-ED7D-4538-8664-10F8448383FB}" dt="2021-10-29T00:02:48.369" v="97" actId="478"/>
+          <ac:picMkLst>
+            <pc:docMk/>
+            <pc:sldMk cId="3624179205" sldId="621"/>
+            <ac:picMk id="4" creationId="{97E0E906-E937-44C7-932E-F8843FBF80D6}"/>
+          </ac:picMkLst>
+        </pc:picChg>
+        <pc:picChg chg="add mod">
+          <ac:chgData name="zhang hua" userId="692e123b3e9a7e92" providerId="LiveId" clId="{FDCEFD3C-ED7D-4538-8664-10F8448383FB}" dt="2021-10-29T00:05:08.659" v="123" actId="14100"/>
+          <ac:picMkLst>
+            <pc:docMk/>
+            <pc:sldMk cId="3624179205" sldId="621"/>
+            <ac:picMk id="5" creationId="{9D56F458-E466-44AB-86DC-FD2F222110F0}"/>
+          </ac:picMkLst>
+        </pc:picChg>
+      </pc:sldChg>
+      <pc:sldChg chg="addSp modSp add mod">
+        <pc:chgData name="zhang hua" userId="692e123b3e9a7e92" providerId="LiveId" clId="{FDCEFD3C-ED7D-4538-8664-10F8448383FB}" dt="2021-10-29T00:03:16.463" v="105" actId="14100"/>
+        <pc:sldMkLst>
+          <pc:docMk/>
+          <pc:sldMk cId="1184071860" sldId="622"/>
+        </pc:sldMkLst>
+        <pc:picChg chg="add mod">
+          <ac:chgData name="zhang hua" userId="692e123b3e9a7e92" providerId="LiveId" clId="{FDCEFD3C-ED7D-4538-8664-10F8448383FB}" dt="2021-10-29T00:03:16.463" v="105" actId="14100"/>
+          <ac:picMkLst>
+            <pc:docMk/>
+            <pc:sldMk cId="1184071860" sldId="622"/>
+            <ac:picMk id="4" creationId="{CD41D60F-F01E-4F9E-AD22-CBBA14208AAE}"/>
+          </ac:picMkLst>
+        </pc:picChg>
+      </pc:sldChg>
+      <pc:sldChg chg="addSp modSp add mod">
+        <pc:chgData name="zhang hua" userId="692e123b3e9a7e92" providerId="LiveId" clId="{FDCEFD3C-ED7D-4538-8664-10F8448383FB}" dt="2021-10-29T00:03:41.426" v="108" actId="14100"/>
+        <pc:sldMkLst>
+          <pc:docMk/>
+          <pc:sldMk cId="1560665644" sldId="623"/>
+        </pc:sldMkLst>
+        <pc:picChg chg="add mod">
+          <ac:chgData name="zhang hua" userId="692e123b3e9a7e92" providerId="LiveId" clId="{FDCEFD3C-ED7D-4538-8664-10F8448383FB}" dt="2021-10-29T00:03:41.426" v="108" actId="14100"/>
+          <ac:picMkLst>
+            <pc:docMk/>
+            <pc:sldMk cId="1560665644" sldId="623"/>
+            <ac:picMk id="4" creationId="{ADB7F328-9F89-4436-9EB7-F5B01D93F3EA}"/>
+          </ac:picMkLst>
+        </pc:picChg>
+      </pc:sldChg>
+      <pc:sldChg chg="addSp modSp add mod">
+        <pc:chgData name="zhang hua" userId="692e123b3e9a7e92" providerId="LiveId" clId="{FDCEFD3C-ED7D-4538-8664-10F8448383FB}" dt="2021-10-29T00:04:06.950" v="112" actId="14100"/>
+        <pc:sldMkLst>
+          <pc:docMk/>
+          <pc:sldMk cId="3585081464" sldId="624"/>
+        </pc:sldMkLst>
+        <pc:picChg chg="add mod">
+          <ac:chgData name="zhang hua" userId="692e123b3e9a7e92" providerId="LiveId" clId="{FDCEFD3C-ED7D-4538-8664-10F8448383FB}" dt="2021-10-29T00:04:06.950" v="112" actId="14100"/>
+          <ac:picMkLst>
+            <pc:docMk/>
+            <pc:sldMk cId="3585081464" sldId="624"/>
+            <ac:picMk id="4" creationId="{51435C5A-1F5F-4A5B-8107-FFFDF3CD767A}"/>
+          </ac:picMkLst>
+        </pc:picChg>
+      </pc:sldChg>
+      <pc:sldChg chg="addSp modSp add mod">
+        <pc:chgData name="zhang hua" userId="692e123b3e9a7e92" providerId="LiveId" clId="{FDCEFD3C-ED7D-4538-8664-10F8448383FB}" dt="2021-10-29T00:04:27.196" v="115" actId="14100"/>
+        <pc:sldMkLst>
+          <pc:docMk/>
+          <pc:sldMk cId="1917959183" sldId="625"/>
+        </pc:sldMkLst>
+        <pc:picChg chg="add mod">
+          <ac:chgData name="zhang hua" userId="692e123b3e9a7e92" providerId="LiveId" clId="{FDCEFD3C-ED7D-4538-8664-10F8448383FB}" dt="2021-10-29T00:04:27.196" v="115" actId="14100"/>
+          <ac:picMkLst>
+            <pc:docMk/>
+            <pc:sldMk cId="1917959183" sldId="625"/>
+            <ac:picMk id="4" creationId="{568E0935-ADE0-4CF4-9406-B14F8817E4EA}"/>
+          </ac:picMkLst>
+        </pc:picChg>
+      </pc:sldChg>
+      <pc:sldChg chg="addSp modSp add mod">
+        <pc:chgData name="zhang hua" userId="692e123b3e9a7e92" providerId="LiveId" clId="{FDCEFD3C-ED7D-4538-8664-10F8448383FB}" dt="2021-10-29T00:04:45.989" v="118" actId="14100"/>
+        <pc:sldMkLst>
+          <pc:docMk/>
+          <pc:sldMk cId="3435155462" sldId="626"/>
+        </pc:sldMkLst>
+        <pc:picChg chg="add mod">
+          <ac:chgData name="zhang hua" userId="692e123b3e9a7e92" providerId="LiveId" clId="{FDCEFD3C-ED7D-4538-8664-10F8448383FB}" dt="2021-10-29T00:04:45.989" v="118" actId="14100"/>
+          <ac:picMkLst>
+            <pc:docMk/>
+            <pc:sldMk cId="3435155462" sldId="626"/>
+            <ac:picMk id="4" creationId="{CF009B98-0AAE-43F5-B5F1-2980AB8D1389}"/>
+          </ac:picMkLst>
+        </pc:picChg>
+      </pc:sldChg>
+      <pc:sldChg chg="addSp modSp add mod">
+        <pc:chgData name="zhang hua" userId="692e123b3e9a7e92" providerId="LiveId" clId="{FDCEFD3C-ED7D-4538-8664-10F8448383FB}" dt="2021-10-29T00:05:26.820" v="127" actId="14100"/>
+        <pc:sldMkLst>
+          <pc:docMk/>
+          <pc:sldMk cId="2827660869" sldId="627"/>
+        </pc:sldMkLst>
+        <pc:picChg chg="add mod">
+          <ac:chgData name="zhang hua" userId="692e123b3e9a7e92" providerId="LiveId" clId="{FDCEFD3C-ED7D-4538-8664-10F8448383FB}" dt="2021-10-29T00:05:26.820" v="127" actId="14100"/>
+          <ac:picMkLst>
+            <pc:docMk/>
+            <pc:sldMk cId="2827660869" sldId="627"/>
+            <ac:picMk id="4" creationId="{83E31068-A335-470C-9746-4A1683D1564B}"/>
+          </ac:picMkLst>
+        </pc:picChg>
+      </pc:sldChg>
+      <pc:sldChg chg="add">
+        <pc:chgData name="zhang hua" userId="692e123b3e9a7e92" providerId="LiveId" clId="{FDCEFD3C-ED7D-4538-8664-10F8448383FB}" dt="2021-10-29T00:04:49.964" v="120"/>
+        <pc:sldMkLst>
+          <pc:docMk/>
+          <pc:sldMk cId="450686623" sldId="628"/>
         </pc:sldMkLst>
       </pc:sldChg>
     </pc:docChg>
@@ -2085,2518 +4596,6 @@
           </ac:picMkLst>
         </pc:picChg>
       </pc:sldMasterChg>
-    </pc:docChg>
-  </pc:docChgLst>
-  <pc:docChgLst>
-    <pc:chgData name="zhang hua" userId="692e123b3e9a7e92" providerId="LiveId" clId="{7D6EEAB2-34C8-4CE3-8B99-C0324F29A1EF}"/>
-    <pc:docChg chg="modSld">
-      <pc:chgData name="zhang hua" userId="692e123b3e9a7e92" providerId="LiveId" clId="{7D6EEAB2-34C8-4CE3-8B99-C0324F29A1EF}" dt="2021-06-07T10:11:01.127" v="44" actId="207"/>
-      <pc:docMkLst>
-        <pc:docMk/>
-      </pc:docMkLst>
-      <pc:sldChg chg="modSp mod">
-        <pc:chgData name="zhang hua" userId="692e123b3e9a7e92" providerId="LiveId" clId="{7D6EEAB2-34C8-4CE3-8B99-C0324F29A1EF}" dt="2021-06-07T10:11:01.127" v="44" actId="207"/>
-        <pc:sldMkLst>
-          <pc:docMk/>
-          <pc:sldMk cId="850366677" sldId="626"/>
-        </pc:sldMkLst>
-        <pc:spChg chg="mod">
-          <ac:chgData name="zhang hua" userId="692e123b3e9a7e92" providerId="LiveId" clId="{7D6EEAB2-34C8-4CE3-8B99-C0324F29A1EF}" dt="2021-06-07T10:11:01.127" v="44" actId="207"/>
-          <ac:spMkLst>
-            <pc:docMk/>
-            <pc:sldMk cId="850366677" sldId="626"/>
-            <ac:spMk id="10" creationId="{B2A505DA-C286-4DDA-A934-B1DC8E670B6A}"/>
-          </ac:spMkLst>
-        </pc:spChg>
-      </pc:sldChg>
-    </pc:docChg>
-  </pc:docChgLst>
-  <pc:docChgLst>
-    <pc:chgData name="zhang hua" userId="692e123b3e9a7e92" providerId="LiveId" clId="{FDCEFD3C-ED7D-4538-8664-10F8448383FB}"/>
-    <pc:docChg chg="custSel addSld delSld modSld sldOrd">
-      <pc:chgData name="zhang hua" userId="692e123b3e9a7e92" providerId="LiveId" clId="{FDCEFD3C-ED7D-4538-8664-10F8448383FB}" dt="2021-10-29T00:05:26.820" v="127" actId="14100"/>
-      <pc:docMkLst>
-        <pc:docMk/>
-      </pc:docMkLst>
-      <pc:sldChg chg="del">
-        <pc:chgData name="zhang hua" userId="692e123b3e9a7e92" providerId="LiveId" clId="{FDCEFD3C-ED7D-4538-8664-10F8448383FB}" dt="2021-10-28T23:57:17.554" v="0" actId="47"/>
-        <pc:sldMkLst>
-          <pc:docMk/>
-          <pc:sldMk cId="2177102389" sldId="600"/>
-        </pc:sldMkLst>
-      </pc:sldChg>
-      <pc:sldChg chg="del">
-        <pc:chgData name="zhang hua" userId="692e123b3e9a7e92" providerId="LiveId" clId="{FDCEFD3C-ED7D-4538-8664-10F8448383FB}" dt="2021-10-28T23:57:17.762" v="1" actId="47"/>
-        <pc:sldMkLst>
-          <pc:docMk/>
-          <pc:sldMk cId="3202909132" sldId="601"/>
-        </pc:sldMkLst>
-      </pc:sldChg>
-      <pc:sldChg chg="del">
-        <pc:chgData name="zhang hua" userId="692e123b3e9a7e92" providerId="LiveId" clId="{FDCEFD3C-ED7D-4538-8664-10F8448383FB}" dt="2021-10-28T23:57:18.089" v="3" actId="47"/>
-        <pc:sldMkLst>
-          <pc:docMk/>
-          <pc:sldMk cId="2671076134" sldId="602"/>
-        </pc:sldMkLst>
-      </pc:sldChg>
-      <pc:sldChg chg="del">
-        <pc:chgData name="zhang hua" userId="692e123b3e9a7e92" providerId="LiveId" clId="{FDCEFD3C-ED7D-4538-8664-10F8448383FB}" dt="2021-10-28T23:57:18.252" v="4" actId="47"/>
-        <pc:sldMkLst>
-          <pc:docMk/>
-          <pc:sldMk cId="3988354388" sldId="603"/>
-        </pc:sldMkLst>
-      </pc:sldChg>
-      <pc:sldChg chg="del">
-        <pc:chgData name="zhang hua" userId="692e123b3e9a7e92" providerId="LiveId" clId="{FDCEFD3C-ED7D-4538-8664-10F8448383FB}" dt="2021-10-28T23:57:18.405" v="5" actId="47"/>
-        <pc:sldMkLst>
-          <pc:docMk/>
-          <pc:sldMk cId="2602930772" sldId="604"/>
-        </pc:sldMkLst>
-      </pc:sldChg>
-      <pc:sldChg chg="del">
-        <pc:chgData name="zhang hua" userId="692e123b3e9a7e92" providerId="LiveId" clId="{FDCEFD3C-ED7D-4538-8664-10F8448383FB}" dt="2021-10-28T23:57:18.569" v="6" actId="47"/>
-        <pc:sldMkLst>
-          <pc:docMk/>
-          <pc:sldMk cId="2239448993" sldId="605"/>
-        </pc:sldMkLst>
-      </pc:sldChg>
-      <pc:sldChg chg="del">
-        <pc:chgData name="zhang hua" userId="692e123b3e9a7e92" providerId="LiveId" clId="{FDCEFD3C-ED7D-4538-8664-10F8448383FB}" dt="2021-10-28T23:57:18.764" v="7" actId="47"/>
-        <pc:sldMkLst>
-          <pc:docMk/>
-          <pc:sldMk cId="3980338196" sldId="606"/>
-        </pc:sldMkLst>
-      </pc:sldChg>
-      <pc:sldChg chg="del">
-        <pc:chgData name="zhang hua" userId="692e123b3e9a7e92" providerId="LiveId" clId="{FDCEFD3C-ED7D-4538-8664-10F8448383FB}" dt="2021-10-28T23:57:18.927" v="8" actId="47"/>
-        <pc:sldMkLst>
-          <pc:docMk/>
-          <pc:sldMk cId="2231970788" sldId="607"/>
-        </pc:sldMkLst>
-      </pc:sldChg>
-      <pc:sldChg chg="del">
-        <pc:chgData name="zhang hua" userId="692e123b3e9a7e92" providerId="LiveId" clId="{FDCEFD3C-ED7D-4538-8664-10F8448383FB}" dt="2021-10-28T23:57:19.286" v="9" actId="47"/>
-        <pc:sldMkLst>
-          <pc:docMk/>
-          <pc:sldMk cId="867763444" sldId="608"/>
-        </pc:sldMkLst>
-      </pc:sldChg>
-      <pc:sldChg chg="del">
-        <pc:chgData name="zhang hua" userId="692e123b3e9a7e92" providerId="LiveId" clId="{FDCEFD3C-ED7D-4538-8664-10F8448383FB}" dt="2021-10-28T23:57:19.710" v="10" actId="47"/>
-        <pc:sldMkLst>
-          <pc:docMk/>
-          <pc:sldMk cId="1372430918" sldId="609"/>
-        </pc:sldMkLst>
-      </pc:sldChg>
-      <pc:sldChg chg="del">
-        <pc:chgData name="zhang hua" userId="692e123b3e9a7e92" providerId="LiveId" clId="{FDCEFD3C-ED7D-4538-8664-10F8448383FB}" dt="2021-10-28T23:57:20.115" v="11" actId="47"/>
-        <pc:sldMkLst>
-          <pc:docMk/>
-          <pc:sldMk cId="996605378" sldId="610"/>
-        </pc:sldMkLst>
-      </pc:sldChg>
-      <pc:sldChg chg="del">
-        <pc:chgData name="zhang hua" userId="692e123b3e9a7e92" providerId="LiveId" clId="{FDCEFD3C-ED7D-4538-8664-10F8448383FB}" dt="2021-10-28T23:57:20.906" v="12" actId="47"/>
-        <pc:sldMkLst>
-          <pc:docMk/>
-          <pc:sldMk cId="1509737855" sldId="611"/>
-        </pc:sldMkLst>
-      </pc:sldChg>
-      <pc:sldChg chg="addSp modSp mod modTransition">
-        <pc:chgData name="zhang hua" userId="692e123b3e9a7e92" providerId="LiveId" clId="{FDCEFD3C-ED7D-4538-8664-10F8448383FB}" dt="2021-10-28T23:59:34.487" v="36"/>
-        <pc:sldMkLst>
-          <pc:docMk/>
-          <pc:sldMk cId="2610388346" sldId="612"/>
-        </pc:sldMkLst>
-        <pc:picChg chg="add mod">
-          <ac:chgData name="zhang hua" userId="692e123b3e9a7e92" providerId="LiveId" clId="{FDCEFD3C-ED7D-4538-8664-10F8448383FB}" dt="2021-10-28T23:59:09.343" v="34" actId="14100"/>
-          <ac:picMkLst>
-            <pc:docMk/>
-            <pc:sldMk cId="2610388346" sldId="612"/>
-            <ac:picMk id="4" creationId="{C84D4126-899E-4255-A73A-1F424A1788B1}"/>
-          </ac:picMkLst>
-        </pc:picChg>
-      </pc:sldChg>
-      <pc:sldChg chg="addSp modSp mod modTransition">
-        <pc:chgData name="zhang hua" userId="692e123b3e9a7e92" providerId="LiveId" clId="{FDCEFD3C-ED7D-4538-8664-10F8448383FB}" dt="2021-10-29T00:01:19.019" v="70"/>
-        <pc:sldMkLst>
-          <pc:docMk/>
-          <pc:sldMk cId="2807655177" sldId="613"/>
-        </pc:sldMkLst>
-        <pc:picChg chg="add mod">
-          <ac:chgData name="zhang hua" userId="692e123b3e9a7e92" providerId="LiveId" clId="{FDCEFD3C-ED7D-4538-8664-10F8448383FB}" dt="2021-10-29T00:01:03.541" v="68" actId="14100"/>
-          <ac:picMkLst>
-            <pc:docMk/>
-            <pc:sldMk cId="2807655177" sldId="613"/>
-            <ac:picMk id="4" creationId="{CA4CF3D3-A736-4FC8-899E-E56E952366F8}"/>
-          </ac:picMkLst>
-        </pc:picChg>
-      </pc:sldChg>
-      <pc:sldChg chg="addSp modSp mod modTransition">
-        <pc:chgData name="zhang hua" userId="692e123b3e9a7e92" providerId="LiveId" clId="{FDCEFD3C-ED7D-4538-8664-10F8448383FB}" dt="2021-10-29T00:01:46.467" v="80"/>
-        <pc:sldMkLst>
-          <pc:docMk/>
-          <pc:sldMk cId="968480306" sldId="614"/>
-        </pc:sldMkLst>
-        <pc:picChg chg="add mod">
-          <ac:chgData name="zhang hua" userId="692e123b3e9a7e92" providerId="LiveId" clId="{FDCEFD3C-ED7D-4538-8664-10F8448383FB}" dt="2021-10-29T00:01:24.079" v="75" actId="14100"/>
-          <ac:picMkLst>
-            <pc:docMk/>
-            <pc:sldMk cId="968480306" sldId="614"/>
-            <ac:picMk id="4" creationId="{09221E9D-F632-4D88-B7F7-1F7297218523}"/>
-          </ac:picMkLst>
-        </pc:picChg>
-        <pc:picChg chg="add mod">
-          <ac:chgData name="zhang hua" userId="692e123b3e9a7e92" providerId="LiveId" clId="{FDCEFD3C-ED7D-4538-8664-10F8448383FB}" dt="2021-10-29T00:01:44.990" v="78" actId="14100"/>
-          <ac:picMkLst>
-            <pc:docMk/>
-            <pc:sldMk cId="968480306" sldId="614"/>
-            <ac:picMk id="6" creationId="{7EB3531B-2D3D-418E-B200-5F39EB1C0E46}"/>
-          </ac:picMkLst>
-        </pc:picChg>
-      </pc:sldChg>
-      <pc:sldChg chg="addSp modSp mod modTransition">
-        <pc:chgData name="zhang hua" userId="692e123b3e9a7e92" providerId="LiveId" clId="{FDCEFD3C-ED7D-4538-8664-10F8448383FB}" dt="2021-10-29T00:02:34.305" v="88"/>
-        <pc:sldMkLst>
-          <pc:docMk/>
-          <pc:sldMk cId="1295687018" sldId="615"/>
-        </pc:sldMkLst>
-        <pc:picChg chg="add mod">
-          <ac:chgData name="zhang hua" userId="692e123b3e9a7e92" providerId="LiveId" clId="{FDCEFD3C-ED7D-4538-8664-10F8448383FB}" dt="2021-10-29T00:02:17.379" v="86" actId="14100"/>
-          <ac:picMkLst>
-            <pc:docMk/>
-            <pc:sldMk cId="1295687018" sldId="615"/>
-            <ac:picMk id="4" creationId="{96FB6CF2-9775-4156-9733-8F7E540518DE}"/>
-          </ac:picMkLst>
-        </pc:picChg>
-      </pc:sldChg>
-      <pc:sldChg chg="addSp modSp mod modTransition">
-        <pc:chgData name="zhang hua" userId="692e123b3e9a7e92" providerId="LiveId" clId="{FDCEFD3C-ED7D-4538-8664-10F8448383FB}" dt="2021-10-29T00:02:46.508" v="96"/>
-        <pc:sldMkLst>
-          <pc:docMk/>
-          <pc:sldMk cId="138991699" sldId="616"/>
-        </pc:sldMkLst>
-        <pc:picChg chg="add mod">
-          <ac:chgData name="zhang hua" userId="692e123b3e9a7e92" providerId="LiveId" clId="{FDCEFD3C-ED7D-4538-8664-10F8448383FB}" dt="2021-10-29T00:02:42.847" v="93" actId="14100"/>
-          <ac:picMkLst>
-            <pc:docMk/>
-            <pc:sldMk cId="138991699" sldId="616"/>
-            <ac:picMk id="4" creationId="{97E0E906-E937-44C7-932E-F8843FBF80D6}"/>
-          </ac:picMkLst>
-        </pc:picChg>
-      </pc:sldChg>
-      <pc:sldChg chg="addSp modSp add mod modTransition">
-        <pc:chgData name="zhang hua" userId="692e123b3e9a7e92" providerId="LiveId" clId="{FDCEFD3C-ED7D-4538-8664-10F8448383FB}" dt="2021-10-28T23:59:58.825" v="46"/>
-        <pc:sldMkLst>
-          <pc:docMk/>
-          <pc:sldMk cId="3464084533" sldId="617"/>
-        </pc:sldMkLst>
-        <pc:picChg chg="add mod">
-          <ac:chgData name="zhang hua" userId="692e123b3e9a7e92" providerId="LiveId" clId="{FDCEFD3C-ED7D-4538-8664-10F8448383FB}" dt="2021-10-28T23:59:41.528" v="41" actId="14100"/>
-          <ac:picMkLst>
-            <pc:docMk/>
-            <pc:sldMk cId="3464084533" sldId="617"/>
-            <ac:picMk id="4" creationId="{7E556140-9CF7-449A-B5C8-6122EA6F43E9}"/>
-          </ac:picMkLst>
-        </pc:picChg>
-        <pc:picChg chg="add mod">
-          <ac:chgData name="zhang hua" userId="692e123b3e9a7e92" providerId="LiveId" clId="{FDCEFD3C-ED7D-4538-8664-10F8448383FB}" dt="2021-10-28T23:59:57.248" v="44" actId="14100"/>
-          <ac:picMkLst>
-            <pc:docMk/>
-            <pc:sldMk cId="3464084533" sldId="617"/>
-            <ac:picMk id="6" creationId="{B8BF4DAA-CEF1-4AD3-B2E2-D69AF92E4888}"/>
-          </ac:picMkLst>
-        </pc:picChg>
-      </pc:sldChg>
-      <pc:sldChg chg="del">
-        <pc:chgData name="zhang hua" userId="692e123b3e9a7e92" providerId="LiveId" clId="{FDCEFD3C-ED7D-4538-8664-10F8448383FB}" dt="2021-10-28T23:57:17.926" v="2" actId="47"/>
-        <pc:sldMkLst>
-          <pc:docMk/>
-          <pc:sldMk cId="4035995922" sldId="617"/>
-        </pc:sldMkLst>
-      </pc:sldChg>
-      <pc:sldChg chg="addSp delSp modSp add mod modTransition">
-        <pc:chgData name="zhang hua" userId="692e123b3e9a7e92" providerId="LiveId" clId="{FDCEFD3C-ED7D-4538-8664-10F8448383FB}" dt="2021-10-29T00:00:40.380" v="57"/>
-        <pc:sldMkLst>
-          <pc:docMk/>
-          <pc:sldMk cId="4192588316" sldId="618"/>
-        </pc:sldMkLst>
-        <pc:picChg chg="add mod">
-          <ac:chgData name="zhang hua" userId="692e123b3e9a7e92" providerId="LiveId" clId="{FDCEFD3C-ED7D-4538-8664-10F8448383FB}" dt="2021-10-29T00:00:14.919" v="51" actId="14100"/>
-          <ac:picMkLst>
-            <pc:docMk/>
-            <pc:sldMk cId="4192588316" sldId="618"/>
-            <ac:picMk id="4" creationId="{A9B9A84D-9ACA-4DF6-B8E3-6B60D4D9F396}"/>
-          </ac:picMkLst>
-        </pc:picChg>
-        <pc:picChg chg="add del mod">
-          <ac:chgData name="zhang hua" userId="692e123b3e9a7e92" providerId="LiveId" clId="{FDCEFD3C-ED7D-4538-8664-10F8448383FB}" dt="2021-10-29T00:00:39.466" v="55" actId="21"/>
-          <ac:picMkLst>
-            <pc:docMk/>
-            <pc:sldMk cId="4192588316" sldId="618"/>
-            <ac:picMk id="6" creationId="{7BE5D252-011E-416E-BCFA-C3BE9B8A71AC}"/>
-          </ac:picMkLst>
-        </pc:picChg>
-      </pc:sldChg>
-      <pc:sldChg chg="addSp modSp add mod modTransition">
-        <pc:chgData name="zhang hua" userId="692e123b3e9a7e92" providerId="LiveId" clId="{FDCEFD3C-ED7D-4538-8664-10F8448383FB}" dt="2021-10-29T00:00:56.618" v="63"/>
-        <pc:sldMkLst>
-          <pc:docMk/>
-          <pc:sldMk cId="2965473725" sldId="619"/>
-        </pc:sldMkLst>
-        <pc:picChg chg="add mod">
-          <ac:chgData name="zhang hua" userId="692e123b3e9a7e92" providerId="LiveId" clId="{FDCEFD3C-ED7D-4538-8664-10F8448383FB}" dt="2021-10-29T00:00:42.732" v="61" actId="1076"/>
-          <ac:picMkLst>
-            <pc:docMk/>
-            <pc:sldMk cId="2965473725" sldId="619"/>
-            <ac:picMk id="4" creationId="{C42F6872-9B19-41DF-B2E2-80D20BA56295}"/>
-          </ac:picMkLst>
-        </pc:picChg>
-      </pc:sldChg>
-      <pc:sldChg chg="addSp modSp add mod ord modTransition">
-        <pc:chgData name="zhang hua" userId="692e123b3e9a7e92" providerId="LiveId" clId="{FDCEFD3C-ED7D-4538-8664-10F8448383FB}" dt="2021-10-28T23:58:49.340" v="31"/>
-        <pc:sldMkLst>
-          <pc:docMk/>
-          <pc:sldMk cId="2766182230" sldId="620"/>
-        </pc:sldMkLst>
-        <pc:picChg chg="add mod">
-          <ac:chgData name="zhang hua" userId="692e123b3e9a7e92" providerId="LiveId" clId="{FDCEFD3C-ED7D-4538-8664-10F8448383FB}" dt="2021-10-28T23:58:19.786" v="23" actId="14100"/>
-          <ac:picMkLst>
-            <pc:docMk/>
-            <pc:sldMk cId="2766182230" sldId="620"/>
-            <ac:picMk id="4" creationId="{165E3FCB-E8F6-4A88-94B4-37AC6C86CDE5}"/>
-          </ac:picMkLst>
-        </pc:picChg>
-        <pc:picChg chg="add mod">
-          <ac:chgData name="zhang hua" userId="692e123b3e9a7e92" providerId="LiveId" clId="{FDCEFD3C-ED7D-4538-8664-10F8448383FB}" dt="2021-10-28T23:58:43.775" v="27" actId="1076"/>
-          <ac:picMkLst>
-            <pc:docMk/>
-            <pc:sldMk cId="2766182230" sldId="620"/>
-            <ac:picMk id="6" creationId="{D02F44CC-28D5-49D3-B330-A7EABF777B2E}"/>
-          </ac:picMkLst>
-        </pc:picChg>
-      </pc:sldChg>
-      <pc:sldChg chg="addSp delSp modSp add mod">
-        <pc:chgData name="zhang hua" userId="692e123b3e9a7e92" providerId="LiveId" clId="{FDCEFD3C-ED7D-4538-8664-10F8448383FB}" dt="2021-10-29T00:05:08.659" v="123" actId="14100"/>
-        <pc:sldMkLst>
-          <pc:docMk/>
-          <pc:sldMk cId="3624179205" sldId="621"/>
-        </pc:sldMkLst>
-        <pc:picChg chg="del">
-          <ac:chgData name="zhang hua" userId="692e123b3e9a7e92" providerId="LiveId" clId="{FDCEFD3C-ED7D-4538-8664-10F8448383FB}" dt="2021-10-29T00:02:48.369" v="97" actId="478"/>
-          <ac:picMkLst>
-            <pc:docMk/>
-            <pc:sldMk cId="3624179205" sldId="621"/>
-            <ac:picMk id="4" creationId="{97E0E906-E937-44C7-932E-F8843FBF80D6}"/>
-          </ac:picMkLst>
-        </pc:picChg>
-        <pc:picChg chg="add mod">
-          <ac:chgData name="zhang hua" userId="692e123b3e9a7e92" providerId="LiveId" clId="{FDCEFD3C-ED7D-4538-8664-10F8448383FB}" dt="2021-10-29T00:05:08.659" v="123" actId="14100"/>
-          <ac:picMkLst>
-            <pc:docMk/>
-            <pc:sldMk cId="3624179205" sldId="621"/>
-            <ac:picMk id="5" creationId="{9D56F458-E466-44AB-86DC-FD2F222110F0}"/>
-          </ac:picMkLst>
-        </pc:picChg>
-      </pc:sldChg>
-      <pc:sldChg chg="addSp modSp add mod">
-        <pc:chgData name="zhang hua" userId="692e123b3e9a7e92" providerId="LiveId" clId="{FDCEFD3C-ED7D-4538-8664-10F8448383FB}" dt="2021-10-29T00:03:16.463" v="105" actId="14100"/>
-        <pc:sldMkLst>
-          <pc:docMk/>
-          <pc:sldMk cId="1184071860" sldId="622"/>
-        </pc:sldMkLst>
-        <pc:picChg chg="add mod">
-          <ac:chgData name="zhang hua" userId="692e123b3e9a7e92" providerId="LiveId" clId="{FDCEFD3C-ED7D-4538-8664-10F8448383FB}" dt="2021-10-29T00:03:16.463" v="105" actId="14100"/>
-          <ac:picMkLst>
-            <pc:docMk/>
-            <pc:sldMk cId="1184071860" sldId="622"/>
-            <ac:picMk id="4" creationId="{CD41D60F-F01E-4F9E-AD22-CBBA14208AAE}"/>
-          </ac:picMkLst>
-        </pc:picChg>
-      </pc:sldChg>
-      <pc:sldChg chg="addSp modSp add mod">
-        <pc:chgData name="zhang hua" userId="692e123b3e9a7e92" providerId="LiveId" clId="{FDCEFD3C-ED7D-4538-8664-10F8448383FB}" dt="2021-10-29T00:03:41.426" v="108" actId="14100"/>
-        <pc:sldMkLst>
-          <pc:docMk/>
-          <pc:sldMk cId="1560665644" sldId="623"/>
-        </pc:sldMkLst>
-        <pc:picChg chg="add mod">
-          <ac:chgData name="zhang hua" userId="692e123b3e9a7e92" providerId="LiveId" clId="{FDCEFD3C-ED7D-4538-8664-10F8448383FB}" dt="2021-10-29T00:03:41.426" v="108" actId="14100"/>
-          <ac:picMkLst>
-            <pc:docMk/>
-            <pc:sldMk cId="1560665644" sldId="623"/>
-            <ac:picMk id="4" creationId="{ADB7F328-9F89-4436-9EB7-F5B01D93F3EA}"/>
-          </ac:picMkLst>
-        </pc:picChg>
-      </pc:sldChg>
-      <pc:sldChg chg="addSp modSp add mod">
-        <pc:chgData name="zhang hua" userId="692e123b3e9a7e92" providerId="LiveId" clId="{FDCEFD3C-ED7D-4538-8664-10F8448383FB}" dt="2021-10-29T00:04:06.950" v="112" actId="14100"/>
-        <pc:sldMkLst>
-          <pc:docMk/>
-          <pc:sldMk cId="3585081464" sldId="624"/>
-        </pc:sldMkLst>
-        <pc:picChg chg="add mod">
-          <ac:chgData name="zhang hua" userId="692e123b3e9a7e92" providerId="LiveId" clId="{FDCEFD3C-ED7D-4538-8664-10F8448383FB}" dt="2021-10-29T00:04:06.950" v="112" actId="14100"/>
-          <ac:picMkLst>
-            <pc:docMk/>
-            <pc:sldMk cId="3585081464" sldId="624"/>
-            <ac:picMk id="4" creationId="{51435C5A-1F5F-4A5B-8107-FFFDF3CD767A}"/>
-          </ac:picMkLst>
-        </pc:picChg>
-      </pc:sldChg>
-      <pc:sldChg chg="addSp modSp add mod">
-        <pc:chgData name="zhang hua" userId="692e123b3e9a7e92" providerId="LiveId" clId="{FDCEFD3C-ED7D-4538-8664-10F8448383FB}" dt="2021-10-29T00:04:27.196" v="115" actId="14100"/>
-        <pc:sldMkLst>
-          <pc:docMk/>
-          <pc:sldMk cId="1917959183" sldId="625"/>
-        </pc:sldMkLst>
-        <pc:picChg chg="add mod">
-          <ac:chgData name="zhang hua" userId="692e123b3e9a7e92" providerId="LiveId" clId="{FDCEFD3C-ED7D-4538-8664-10F8448383FB}" dt="2021-10-29T00:04:27.196" v="115" actId="14100"/>
-          <ac:picMkLst>
-            <pc:docMk/>
-            <pc:sldMk cId="1917959183" sldId="625"/>
-            <ac:picMk id="4" creationId="{568E0935-ADE0-4CF4-9406-B14F8817E4EA}"/>
-          </ac:picMkLst>
-        </pc:picChg>
-      </pc:sldChg>
-      <pc:sldChg chg="addSp modSp add mod">
-        <pc:chgData name="zhang hua" userId="692e123b3e9a7e92" providerId="LiveId" clId="{FDCEFD3C-ED7D-4538-8664-10F8448383FB}" dt="2021-10-29T00:04:45.989" v="118" actId="14100"/>
-        <pc:sldMkLst>
-          <pc:docMk/>
-          <pc:sldMk cId="3435155462" sldId="626"/>
-        </pc:sldMkLst>
-        <pc:picChg chg="add mod">
-          <ac:chgData name="zhang hua" userId="692e123b3e9a7e92" providerId="LiveId" clId="{FDCEFD3C-ED7D-4538-8664-10F8448383FB}" dt="2021-10-29T00:04:45.989" v="118" actId="14100"/>
-          <ac:picMkLst>
-            <pc:docMk/>
-            <pc:sldMk cId="3435155462" sldId="626"/>
-            <ac:picMk id="4" creationId="{CF009B98-0AAE-43F5-B5F1-2980AB8D1389}"/>
-          </ac:picMkLst>
-        </pc:picChg>
-      </pc:sldChg>
-      <pc:sldChg chg="addSp modSp add mod">
-        <pc:chgData name="zhang hua" userId="692e123b3e9a7e92" providerId="LiveId" clId="{FDCEFD3C-ED7D-4538-8664-10F8448383FB}" dt="2021-10-29T00:05:26.820" v="127" actId="14100"/>
-        <pc:sldMkLst>
-          <pc:docMk/>
-          <pc:sldMk cId="2827660869" sldId="627"/>
-        </pc:sldMkLst>
-        <pc:picChg chg="add mod">
-          <ac:chgData name="zhang hua" userId="692e123b3e9a7e92" providerId="LiveId" clId="{FDCEFD3C-ED7D-4538-8664-10F8448383FB}" dt="2021-10-29T00:05:26.820" v="127" actId="14100"/>
-          <ac:picMkLst>
-            <pc:docMk/>
-            <pc:sldMk cId="2827660869" sldId="627"/>
-            <ac:picMk id="4" creationId="{83E31068-A335-470C-9746-4A1683D1564B}"/>
-          </ac:picMkLst>
-        </pc:picChg>
-      </pc:sldChg>
-      <pc:sldChg chg="add">
-        <pc:chgData name="zhang hua" userId="692e123b3e9a7e92" providerId="LiveId" clId="{FDCEFD3C-ED7D-4538-8664-10F8448383FB}" dt="2021-10-29T00:04:49.964" v="120"/>
-        <pc:sldMkLst>
-          <pc:docMk/>
-          <pc:sldMk cId="450686623" sldId="628"/>
-        </pc:sldMkLst>
-      </pc:sldChg>
-    </pc:docChg>
-  </pc:docChgLst>
-  <pc:docChgLst>
-    <pc:chgData name="zhang hua" userId="692e123b3e9a7e92" providerId="LiveId" clId="{CC934404-5E3A-47B9-9E11-DE7E5AB3349F}"/>
-    <pc:docChg chg="undo custSel addSld delSld modSld">
-      <pc:chgData name="zhang hua" userId="692e123b3e9a7e92" providerId="LiveId" clId="{CC934404-5E3A-47B9-9E11-DE7E5AB3349F}" dt="2020-05-31T15:07:59.793" v="1926" actId="47"/>
-      <pc:docMkLst>
-        <pc:docMk/>
-      </pc:docMkLst>
-      <pc:sldChg chg="addSp modSp mod modAnim">
-        <pc:chgData name="zhang hua" userId="692e123b3e9a7e92" providerId="LiveId" clId="{CC934404-5E3A-47B9-9E11-DE7E5AB3349F}" dt="2020-05-30T14:31:32.027" v="51" actId="14100"/>
-        <pc:sldMkLst>
-          <pc:docMk/>
-          <pc:sldMk cId="3707575789" sldId="464"/>
-        </pc:sldMkLst>
-        <pc:spChg chg="add mod">
-          <ac:chgData name="zhang hua" userId="692e123b3e9a7e92" providerId="LiveId" clId="{CC934404-5E3A-47B9-9E11-DE7E5AB3349F}" dt="2020-05-30T14:31:32.027" v="51" actId="14100"/>
-          <ac:spMkLst>
-            <pc:docMk/>
-            <pc:sldMk cId="3707575789" sldId="464"/>
-            <ac:spMk id="7" creationId="{13E697D0-BC0D-4998-8C9D-6B8E10191BB2}"/>
-          </ac:spMkLst>
-        </pc:spChg>
-      </pc:sldChg>
-      <pc:sldChg chg="modSp mod modAnim">
-        <pc:chgData name="zhang hua" userId="692e123b3e9a7e92" providerId="LiveId" clId="{CC934404-5E3A-47B9-9E11-DE7E5AB3349F}" dt="2020-05-31T12:46:43.052" v="1854"/>
-        <pc:sldMkLst>
-          <pc:docMk/>
-          <pc:sldMk cId="2060957319" sldId="574"/>
-        </pc:sldMkLst>
-        <pc:spChg chg="mod">
-          <ac:chgData name="zhang hua" userId="692e123b3e9a7e92" providerId="LiveId" clId="{CC934404-5E3A-47B9-9E11-DE7E5AB3349F}" dt="2020-05-31T12:46:31.392" v="1852" actId="1076"/>
-          <ac:spMkLst>
-            <pc:docMk/>
-            <pc:sldMk cId="2060957319" sldId="574"/>
-            <ac:spMk id="11" creationId="{91BB075F-9A0E-4939-9CC8-1DF7D980ACE3}"/>
-          </ac:spMkLst>
-        </pc:spChg>
-      </pc:sldChg>
-      <pc:sldChg chg="del">
-        <pc:chgData name="zhang hua" userId="692e123b3e9a7e92" providerId="LiveId" clId="{CC934404-5E3A-47B9-9E11-DE7E5AB3349F}" dt="2020-05-31T15:07:53.269" v="1921" actId="47"/>
-        <pc:sldMkLst>
-          <pc:docMk/>
-          <pc:sldMk cId="2495151010" sldId="578"/>
-        </pc:sldMkLst>
-      </pc:sldChg>
-      <pc:sldChg chg="del">
-        <pc:chgData name="zhang hua" userId="692e123b3e9a7e92" providerId="LiveId" clId="{CC934404-5E3A-47B9-9E11-DE7E5AB3349F}" dt="2020-05-29T10:33:24.557" v="10" actId="47"/>
-        <pc:sldMkLst>
-          <pc:docMk/>
-          <pc:sldMk cId="2355437681" sldId="580"/>
-        </pc:sldMkLst>
-      </pc:sldChg>
-      <pc:sldChg chg="del">
-        <pc:chgData name="zhang hua" userId="692e123b3e9a7e92" providerId="LiveId" clId="{CC934404-5E3A-47B9-9E11-DE7E5AB3349F}" dt="2020-05-29T10:33:23.077" v="9" actId="47"/>
-        <pc:sldMkLst>
-          <pc:docMk/>
-          <pc:sldMk cId="1442547511" sldId="583"/>
-        </pc:sldMkLst>
-      </pc:sldChg>
-      <pc:sldChg chg="del">
-        <pc:chgData name="zhang hua" userId="692e123b3e9a7e92" providerId="LiveId" clId="{CC934404-5E3A-47B9-9E11-DE7E5AB3349F}" dt="2020-05-29T10:33:21.092" v="8" actId="47"/>
-        <pc:sldMkLst>
-          <pc:docMk/>
-          <pc:sldMk cId="1676271741" sldId="587"/>
-        </pc:sldMkLst>
-      </pc:sldChg>
-      <pc:sldChg chg="del">
-        <pc:chgData name="zhang hua" userId="692e123b3e9a7e92" providerId="LiveId" clId="{CC934404-5E3A-47B9-9E11-DE7E5AB3349F}" dt="2020-05-29T10:33:20.695" v="7" actId="47"/>
-        <pc:sldMkLst>
-          <pc:docMk/>
-          <pc:sldMk cId="4173976390" sldId="588"/>
-        </pc:sldMkLst>
-      </pc:sldChg>
-      <pc:sldChg chg="del">
-        <pc:chgData name="zhang hua" userId="692e123b3e9a7e92" providerId="LiveId" clId="{CC934404-5E3A-47B9-9E11-DE7E5AB3349F}" dt="2020-05-29T10:33:20.306" v="6" actId="47"/>
-        <pc:sldMkLst>
-          <pc:docMk/>
-          <pc:sldMk cId="1503410673" sldId="589"/>
-        </pc:sldMkLst>
-      </pc:sldChg>
-      <pc:sldChg chg="del">
-        <pc:chgData name="zhang hua" userId="692e123b3e9a7e92" providerId="LiveId" clId="{CC934404-5E3A-47B9-9E11-DE7E5AB3349F}" dt="2020-05-29T10:33:19.857" v="5" actId="47"/>
-        <pc:sldMkLst>
-          <pc:docMk/>
-          <pc:sldMk cId="2588378973" sldId="590"/>
-        </pc:sldMkLst>
-      </pc:sldChg>
-      <pc:sldChg chg="del">
-        <pc:chgData name="zhang hua" userId="692e123b3e9a7e92" providerId="LiveId" clId="{CC934404-5E3A-47B9-9E11-DE7E5AB3349F}" dt="2020-05-29T10:33:19.389" v="4" actId="47"/>
-        <pc:sldMkLst>
-          <pc:docMk/>
-          <pc:sldMk cId="720754059" sldId="591"/>
-        </pc:sldMkLst>
-      </pc:sldChg>
-      <pc:sldChg chg="del">
-        <pc:chgData name="zhang hua" userId="692e123b3e9a7e92" providerId="LiveId" clId="{CC934404-5E3A-47B9-9E11-DE7E5AB3349F}" dt="2020-05-29T10:33:18.262" v="1" actId="47"/>
-        <pc:sldMkLst>
-          <pc:docMk/>
-          <pc:sldMk cId="11975134" sldId="592"/>
-        </pc:sldMkLst>
-      </pc:sldChg>
-      <pc:sldChg chg="del">
-        <pc:chgData name="zhang hua" userId="692e123b3e9a7e92" providerId="LiveId" clId="{CC934404-5E3A-47B9-9E11-DE7E5AB3349F}" dt="2020-05-29T10:33:18.865" v="3" actId="47"/>
-        <pc:sldMkLst>
-          <pc:docMk/>
-          <pc:sldMk cId="1344303600" sldId="593"/>
-        </pc:sldMkLst>
-      </pc:sldChg>
-      <pc:sldChg chg="del">
-        <pc:chgData name="zhang hua" userId="692e123b3e9a7e92" providerId="LiveId" clId="{CC934404-5E3A-47B9-9E11-DE7E5AB3349F}" dt="2020-05-29T10:33:18.533" v="2" actId="47"/>
-        <pc:sldMkLst>
-          <pc:docMk/>
-          <pc:sldMk cId="2495138997" sldId="594"/>
-        </pc:sldMkLst>
-      </pc:sldChg>
-      <pc:sldChg chg="del">
-        <pc:chgData name="zhang hua" userId="692e123b3e9a7e92" providerId="LiveId" clId="{CC934404-5E3A-47B9-9E11-DE7E5AB3349F}" dt="2020-05-29T10:33:17.852" v="0" actId="47"/>
-        <pc:sldMkLst>
-          <pc:docMk/>
-          <pc:sldMk cId="898211286" sldId="595"/>
-        </pc:sldMkLst>
-      </pc:sldChg>
-      <pc:sldChg chg="modAnim">
-        <pc:chgData name="zhang hua" userId="692e123b3e9a7e92" providerId="LiveId" clId="{CC934404-5E3A-47B9-9E11-DE7E5AB3349F}" dt="2020-05-31T12:46:05.198" v="1847"/>
-        <pc:sldMkLst>
-          <pc:docMk/>
-          <pc:sldMk cId="3283854528" sldId="596"/>
-        </pc:sldMkLst>
-      </pc:sldChg>
-      <pc:sldChg chg="modAnim">
-        <pc:chgData name="zhang hua" userId="692e123b3e9a7e92" providerId="LiveId" clId="{CC934404-5E3A-47B9-9E11-DE7E5AB3349F}" dt="2020-05-31T12:46:11.018" v="1850"/>
-        <pc:sldMkLst>
-          <pc:docMk/>
-          <pc:sldMk cId="4214470502" sldId="597"/>
-        </pc:sldMkLst>
-      </pc:sldChg>
-      <pc:sldChg chg="modAnim">
-        <pc:chgData name="zhang hua" userId="692e123b3e9a7e92" providerId="LiveId" clId="{CC934404-5E3A-47B9-9E11-DE7E5AB3349F}" dt="2020-05-31T12:47:11.840" v="1863"/>
-        <pc:sldMkLst>
-          <pc:docMk/>
-          <pc:sldMk cId="692763871" sldId="598"/>
-        </pc:sldMkLst>
-      </pc:sldChg>
-      <pc:sldChg chg="modSp mod modAnim">
-        <pc:chgData name="zhang hua" userId="692e123b3e9a7e92" providerId="LiveId" clId="{CC934404-5E3A-47B9-9E11-DE7E5AB3349F}" dt="2020-05-31T12:48:06.473" v="1877" actId="1076"/>
-        <pc:sldMkLst>
-          <pc:docMk/>
-          <pc:sldMk cId="3878755702" sldId="599"/>
-        </pc:sldMkLst>
-        <pc:inkChg chg="mod">
-          <ac:chgData name="zhang hua" userId="692e123b3e9a7e92" providerId="LiveId" clId="{CC934404-5E3A-47B9-9E11-DE7E5AB3349F}" dt="2020-05-31T12:48:06.473" v="1877" actId="1076"/>
-          <ac:inkMkLst>
-            <pc:docMk/>
-            <pc:sldMk cId="3878755702" sldId="599"/>
-            <ac:inkMk id="4" creationId="{4FD154EE-5F61-B547-8B0C-528464C1658F}"/>
-          </ac:inkMkLst>
-        </pc:inkChg>
-      </pc:sldChg>
-      <pc:sldChg chg="modAnim">
-        <pc:chgData name="zhang hua" userId="692e123b3e9a7e92" providerId="LiveId" clId="{CC934404-5E3A-47B9-9E11-DE7E5AB3349F}" dt="2020-05-31T15:04:52.343" v="1914"/>
-        <pc:sldMkLst>
-          <pc:docMk/>
-          <pc:sldMk cId="2775441203" sldId="600"/>
-        </pc:sldMkLst>
-      </pc:sldChg>
-      <pc:sldChg chg="addSp delSp modSp add del mod delAnim modAnim">
-        <pc:chgData name="zhang hua" userId="692e123b3e9a7e92" providerId="LiveId" clId="{CC934404-5E3A-47B9-9E11-DE7E5AB3349F}" dt="2020-05-31T15:07:00.847" v="1919" actId="47"/>
-        <pc:sldMkLst>
-          <pc:docMk/>
-          <pc:sldMk cId="1962125762" sldId="602"/>
-        </pc:sldMkLst>
-        <pc:spChg chg="del">
-          <ac:chgData name="zhang hua" userId="692e123b3e9a7e92" providerId="LiveId" clId="{CC934404-5E3A-47B9-9E11-DE7E5AB3349F}" dt="2020-05-30T14:36:11.080" v="100" actId="478"/>
-          <ac:spMkLst>
-            <pc:docMk/>
-            <pc:sldMk cId="1962125762" sldId="602"/>
-            <ac:spMk id="3" creationId="{80E40850-9D9D-41C4-8A16-FDC3546540F0}"/>
-          </ac:spMkLst>
-        </pc:spChg>
-        <pc:spChg chg="mod">
-          <ac:chgData name="zhang hua" userId="692e123b3e9a7e92" providerId="LiveId" clId="{CC934404-5E3A-47B9-9E11-DE7E5AB3349F}" dt="2020-05-30T14:33:54.207" v="89"/>
-          <ac:spMkLst>
-            <pc:docMk/>
-            <pc:sldMk cId="1962125762" sldId="602"/>
-            <ac:spMk id="15" creationId="{688CDA68-FB5E-4C9C-9F62-C4D11CE7BCE1}"/>
-          </ac:spMkLst>
-        </pc:spChg>
-        <pc:spChg chg="mod">
-          <ac:chgData name="zhang hua" userId="692e123b3e9a7e92" providerId="LiveId" clId="{CC934404-5E3A-47B9-9E11-DE7E5AB3349F}" dt="2020-05-30T14:43:35.229" v="121" actId="1076"/>
-          <ac:spMkLst>
-            <pc:docMk/>
-            <pc:sldMk cId="1962125762" sldId="602"/>
-            <ac:spMk id="16" creationId="{9D94B637-CCFC-4F7D-9A98-76253A7B25B1}"/>
-          </ac:spMkLst>
-        </pc:spChg>
-        <pc:spChg chg="del">
-          <ac:chgData name="zhang hua" userId="692e123b3e9a7e92" providerId="LiveId" clId="{CC934404-5E3A-47B9-9E11-DE7E5AB3349F}" dt="2020-05-30T14:35:26.729" v="92" actId="478"/>
-          <ac:spMkLst>
-            <pc:docMk/>
-            <pc:sldMk cId="1962125762" sldId="602"/>
-            <ac:spMk id="17" creationId="{F35536D4-ECBA-4629-9DE8-996468163596}"/>
-          </ac:spMkLst>
-        </pc:spChg>
-        <pc:spChg chg="del">
-          <ac:chgData name="zhang hua" userId="692e123b3e9a7e92" providerId="LiveId" clId="{CC934404-5E3A-47B9-9E11-DE7E5AB3349F}" dt="2020-05-30T14:35:23.603" v="90" actId="478"/>
-          <ac:spMkLst>
-            <pc:docMk/>
-            <pc:sldMk cId="1962125762" sldId="602"/>
-            <ac:spMk id="18" creationId="{3EF10EAB-60AA-4577-8FD0-72F12E840952}"/>
-          </ac:spMkLst>
-        </pc:spChg>
-        <pc:spChg chg="add mod">
-          <ac:chgData name="zhang hua" userId="692e123b3e9a7e92" providerId="LiveId" clId="{CC934404-5E3A-47B9-9E11-DE7E5AB3349F}" dt="2020-05-30T14:43:33.464" v="120" actId="1076"/>
-          <ac:spMkLst>
-            <pc:docMk/>
-            <pc:sldMk cId="1962125762" sldId="602"/>
-            <ac:spMk id="19" creationId="{6E2BE995-6E5E-485D-B1EF-17D0372E5D78}"/>
-          </ac:spMkLst>
-        </pc:spChg>
-        <pc:spChg chg="del mod">
-          <ac:chgData name="zhang hua" userId="692e123b3e9a7e92" providerId="LiveId" clId="{CC934404-5E3A-47B9-9E11-DE7E5AB3349F}" dt="2020-05-30T14:43:30.432" v="119" actId="478"/>
-          <ac:spMkLst>
-            <pc:docMk/>
-            <pc:sldMk cId="1962125762" sldId="602"/>
-            <ac:spMk id="20" creationId="{CC823881-78C7-457E-99ED-93112E7B9263}"/>
-          </ac:spMkLst>
-        </pc:spChg>
-        <pc:spChg chg="del">
-          <ac:chgData name="zhang hua" userId="692e123b3e9a7e92" providerId="LiveId" clId="{CC934404-5E3A-47B9-9E11-DE7E5AB3349F}" dt="2020-05-30T14:35:25.191" v="91" actId="478"/>
-          <ac:spMkLst>
-            <pc:docMk/>
-            <pc:sldMk cId="1962125762" sldId="602"/>
-            <ac:spMk id="21" creationId="{F9D13278-AD20-B848-8380-DE15946BFC20}"/>
-          </ac:spMkLst>
-        </pc:spChg>
-        <pc:spChg chg="del">
-          <ac:chgData name="zhang hua" userId="692e123b3e9a7e92" providerId="LiveId" clId="{CC934404-5E3A-47B9-9E11-DE7E5AB3349F}" dt="2020-05-30T14:36:12.725" v="101" actId="478"/>
-          <ac:spMkLst>
-            <pc:docMk/>
-            <pc:sldMk cId="1962125762" sldId="602"/>
-            <ac:spMk id="22" creationId="{ED58A6D4-CD9F-4F65-B820-C5802736E168}"/>
-          </ac:spMkLst>
-        </pc:spChg>
-        <pc:spChg chg="del">
-          <ac:chgData name="zhang hua" userId="692e123b3e9a7e92" providerId="LiveId" clId="{CC934404-5E3A-47B9-9E11-DE7E5AB3349F}" dt="2020-05-30T14:36:14.580" v="102" actId="478"/>
-          <ac:spMkLst>
-            <pc:docMk/>
-            <pc:sldMk cId="1962125762" sldId="602"/>
-            <ac:spMk id="24" creationId="{259804B7-9865-4CB5-A841-373E5C76CB17}"/>
-          </ac:spMkLst>
-        </pc:spChg>
-        <pc:inkChg chg="del">
-          <ac:chgData name="zhang hua" userId="692e123b3e9a7e92" providerId="LiveId" clId="{CC934404-5E3A-47B9-9E11-DE7E5AB3349F}" dt="2020-05-30T14:33:08.113" v="53" actId="478"/>
-          <ac:inkMkLst>
-            <pc:docMk/>
-            <pc:sldMk cId="1962125762" sldId="602"/>
-            <ac:inkMk id="5" creationId="{365E87A6-7244-384E-AE3B-4E31AFED19EC}"/>
-          </ac:inkMkLst>
-        </pc:inkChg>
-      </pc:sldChg>
-      <pc:sldChg chg="addSp delSp modSp add del mod modAnim">
-        <pc:chgData name="zhang hua" userId="692e123b3e9a7e92" providerId="LiveId" clId="{CC934404-5E3A-47B9-9E11-DE7E5AB3349F}" dt="2020-05-31T15:06:47.508" v="1917" actId="47"/>
-        <pc:sldMkLst>
-          <pc:docMk/>
-          <pc:sldMk cId="3664763676" sldId="603"/>
-        </pc:sldMkLst>
-        <pc:spChg chg="add del mod">
-          <ac:chgData name="zhang hua" userId="692e123b3e9a7e92" providerId="LiveId" clId="{CC934404-5E3A-47B9-9E11-DE7E5AB3349F}" dt="2020-05-30T14:56:17.802" v="174"/>
-          <ac:spMkLst>
-            <pc:docMk/>
-            <pc:sldMk cId="3664763676" sldId="603"/>
-            <ac:spMk id="3" creationId="{548B5601-5079-46BA-A5DF-8A0712D9751F}"/>
-          </ac:spMkLst>
-        </pc:spChg>
-        <pc:spChg chg="add mod">
-          <ac:chgData name="zhang hua" userId="692e123b3e9a7e92" providerId="LiveId" clId="{CC934404-5E3A-47B9-9E11-DE7E5AB3349F}" dt="2020-05-30T14:54:30.939" v="171" actId="1076"/>
-          <ac:spMkLst>
-            <pc:docMk/>
-            <pc:sldMk cId="3664763676" sldId="603"/>
-            <ac:spMk id="8" creationId="{D8833C80-BC2F-4967-B2CD-72AA75727CE6}"/>
-          </ac:spMkLst>
-        </pc:spChg>
-        <pc:spChg chg="mod">
-          <ac:chgData name="zhang hua" userId="692e123b3e9a7e92" providerId="LiveId" clId="{CC934404-5E3A-47B9-9E11-DE7E5AB3349F}" dt="2020-05-30T14:56:11.034" v="172" actId="20577"/>
-          <ac:spMkLst>
-            <pc:docMk/>
-            <pc:sldMk cId="3664763676" sldId="603"/>
-            <ac:spMk id="15" creationId="{688CDA68-FB5E-4C9C-9F62-C4D11CE7BCE1}"/>
-          </ac:spMkLst>
-        </pc:spChg>
-        <pc:spChg chg="mod">
-          <ac:chgData name="zhang hua" userId="692e123b3e9a7e92" providerId="LiveId" clId="{CC934404-5E3A-47B9-9E11-DE7E5AB3349F}" dt="2020-05-30T14:54:04.938" v="168" actId="20577"/>
-          <ac:spMkLst>
-            <pc:docMk/>
-            <pc:sldMk cId="3664763676" sldId="603"/>
-            <ac:spMk id="16" creationId="{9D94B637-CCFC-4F7D-9A98-76253A7B25B1}"/>
-          </ac:spMkLst>
-        </pc:spChg>
-        <pc:spChg chg="mod">
-          <ac:chgData name="zhang hua" userId="692e123b3e9a7e92" providerId="LiveId" clId="{CC934404-5E3A-47B9-9E11-DE7E5AB3349F}" dt="2020-05-30T14:54:28.220" v="170"/>
-          <ac:spMkLst>
-            <pc:docMk/>
-            <pc:sldMk cId="3664763676" sldId="603"/>
-            <ac:spMk id="19" creationId="{6E2BE995-6E5E-485D-B1EF-17D0372E5D78}"/>
-          </ac:spMkLst>
-        </pc:spChg>
-      </pc:sldChg>
-      <pc:sldChg chg="addSp delSp modSp add mod delAnim modAnim">
-        <pc:chgData name="zhang hua" userId="692e123b3e9a7e92" providerId="LiveId" clId="{CC934404-5E3A-47B9-9E11-DE7E5AB3349F}" dt="2020-05-31T08:55:19.352" v="1689" actId="20577"/>
-        <pc:sldMkLst>
-          <pc:docMk/>
-          <pc:sldMk cId="33554795" sldId="604"/>
-        </pc:sldMkLst>
-        <pc:spChg chg="add del mod">
-          <ac:chgData name="zhang hua" userId="692e123b3e9a7e92" providerId="LiveId" clId="{CC934404-5E3A-47B9-9E11-DE7E5AB3349F}" dt="2020-05-31T02:43:42.574" v="518"/>
-          <ac:spMkLst>
-            <pc:docMk/>
-            <pc:sldMk cId="33554795" sldId="604"/>
-            <ac:spMk id="3" creationId="{060B80B5-B821-4713-A053-348556243A8C}"/>
-          </ac:spMkLst>
-        </pc:spChg>
-        <pc:spChg chg="mod">
-          <ac:chgData name="zhang hua" userId="692e123b3e9a7e92" providerId="LiveId" clId="{CC934404-5E3A-47B9-9E11-DE7E5AB3349F}" dt="2020-05-31T02:32:37.178" v="464" actId="20577"/>
-          <ac:spMkLst>
-            <pc:docMk/>
-            <pc:sldMk cId="33554795" sldId="604"/>
-            <ac:spMk id="8" creationId="{D8833C80-BC2F-4967-B2CD-72AA75727CE6}"/>
-          </ac:spMkLst>
-        </pc:spChg>
-        <pc:spChg chg="add del mod">
-          <ac:chgData name="zhang hua" userId="692e123b3e9a7e92" providerId="LiveId" clId="{CC934404-5E3A-47B9-9E11-DE7E5AB3349F}" dt="2020-05-30T15:09:24.925" v="191" actId="478"/>
-          <ac:spMkLst>
-            <pc:docMk/>
-            <pc:sldMk cId="33554795" sldId="604"/>
-            <ac:spMk id="9" creationId="{44FC39A8-8792-48CA-A969-B1A216B58DF3}"/>
-          </ac:spMkLst>
-        </pc:spChg>
-        <pc:spChg chg="add mod">
-          <ac:chgData name="zhang hua" userId="692e123b3e9a7e92" providerId="LiveId" clId="{CC934404-5E3A-47B9-9E11-DE7E5AB3349F}" dt="2020-05-31T08:55:19.352" v="1689" actId="20577"/>
-          <ac:spMkLst>
-            <pc:docMk/>
-            <pc:sldMk cId="33554795" sldId="604"/>
-            <ac:spMk id="10" creationId="{4E2D7992-737D-4B97-9FD4-7A8E290A8232}"/>
-          </ac:spMkLst>
-        </pc:spChg>
-        <pc:spChg chg="mod">
-          <ac:chgData name="zhang hua" userId="692e123b3e9a7e92" providerId="LiveId" clId="{CC934404-5E3A-47B9-9E11-DE7E5AB3349F}" dt="2020-05-31T02:38:59.825" v="492" actId="1076"/>
-          <ac:spMkLst>
-            <pc:docMk/>
-            <pc:sldMk cId="33554795" sldId="604"/>
-            <ac:spMk id="16" creationId="{9D94B637-CCFC-4F7D-9A98-76253A7B25B1}"/>
-          </ac:spMkLst>
-        </pc:spChg>
-        <pc:spChg chg="mod">
-          <ac:chgData name="zhang hua" userId="692e123b3e9a7e92" providerId="LiveId" clId="{CC934404-5E3A-47B9-9E11-DE7E5AB3349F}" dt="2020-05-31T02:41:32.226" v="513" actId="1076"/>
-          <ac:spMkLst>
-            <pc:docMk/>
-            <pc:sldMk cId="33554795" sldId="604"/>
-            <ac:spMk id="19" creationId="{6E2BE995-6E5E-485D-B1EF-17D0372E5D78}"/>
-          </ac:spMkLst>
-        </pc:spChg>
-      </pc:sldChg>
-      <pc:sldChg chg="addSp delSp modSp add mod delAnim modAnim">
-        <pc:chgData name="zhang hua" userId="692e123b3e9a7e92" providerId="LiveId" clId="{CC934404-5E3A-47B9-9E11-DE7E5AB3349F}" dt="2020-05-31T08:55:30.070" v="1692" actId="20577"/>
-        <pc:sldMkLst>
-          <pc:docMk/>
-          <pc:sldMk cId="3241816355" sldId="605"/>
-        </pc:sldMkLst>
-        <pc:spChg chg="add mod">
-          <ac:chgData name="zhang hua" userId="692e123b3e9a7e92" providerId="LiveId" clId="{CC934404-5E3A-47B9-9E11-DE7E5AB3349F}" dt="2020-05-31T03:15:11.138" v="722" actId="1076"/>
-          <ac:spMkLst>
-            <pc:docMk/>
-            <pc:sldMk cId="3241816355" sldId="605"/>
-            <ac:spMk id="3" creationId="{3F1DB86B-7150-4D46-AF3A-2A8E123DF8A8}"/>
-          </ac:spMkLst>
-        </pc:spChg>
-        <pc:spChg chg="mod">
-          <ac:chgData name="zhang hua" userId="692e123b3e9a7e92" providerId="LiveId" clId="{CC934404-5E3A-47B9-9E11-DE7E5AB3349F}" dt="2020-05-31T08:55:30.070" v="1692" actId="20577"/>
-          <ac:spMkLst>
-            <pc:docMk/>
-            <pc:sldMk cId="3241816355" sldId="605"/>
-            <ac:spMk id="8" creationId="{D8833C80-BC2F-4967-B2CD-72AA75727CE6}"/>
-          </ac:spMkLst>
-        </pc:spChg>
-        <pc:spChg chg="mod">
-          <ac:chgData name="zhang hua" userId="692e123b3e9a7e92" providerId="LiveId" clId="{CC934404-5E3A-47B9-9E11-DE7E5AB3349F}" dt="2020-05-31T03:15:57.919" v="733" actId="1076"/>
-          <ac:spMkLst>
-            <pc:docMk/>
-            <pc:sldMk cId="3241816355" sldId="605"/>
-            <ac:spMk id="10" creationId="{4E2D7992-737D-4B97-9FD4-7A8E290A8232}"/>
-          </ac:spMkLst>
-        </pc:spChg>
-        <pc:spChg chg="add mod">
-          <ac:chgData name="zhang hua" userId="692e123b3e9a7e92" providerId="LiveId" clId="{CC934404-5E3A-47B9-9E11-DE7E5AB3349F}" dt="2020-05-31T08:19:36.026" v="1350" actId="20577"/>
-          <ac:spMkLst>
-            <pc:docMk/>
-            <pc:sldMk cId="3241816355" sldId="605"/>
-            <ac:spMk id="11" creationId="{639678A6-EF93-47D0-9F1F-C88C10E599B1}"/>
-          </ac:spMkLst>
-        </pc:spChg>
-        <pc:spChg chg="add mod">
-          <ac:chgData name="zhang hua" userId="692e123b3e9a7e92" providerId="LiveId" clId="{CC934404-5E3A-47B9-9E11-DE7E5AB3349F}" dt="2020-05-31T02:49:08.947" v="646" actId="14100"/>
-          <ac:spMkLst>
-            <pc:docMk/>
-            <pc:sldMk cId="3241816355" sldId="605"/>
-            <ac:spMk id="12" creationId="{86223CFD-970C-418B-B3B9-75EDA29441A5}"/>
-          </ac:spMkLst>
-        </pc:spChg>
-        <pc:spChg chg="add mod">
-          <ac:chgData name="zhang hua" userId="692e123b3e9a7e92" providerId="LiveId" clId="{CC934404-5E3A-47B9-9E11-DE7E5AB3349F}" dt="2020-05-31T03:15:52.255" v="732" actId="20577"/>
-          <ac:spMkLst>
-            <pc:docMk/>
-            <pc:sldMk cId="3241816355" sldId="605"/>
-            <ac:spMk id="13" creationId="{26CD80AE-B9EF-45A2-B055-CEAFA3CE769A}"/>
-          </ac:spMkLst>
-        </pc:spChg>
-        <pc:spChg chg="del">
-          <ac:chgData name="zhang hua" userId="692e123b3e9a7e92" providerId="LiveId" clId="{CC934404-5E3A-47B9-9E11-DE7E5AB3349F}" dt="2020-05-31T02:45:22.709" v="520" actId="478"/>
-          <ac:spMkLst>
-            <pc:docMk/>
-            <pc:sldMk cId="3241816355" sldId="605"/>
-            <ac:spMk id="15" creationId="{688CDA68-FB5E-4C9C-9F62-C4D11CE7BCE1}"/>
-          </ac:spMkLst>
-        </pc:spChg>
-        <pc:spChg chg="mod">
-          <ac:chgData name="zhang hua" userId="692e123b3e9a7e92" providerId="LiveId" clId="{CC934404-5E3A-47B9-9E11-DE7E5AB3349F}" dt="2020-05-31T03:18:47.462" v="745" actId="14100"/>
-          <ac:spMkLst>
-            <pc:docMk/>
-            <pc:sldMk cId="3241816355" sldId="605"/>
-            <ac:spMk id="16" creationId="{9D94B637-CCFC-4F7D-9A98-76253A7B25B1}"/>
-          </ac:spMkLst>
-        </pc:spChg>
-        <pc:spChg chg="mod">
-          <ac:chgData name="zhang hua" userId="692e123b3e9a7e92" providerId="LiveId" clId="{CC934404-5E3A-47B9-9E11-DE7E5AB3349F}" dt="2020-05-31T02:49:31.905" v="652" actId="1076"/>
-          <ac:spMkLst>
-            <pc:docMk/>
-            <pc:sldMk cId="3241816355" sldId="605"/>
-            <ac:spMk id="19" creationId="{6E2BE995-6E5E-485D-B1EF-17D0372E5D78}"/>
-          </ac:spMkLst>
-        </pc:spChg>
-      </pc:sldChg>
-      <pc:sldChg chg="addSp delSp modSp add mod delAnim modAnim">
-        <pc:chgData name="zhang hua" userId="692e123b3e9a7e92" providerId="LiveId" clId="{CC934404-5E3A-47B9-9E11-DE7E5AB3349F}" dt="2020-05-31T12:49:21.570" v="1890"/>
-        <pc:sldMkLst>
-          <pc:docMk/>
-          <pc:sldMk cId="3283966863" sldId="606"/>
-        </pc:sldMkLst>
-        <pc:spChg chg="mod">
-          <ac:chgData name="zhang hua" userId="692e123b3e9a7e92" providerId="LiveId" clId="{CC934404-5E3A-47B9-9E11-DE7E5AB3349F}" dt="2020-05-31T03:32:18.110" v="1020" actId="1076"/>
-          <ac:spMkLst>
-            <pc:docMk/>
-            <pc:sldMk cId="3283966863" sldId="606"/>
-            <ac:spMk id="3" creationId="{3F1DB86B-7150-4D46-AF3A-2A8E123DF8A8}"/>
-          </ac:spMkLst>
-        </pc:spChg>
-        <pc:spChg chg="add mod">
-          <ac:chgData name="zhang hua" userId="692e123b3e9a7e92" providerId="LiveId" clId="{CC934404-5E3A-47B9-9E11-DE7E5AB3349F}" dt="2020-05-31T03:23:56.102" v="907" actId="1076"/>
-          <ac:spMkLst>
-            <pc:docMk/>
-            <pc:sldMk cId="3283966863" sldId="606"/>
-            <ac:spMk id="5" creationId="{0C2FE1BF-11D4-4527-A39C-8D9B8EEA1A0D}"/>
-          </ac:spMkLst>
-        </pc:spChg>
-        <pc:spChg chg="mod">
-          <ac:chgData name="zhang hua" userId="692e123b3e9a7e92" providerId="LiveId" clId="{CC934404-5E3A-47B9-9E11-DE7E5AB3349F}" dt="2020-05-31T03:38:42.483" v="1063" actId="20577"/>
-          <ac:spMkLst>
-            <pc:docMk/>
-            <pc:sldMk cId="3283966863" sldId="606"/>
-            <ac:spMk id="8" creationId="{D8833C80-BC2F-4967-B2CD-72AA75727CE6}"/>
-          </ac:spMkLst>
-        </pc:spChg>
-        <pc:spChg chg="del">
-          <ac:chgData name="zhang hua" userId="692e123b3e9a7e92" providerId="LiveId" clId="{CC934404-5E3A-47B9-9E11-DE7E5AB3349F}" dt="2020-05-31T03:23:45.661" v="905" actId="478"/>
-          <ac:spMkLst>
-            <pc:docMk/>
-            <pc:sldMk cId="3283966863" sldId="606"/>
-            <ac:spMk id="10" creationId="{4E2D7992-737D-4B97-9FD4-7A8E290A8232}"/>
-          </ac:spMkLst>
-        </pc:spChg>
-        <pc:spChg chg="mod">
-          <ac:chgData name="zhang hua" userId="692e123b3e9a7e92" providerId="LiveId" clId="{CC934404-5E3A-47B9-9E11-DE7E5AB3349F}" dt="2020-05-31T03:18:16.028" v="741" actId="20577"/>
-          <ac:spMkLst>
-            <pc:docMk/>
-            <pc:sldMk cId="3283966863" sldId="606"/>
-            <ac:spMk id="11" creationId="{639678A6-EF93-47D0-9F1F-C88C10E599B1}"/>
-          </ac:spMkLst>
-        </pc:spChg>
-        <pc:spChg chg="del">
-          <ac:chgData name="zhang hua" userId="692e123b3e9a7e92" providerId="LiveId" clId="{CC934404-5E3A-47B9-9E11-DE7E5AB3349F}" dt="2020-05-31T03:18:28.802" v="743" actId="478"/>
-          <ac:spMkLst>
-            <pc:docMk/>
-            <pc:sldMk cId="3283966863" sldId="606"/>
-            <ac:spMk id="12" creationId="{86223CFD-970C-418B-B3B9-75EDA29441A5}"/>
-          </ac:spMkLst>
-        </pc:spChg>
-        <pc:spChg chg="del">
-          <ac:chgData name="zhang hua" userId="692e123b3e9a7e92" providerId="LiveId" clId="{CC934404-5E3A-47B9-9E11-DE7E5AB3349F}" dt="2020-05-31T03:19:32.452" v="751" actId="478"/>
-          <ac:spMkLst>
-            <pc:docMk/>
-            <pc:sldMk cId="3283966863" sldId="606"/>
-            <ac:spMk id="13" creationId="{26CD80AE-B9EF-45A2-B055-CEAFA3CE769A}"/>
-          </ac:spMkLst>
-        </pc:spChg>
-        <pc:spChg chg="add mod">
-          <ac:chgData name="zhang hua" userId="692e123b3e9a7e92" providerId="LiveId" clId="{CC934404-5E3A-47B9-9E11-DE7E5AB3349F}" dt="2020-05-31T08:56:35.604" v="1709" actId="20577"/>
-          <ac:spMkLst>
-            <pc:docMk/>
-            <pc:sldMk cId="3283966863" sldId="606"/>
-            <ac:spMk id="14" creationId="{C9E5F054-AF21-451D-BD61-B3149F5E7EA9}"/>
-          </ac:spMkLst>
-        </pc:spChg>
-        <pc:spChg chg="add del mod">
-          <ac:chgData name="zhang hua" userId="692e123b3e9a7e92" providerId="LiveId" clId="{CC934404-5E3A-47B9-9E11-DE7E5AB3349F}" dt="2020-05-31T03:30:45.405" v="977" actId="478"/>
-          <ac:spMkLst>
-            <pc:docMk/>
-            <pc:sldMk cId="3283966863" sldId="606"/>
-            <ac:spMk id="15" creationId="{4A44289E-E9BC-4DE1-A94D-3EF45D075635}"/>
-          </ac:spMkLst>
-        </pc:spChg>
-        <pc:spChg chg="del">
-          <ac:chgData name="zhang hua" userId="692e123b3e9a7e92" providerId="LiveId" clId="{CC934404-5E3A-47B9-9E11-DE7E5AB3349F}" dt="2020-05-31T03:19:12.233" v="746" actId="478"/>
-          <ac:spMkLst>
-            <pc:docMk/>
-            <pc:sldMk cId="3283966863" sldId="606"/>
-            <ac:spMk id="16" creationId="{9D94B637-CCFC-4F7D-9A98-76253A7B25B1}"/>
-          </ac:spMkLst>
-        </pc:spChg>
-        <pc:spChg chg="add mod">
-          <ac:chgData name="zhang hua" userId="692e123b3e9a7e92" providerId="LiveId" clId="{CC934404-5E3A-47B9-9E11-DE7E5AB3349F}" dt="2020-05-31T08:56:23.611" v="1705" actId="1076"/>
-          <ac:spMkLst>
-            <pc:docMk/>
-            <pc:sldMk cId="3283966863" sldId="606"/>
-            <ac:spMk id="17" creationId="{E8D759C8-8444-4E5F-8AB8-7C227F6ABE82}"/>
-          </ac:spMkLst>
-        </pc:spChg>
-        <pc:spChg chg="add mod">
-          <ac:chgData name="zhang hua" userId="692e123b3e9a7e92" providerId="LiveId" clId="{CC934404-5E3A-47B9-9E11-DE7E5AB3349F}" dt="2020-05-31T08:55:54.573" v="1693" actId="1076"/>
-          <ac:spMkLst>
-            <pc:docMk/>
-            <pc:sldMk cId="3283966863" sldId="606"/>
-            <ac:spMk id="18" creationId="{6748771B-0E6B-44D3-8AE9-E103A40516FA}"/>
-          </ac:spMkLst>
-        </pc:spChg>
-        <pc:spChg chg="del">
-          <ac:chgData name="zhang hua" userId="692e123b3e9a7e92" providerId="LiveId" clId="{CC934404-5E3A-47B9-9E11-DE7E5AB3349F}" dt="2020-05-31T03:18:26.819" v="742" actId="478"/>
-          <ac:spMkLst>
-            <pc:docMk/>
-            <pc:sldMk cId="3283966863" sldId="606"/>
-            <ac:spMk id="19" creationId="{6E2BE995-6E5E-485D-B1EF-17D0372E5D78}"/>
-          </ac:spMkLst>
-        </pc:spChg>
-        <pc:spChg chg="add mod">
-          <ac:chgData name="zhang hua" userId="692e123b3e9a7e92" providerId="LiveId" clId="{CC934404-5E3A-47B9-9E11-DE7E5AB3349F}" dt="2020-05-31T08:56:42.603" v="1712" actId="20577"/>
-          <ac:spMkLst>
-            <pc:docMk/>
-            <pc:sldMk cId="3283966863" sldId="606"/>
-            <ac:spMk id="20" creationId="{06CF0D35-9359-4BFE-AAA0-DDF0D83E9E8C}"/>
-          </ac:spMkLst>
-        </pc:spChg>
-        <pc:spChg chg="add mod">
-          <ac:chgData name="zhang hua" userId="692e123b3e9a7e92" providerId="LiveId" clId="{CC934404-5E3A-47B9-9E11-DE7E5AB3349F}" dt="2020-05-31T08:56:11.834" v="1703" actId="6549"/>
-          <ac:spMkLst>
-            <pc:docMk/>
-            <pc:sldMk cId="3283966863" sldId="606"/>
-            <ac:spMk id="21" creationId="{4FDA7C49-F631-4062-9483-AE664D3E2BF7}"/>
-          </ac:spMkLst>
-        </pc:spChg>
-      </pc:sldChg>
-      <pc:sldChg chg="addSp delSp modSp add mod delAnim modAnim">
-        <pc:chgData name="zhang hua" userId="692e123b3e9a7e92" providerId="LiveId" clId="{CC934404-5E3A-47B9-9E11-DE7E5AB3349F}" dt="2020-05-31T12:49:36.832" v="1898"/>
-        <pc:sldMkLst>
-          <pc:docMk/>
-          <pc:sldMk cId="528679076" sldId="607"/>
-        </pc:sldMkLst>
-        <pc:spChg chg="del">
-          <ac:chgData name="zhang hua" userId="692e123b3e9a7e92" providerId="LiveId" clId="{CC934404-5E3A-47B9-9E11-DE7E5AB3349F}" dt="2020-05-31T03:46:23.123" v="1069" actId="478"/>
-          <ac:spMkLst>
-            <pc:docMk/>
-            <pc:sldMk cId="528679076" sldId="607"/>
-            <ac:spMk id="3" creationId="{3F1DB86B-7150-4D46-AF3A-2A8E123DF8A8}"/>
-          </ac:spMkLst>
-        </pc:spChg>
-        <pc:spChg chg="mod">
-          <ac:chgData name="zhang hua" userId="692e123b3e9a7e92" providerId="LiveId" clId="{CC934404-5E3A-47B9-9E11-DE7E5AB3349F}" dt="2020-05-31T03:47:13.113" v="1098"/>
-          <ac:spMkLst>
-            <pc:docMk/>
-            <pc:sldMk cId="528679076" sldId="607"/>
-            <ac:spMk id="5" creationId="{0C2FE1BF-11D4-4527-A39C-8D9B8EEA1A0D}"/>
-          </ac:spMkLst>
-        </pc:spChg>
-        <pc:spChg chg="del">
-          <ac:chgData name="zhang hua" userId="692e123b3e9a7e92" providerId="LiveId" clId="{CC934404-5E3A-47B9-9E11-DE7E5AB3349F}" dt="2020-05-31T03:47:52.348" v="1099" actId="478"/>
-          <ac:spMkLst>
-            <pc:docMk/>
-            <pc:sldMk cId="528679076" sldId="607"/>
-            <ac:spMk id="8" creationId="{D8833C80-BC2F-4967-B2CD-72AA75727CE6}"/>
-          </ac:spMkLst>
-        </pc:spChg>
-        <pc:spChg chg="mod">
-          <ac:chgData name="zhang hua" userId="692e123b3e9a7e92" providerId="LiveId" clId="{CC934404-5E3A-47B9-9E11-DE7E5AB3349F}" dt="2020-05-31T03:46:18.490" v="1067" actId="1076"/>
-          <ac:spMkLst>
-            <pc:docMk/>
-            <pc:sldMk cId="528679076" sldId="607"/>
-            <ac:spMk id="11" creationId="{639678A6-EF93-47D0-9F1F-C88C10E599B1}"/>
-          </ac:spMkLst>
-        </pc:spChg>
-        <pc:spChg chg="mod">
-          <ac:chgData name="zhang hua" userId="692e123b3e9a7e92" providerId="LiveId" clId="{CC934404-5E3A-47B9-9E11-DE7E5AB3349F}" dt="2020-05-31T08:57:14.026" v="1716" actId="20577"/>
-          <ac:spMkLst>
-            <pc:docMk/>
-            <pc:sldMk cId="528679076" sldId="607"/>
-            <ac:spMk id="14" creationId="{C9E5F054-AF21-451D-BD61-B3149F5E7EA9}"/>
-          </ac:spMkLst>
-        </pc:spChg>
-        <pc:spChg chg="add mod">
-          <ac:chgData name="zhang hua" userId="692e123b3e9a7e92" providerId="LiveId" clId="{CC934404-5E3A-47B9-9E11-DE7E5AB3349F}" dt="2020-05-31T08:57:31.927" v="1723" actId="20577"/>
-          <ac:spMkLst>
-            <pc:docMk/>
-            <pc:sldMk cId="528679076" sldId="607"/>
-            <ac:spMk id="15" creationId="{D1DD1573-8130-40C7-87A4-6D3DB339DD7D}"/>
-          </ac:spMkLst>
-        </pc:spChg>
-        <pc:spChg chg="add mod">
-          <ac:chgData name="zhang hua" userId="692e123b3e9a7e92" providerId="LiveId" clId="{CC934404-5E3A-47B9-9E11-DE7E5AB3349F}" dt="2020-05-31T08:57:24.780" v="1720" actId="20577"/>
-          <ac:spMkLst>
-            <pc:docMk/>
-            <pc:sldMk cId="528679076" sldId="607"/>
-            <ac:spMk id="16" creationId="{48F7767A-9EDA-4BA6-A155-70253FE95DD7}"/>
-          </ac:spMkLst>
-        </pc:spChg>
-        <pc:spChg chg="del mod">
-          <ac:chgData name="zhang hua" userId="692e123b3e9a7e92" providerId="LiveId" clId="{CC934404-5E3A-47B9-9E11-DE7E5AB3349F}" dt="2020-05-31T03:49:56.423" v="1145" actId="478"/>
-          <ac:spMkLst>
-            <pc:docMk/>
-            <pc:sldMk cId="528679076" sldId="607"/>
-            <ac:spMk id="17" creationId="{E8D759C8-8444-4E5F-8AB8-7C227F6ABE82}"/>
-          </ac:spMkLst>
-        </pc:spChg>
-        <pc:spChg chg="mod">
-          <ac:chgData name="zhang hua" userId="692e123b3e9a7e92" providerId="LiveId" clId="{CC934404-5E3A-47B9-9E11-DE7E5AB3349F}" dt="2020-05-31T03:51:36.810" v="1202" actId="1076"/>
-          <ac:spMkLst>
-            <pc:docMk/>
-            <pc:sldMk cId="528679076" sldId="607"/>
-            <ac:spMk id="18" creationId="{6748771B-0E6B-44D3-8AE9-E103A40516FA}"/>
-          </ac:spMkLst>
-        </pc:spChg>
-        <pc:spChg chg="add mod">
-          <ac:chgData name="zhang hua" userId="692e123b3e9a7e92" providerId="LiveId" clId="{CC934404-5E3A-47B9-9E11-DE7E5AB3349F}" dt="2020-05-31T08:57:37.156" v="1726" actId="20577"/>
-          <ac:spMkLst>
-            <pc:docMk/>
-            <pc:sldMk cId="528679076" sldId="607"/>
-            <ac:spMk id="19" creationId="{8018A45B-105E-4343-92F7-DA2890878326}"/>
-          </ac:spMkLst>
-        </pc:spChg>
-        <pc:spChg chg="del">
-          <ac:chgData name="zhang hua" userId="692e123b3e9a7e92" providerId="LiveId" clId="{CC934404-5E3A-47B9-9E11-DE7E5AB3349F}" dt="2020-05-31T03:51:39.116" v="1203" actId="478"/>
-          <ac:spMkLst>
-            <pc:docMk/>
-            <pc:sldMk cId="528679076" sldId="607"/>
-            <ac:spMk id="20" creationId="{06CF0D35-9359-4BFE-AAA0-DDF0D83E9E8C}"/>
-          </ac:spMkLst>
-        </pc:spChg>
-        <pc:spChg chg="del">
-          <ac:chgData name="zhang hua" userId="692e123b3e9a7e92" providerId="LiveId" clId="{CC934404-5E3A-47B9-9E11-DE7E5AB3349F}" dt="2020-05-31T03:47:54.012" v="1100" actId="478"/>
-          <ac:spMkLst>
-            <pc:docMk/>
-            <pc:sldMk cId="528679076" sldId="607"/>
-            <ac:spMk id="21" creationId="{4FDA7C49-F631-4062-9483-AE664D3E2BF7}"/>
-          </ac:spMkLst>
-        </pc:spChg>
-        <pc:spChg chg="add mod">
-          <ac:chgData name="zhang hua" userId="692e123b3e9a7e92" providerId="LiveId" clId="{CC934404-5E3A-47B9-9E11-DE7E5AB3349F}" dt="2020-05-31T04:46:20.228" v="1299" actId="1076"/>
-          <ac:spMkLst>
-            <pc:docMk/>
-            <pc:sldMk cId="528679076" sldId="607"/>
-            <ac:spMk id="22" creationId="{4BC4C87E-C3A7-4431-81A9-A4D069B495D5}"/>
-          </ac:spMkLst>
-        </pc:spChg>
-        <pc:spChg chg="add mod">
-          <ac:chgData name="zhang hua" userId="692e123b3e9a7e92" providerId="LiveId" clId="{CC934404-5E3A-47B9-9E11-DE7E5AB3349F}" dt="2020-05-31T04:46:32.883" v="1307" actId="14100"/>
-          <ac:spMkLst>
-            <pc:docMk/>
-            <pc:sldMk cId="528679076" sldId="607"/>
-            <ac:spMk id="23" creationId="{0B32D0CE-763E-4AB1-9C7C-83DC6E4238EE}"/>
-          </ac:spMkLst>
-        </pc:spChg>
-      </pc:sldChg>
-      <pc:sldChg chg="add del">
-        <pc:chgData name="zhang hua" userId="692e123b3e9a7e92" providerId="LiveId" clId="{CC934404-5E3A-47B9-9E11-DE7E5AB3349F}" dt="2020-05-31T15:07:51.477" v="1920" actId="47"/>
-        <pc:sldMkLst>
-          <pc:docMk/>
-          <pc:sldMk cId="239840502" sldId="608"/>
-        </pc:sldMkLst>
-      </pc:sldChg>
-      <pc:sldChg chg="delSp modSp add mod delAnim modAnim">
-        <pc:chgData name="zhang hua" userId="692e123b3e9a7e92" providerId="LiveId" clId="{CC934404-5E3A-47B9-9E11-DE7E5AB3349F}" dt="2020-05-31T08:32:21.352" v="1500" actId="20577"/>
-        <pc:sldMkLst>
-          <pc:docMk/>
-          <pc:sldMk cId="2261663365" sldId="609"/>
-        </pc:sldMkLst>
-        <pc:spChg chg="mod">
-          <ac:chgData name="zhang hua" userId="692e123b3e9a7e92" providerId="LiveId" clId="{CC934404-5E3A-47B9-9E11-DE7E5AB3349F}" dt="2020-05-31T08:32:21.352" v="1500" actId="20577"/>
-          <ac:spMkLst>
-            <pc:docMk/>
-            <pc:sldMk cId="2261663365" sldId="609"/>
-            <ac:spMk id="3" creationId="{3F1DB86B-7150-4D46-AF3A-2A8E123DF8A8}"/>
-          </ac:spMkLst>
-        </pc:spChg>
-        <pc:spChg chg="del">
-          <ac:chgData name="zhang hua" userId="692e123b3e9a7e92" providerId="LiveId" clId="{CC934404-5E3A-47B9-9E11-DE7E5AB3349F}" dt="2020-05-31T08:27:38.936" v="1439" actId="478"/>
-          <ac:spMkLst>
-            <pc:docMk/>
-            <pc:sldMk cId="2261663365" sldId="609"/>
-            <ac:spMk id="8" creationId="{D8833C80-BC2F-4967-B2CD-72AA75727CE6}"/>
-          </ac:spMkLst>
-        </pc:spChg>
-        <pc:spChg chg="del mod">
-          <ac:chgData name="zhang hua" userId="692e123b3e9a7e92" providerId="LiveId" clId="{CC934404-5E3A-47B9-9E11-DE7E5AB3349F}" dt="2020-05-31T08:29:43.495" v="1490" actId="478"/>
-          <ac:spMkLst>
-            <pc:docMk/>
-            <pc:sldMk cId="2261663365" sldId="609"/>
-            <ac:spMk id="10" creationId="{4E2D7992-737D-4B97-9FD4-7A8E290A8232}"/>
-          </ac:spMkLst>
-        </pc:spChg>
-        <pc:spChg chg="mod">
-          <ac:chgData name="zhang hua" userId="692e123b3e9a7e92" providerId="LiveId" clId="{CC934404-5E3A-47B9-9E11-DE7E5AB3349F}" dt="2020-05-31T08:29:50.592" v="1491"/>
-          <ac:spMkLst>
-            <pc:docMk/>
-            <pc:sldMk cId="2261663365" sldId="609"/>
-            <ac:spMk id="11" creationId="{639678A6-EF93-47D0-9F1F-C88C10E599B1}"/>
-          </ac:spMkLst>
-        </pc:spChg>
-        <pc:spChg chg="mod">
-          <ac:chgData name="zhang hua" userId="692e123b3e9a7e92" providerId="LiveId" clId="{CC934404-5E3A-47B9-9E11-DE7E5AB3349F}" dt="2020-05-31T08:21:09.576" v="1394" actId="20577"/>
-          <ac:spMkLst>
-            <pc:docMk/>
-            <pc:sldMk cId="2261663365" sldId="609"/>
-            <ac:spMk id="12" creationId="{86223CFD-970C-418B-B3B9-75EDA29441A5}"/>
-          </ac:spMkLst>
-        </pc:spChg>
-        <pc:spChg chg="mod">
-          <ac:chgData name="zhang hua" userId="692e123b3e9a7e92" providerId="LiveId" clId="{CC934404-5E3A-47B9-9E11-DE7E5AB3349F}" dt="2020-05-31T08:27:34.389" v="1437" actId="14100"/>
-          <ac:spMkLst>
-            <pc:docMk/>
-            <pc:sldMk cId="2261663365" sldId="609"/>
-            <ac:spMk id="13" creationId="{26CD80AE-B9EF-45A2-B055-CEAFA3CE769A}"/>
-          </ac:spMkLst>
-        </pc:spChg>
-        <pc:spChg chg="del">
-          <ac:chgData name="zhang hua" userId="692e123b3e9a7e92" providerId="LiveId" clId="{CC934404-5E3A-47B9-9E11-DE7E5AB3349F}" dt="2020-05-31T08:21:02.066" v="1392" actId="478"/>
-          <ac:spMkLst>
-            <pc:docMk/>
-            <pc:sldMk cId="2261663365" sldId="609"/>
-            <ac:spMk id="16" creationId="{9D94B637-CCFC-4F7D-9A98-76253A7B25B1}"/>
-          </ac:spMkLst>
-        </pc:spChg>
-        <pc:spChg chg="mod">
-          <ac:chgData name="zhang hua" userId="692e123b3e9a7e92" providerId="LiveId" clId="{CC934404-5E3A-47B9-9E11-DE7E5AB3349F}" dt="2020-05-31T08:25:28.823" v="1434" actId="14100"/>
-          <ac:spMkLst>
-            <pc:docMk/>
-            <pc:sldMk cId="2261663365" sldId="609"/>
-            <ac:spMk id="19" creationId="{6E2BE995-6E5E-485D-B1EF-17D0372E5D78}"/>
-          </ac:spMkLst>
-        </pc:spChg>
-      </pc:sldChg>
-      <pc:sldChg chg="add del">
-        <pc:chgData name="zhang hua" userId="692e123b3e9a7e92" providerId="LiveId" clId="{CC934404-5E3A-47B9-9E11-DE7E5AB3349F}" dt="2020-05-31T15:07:55.661" v="1922" actId="47"/>
-        <pc:sldMkLst>
-          <pc:docMk/>
-          <pc:sldMk cId="758191624" sldId="610"/>
-        </pc:sldMkLst>
-      </pc:sldChg>
-      <pc:sldChg chg="add">
-        <pc:chgData name="zhang hua" userId="692e123b3e9a7e92" providerId="LiveId" clId="{CC934404-5E3A-47B9-9E11-DE7E5AB3349F}" dt="2020-05-31T08:47:11.166" v="1502"/>
-        <pc:sldMkLst>
-          <pc:docMk/>
-          <pc:sldMk cId="4159610496" sldId="611"/>
-        </pc:sldMkLst>
-      </pc:sldChg>
-      <pc:sldChg chg="add del">
-        <pc:chgData name="zhang hua" userId="692e123b3e9a7e92" providerId="LiveId" clId="{CC934404-5E3A-47B9-9E11-DE7E5AB3349F}" dt="2020-05-31T15:07:59.793" v="1926" actId="47"/>
-        <pc:sldMkLst>
-          <pc:docMk/>
-          <pc:sldMk cId="23322473" sldId="612"/>
-        </pc:sldMkLst>
-      </pc:sldChg>
-      <pc:sldChg chg="add del">
-        <pc:chgData name="zhang hua" userId="692e123b3e9a7e92" providerId="LiveId" clId="{CC934404-5E3A-47B9-9E11-DE7E5AB3349F}" dt="2020-05-31T15:07:59.367" v="1925" actId="47"/>
-        <pc:sldMkLst>
-          <pc:docMk/>
-          <pc:sldMk cId="2570346812" sldId="613"/>
-        </pc:sldMkLst>
-      </pc:sldChg>
-      <pc:sldChg chg="add del">
-        <pc:chgData name="zhang hua" userId="692e123b3e9a7e92" providerId="LiveId" clId="{CC934404-5E3A-47B9-9E11-DE7E5AB3349F}" dt="2020-05-31T15:07:59.003" v="1924" actId="47"/>
-        <pc:sldMkLst>
-          <pc:docMk/>
-          <pc:sldMk cId="3268990480" sldId="614"/>
-        </pc:sldMkLst>
-      </pc:sldChg>
-      <pc:sldChg chg="add del">
-        <pc:chgData name="zhang hua" userId="692e123b3e9a7e92" providerId="LiveId" clId="{CC934404-5E3A-47B9-9E11-DE7E5AB3349F}" dt="2020-05-31T15:07:58.587" v="1923" actId="47"/>
-        <pc:sldMkLst>
-          <pc:docMk/>
-          <pc:sldMk cId="3666095202" sldId="615"/>
-        </pc:sldMkLst>
-      </pc:sldChg>
-      <pc:sldChg chg="addSp delSp modSp add mod delAnim modAnim">
-        <pc:chgData name="zhang hua" userId="692e123b3e9a7e92" providerId="LiveId" clId="{CC934404-5E3A-47B9-9E11-DE7E5AB3349F}" dt="2020-05-31T12:49:48.341" v="1904"/>
-        <pc:sldMkLst>
-          <pc:docMk/>
-          <pc:sldMk cId="1914383446" sldId="616"/>
-        </pc:sldMkLst>
-        <pc:spChg chg="mod">
-          <ac:chgData name="zhang hua" userId="692e123b3e9a7e92" providerId="LiveId" clId="{CC934404-5E3A-47B9-9E11-DE7E5AB3349F}" dt="2020-05-31T08:51:34.368" v="1641" actId="20577"/>
-          <ac:spMkLst>
-            <pc:docMk/>
-            <pc:sldMk cId="1914383446" sldId="616"/>
-            <ac:spMk id="5" creationId="{0C2FE1BF-11D4-4527-A39C-8D9B8EEA1A0D}"/>
-          </ac:spMkLst>
-        </pc:spChg>
-        <pc:spChg chg="del">
-          <ac:chgData name="zhang hua" userId="692e123b3e9a7e92" providerId="LiveId" clId="{CC934404-5E3A-47B9-9E11-DE7E5AB3349F}" dt="2020-05-31T08:51:27.245" v="1631" actId="478"/>
-          <ac:spMkLst>
-            <pc:docMk/>
-            <pc:sldMk cId="1914383446" sldId="616"/>
-            <ac:spMk id="11" creationId="{639678A6-EF93-47D0-9F1F-C88C10E599B1}"/>
-          </ac:spMkLst>
-        </pc:spChg>
-        <pc:spChg chg="del">
-          <ac:chgData name="zhang hua" userId="692e123b3e9a7e92" providerId="LiveId" clId="{CC934404-5E3A-47B9-9E11-DE7E5AB3349F}" dt="2020-05-31T08:52:34.416" v="1645" actId="478"/>
-          <ac:spMkLst>
-            <pc:docMk/>
-            <pc:sldMk cId="1914383446" sldId="616"/>
-            <ac:spMk id="14" creationId="{C9E5F054-AF21-451D-BD61-B3149F5E7EA9}"/>
-          </ac:spMkLst>
-        </pc:spChg>
-        <pc:spChg chg="del">
-          <ac:chgData name="zhang hua" userId="692e123b3e9a7e92" providerId="LiveId" clId="{CC934404-5E3A-47B9-9E11-DE7E5AB3349F}" dt="2020-05-31T08:54:07.714" v="1668" actId="478"/>
-          <ac:spMkLst>
-            <pc:docMk/>
-            <pc:sldMk cId="1914383446" sldId="616"/>
-            <ac:spMk id="15" creationId="{D1DD1573-8130-40C7-87A4-6D3DB339DD7D}"/>
-          </ac:spMkLst>
-        </pc:spChg>
-        <pc:spChg chg="mod">
-          <ac:chgData name="zhang hua" userId="692e123b3e9a7e92" providerId="LiveId" clId="{CC934404-5E3A-47B9-9E11-DE7E5AB3349F}" dt="2020-05-31T08:53:36.226" v="1663" actId="1076"/>
-          <ac:spMkLst>
-            <pc:docMk/>
-            <pc:sldMk cId="1914383446" sldId="616"/>
-            <ac:spMk id="16" creationId="{48F7767A-9EDA-4BA6-A155-70253FE95DD7}"/>
-          </ac:spMkLst>
-        </pc:spChg>
-        <pc:spChg chg="add mod">
-          <ac:chgData name="zhang hua" userId="692e123b3e9a7e92" providerId="LiveId" clId="{CC934404-5E3A-47B9-9E11-DE7E5AB3349F}" dt="2020-05-31T08:54:32.410" v="1682" actId="20577"/>
-          <ac:spMkLst>
-            <pc:docMk/>
-            <pc:sldMk cId="1914383446" sldId="616"/>
-            <ac:spMk id="17" creationId="{2E69457D-84A9-48F2-B1EB-7C159F8F2B7A}"/>
-          </ac:spMkLst>
-        </pc:spChg>
-        <pc:spChg chg="mod">
-          <ac:chgData name="zhang hua" userId="692e123b3e9a7e92" providerId="LiveId" clId="{CC934404-5E3A-47B9-9E11-DE7E5AB3349F}" dt="2020-05-31T08:53:58.363" v="1667" actId="20577"/>
-          <ac:spMkLst>
-            <pc:docMk/>
-            <pc:sldMk cId="1914383446" sldId="616"/>
-            <ac:spMk id="18" creationId="{6748771B-0E6B-44D3-8AE9-E103A40516FA}"/>
-          </ac:spMkLst>
-        </pc:spChg>
-        <pc:spChg chg="del">
-          <ac:chgData name="zhang hua" userId="692e123b3e9a7e92" providerId="LiveId" clId="{CC934404-5E3A-47B9-9E11-DE7E5AB3349F}" dt="2020-05-31T08:54:12.761" v="1671" actId="478"/>
-          <ac:spMkLst>
-            <pc:docMk/>
-            <pc:sldMk cId="1914383446" sldId="616"/>
-            <ac:spMk id="19" creationId="{8018A45B-105E-4343-92F7-DA2890878326}"/>
-          </ac:spMkLst>
-        </pc:spChg>
-        <pc:spChg chg="mod">
-          <ac:chgData name="zhang hua" userId="692e123b3e9a7e92" providerId="LiveId" clId="{CC934404-5E3A-47B9-9E11-DE7E5AB3349F}" dt="2020-05-31T08:52:55.387" v="1647" actId="20577"/>
-          <ac:spMkLst>
-            <pc:docMk/>
-            <pc:sldMk cId="1914383446" sldId="616"/>
-            <ac:spMk id="22" creationId="{4BC4C87E-C3A7-4431-81A9-A4D069B495D5}"/>
-          </ac:spMkLst>
-        </pc:spChg>
-        <pc:spChg chg="mod">
-          <ac:chgData name="zhang hua" userId="692e123b3e9a7e92" providerId="LiveId" clId="{CC934404-5E3A-47B9-9E11-DE7E5AB3349F}" dt="2020-05-31T08:54:44.426" v="1684" actId="14100"/>
-          <ac:spMkLst>
-            <pc:docMk/>
-            <pc:sldMk cId="1914383446" sldId="616"/>
-            <ac:spMk id="23" creationId="{0B32D0CE-763E-4AB1-9C7C-83DC6E4238EE}"/>
-          </ac:spMkLst>
-        </pc:spChg>
-      </pc:sldChg>
-      <pc:sldChg chg="addSp delSp modSp add mod delAnim modAnim">
-        <pc:chgData name="zhang hua" userId="692e123b3e9a7e92" providerId="LiveId" clId="{CC934404-5E3A-47B9-9E11-DE7E5AB3349F}" dt="2020-05-31T12:50:03.005" v="1912"/>
-        <pc:sldMkLst>
-          <pc:docMk/>
-          <pc:sldMk cId="1823998689" sldId="617"/>
-        </pc:sldMkLst>
-        <pc:spChg chg="mod">
-          <ac:chgData name="zhang hua" userId="692e123b3e9a7e92" providerId="LiveId" clId="{CC934404-5E3A-47B9-9E11-DE7E5AB3349F}" dt="2020-05-31T12:32:50.077" v="1806" actId="20577"/>
-          <ac:spMkLst>
-            <pc:docMk/>
-            <pc:sldMk cId="1823998689" sldId="617"/>
-            <ac:spMk id="5" creationId="{0C2FE1BF-11D4-4527-A39C-8D9B8EEA1A0D}"/>
-          </ac:spMkLst>
-        </pc:spChg>
-        <pc:spChg chg="add mod">
-          <ac:chgData name="zhang hua" userId="692e123b3e9a7e92" providerId="LiveId" clId="{CC934404-5E3A-47B9-9E11-DE7E5AB3349F}" dt="2020-05-31T12:37:22.026" v="1846" actId="20577"/>
-          <ac:spMkLst>
-            <pc:docMk/>
-            <pc:sldMk cId="1823998689" sldId="617"/>
-            <ac:spMk id="11" creationId="{1F5B8874-10DB-4792-B643-8980F3732C96}"/>
-          </ac:spMkLst>
-        </pc:spChg>
-        <pc:spChg chg="del">
-          <ac:chgData name="zhang hua" userId="692e123b3e9a7e92" providerId="LiveId" clId="{CC934404-5E3A-47B9-9E11-DE7E5AB3349F}" dt="2020-05-31T12:35:24.717" v="1843" actId="478"/>
-          <ac:spMkLst>
-            <pc:docMk/>
-            <pc:sldMk cId="1823998689" sldId="617"/>
-            <ac:spMk id="16" creationId="{48F7767A-9EDA-4BA6-A155-70253FE95DD7}"/>
-          </ac:spMkLst>
-        </pc:spChg>
-        <pc:spChg chg="mod">
-          <ac:chgData name="zhang hua" userId="692e123b3e9a7e92" providerId="LiveId" clId="{CC934404-5E3A-47B9-9E11-DE7E5AB3349F}" dt="2020-05-31T12:35:15.125" v="1842" actId="20577"/>
-          <ac:spMkLst>
-            <pc:docMk/>
-            <pc:sldMk cId="1823998689" sldId="617"/>
-            <ac:spMk id="17" creationId="{2E69457D-84A9-48F2-B1EB-7C159F8F2B7A}"/>
-          </ac:spMkLst>
-        </pc:spChg>
-        <pc:spChg chg="mod">
-          <ac:chgData name="zhang hua" userId="692e123b3e9a7e92" providerId="LiveId" clId="{CC934404-5E3A-47B9-9E11-DE7E5AB3349F}" dt="2020-05-31T12:34:15.315" v="1809" actId="20577"/>
-          <ac:spMkLst>
-            <pc:docMk/>
-            <pc:sldMk cId="1823998689" sldId="617"/>
-            <ac:spMk id="18" creationId="{6748771B-0E6B-44D3-8AE9-E103A40516FA}"/>
-          </ac:spMkLst>
-        </pc:spChg>
-      </pc:sldChg>
-    </pc:docChg>
-  </pc:docChgLst>
-  <pc:docChgLst>
-    <pc:chgData name="zhang hua" userId="692e123b3e9a7e92" providerId="LiveId" clId="{77E15D27-0BB6-4DFC-A2A3-6EB05682AAD4}"/>
-    <pc:docChg chg="undo custSel addSld delSld modSld sldOrd">
-      <pc:chgData name="zhang hua" userId="692e123b3e9a7e92" providerId="LiveId" clId="{77E15D27-0BB6-4DFC-A2A3-6EB05682AAD4}" dt="2021-06-04T02:29:26.045" v="2901" actId="20577"/>
-      <pc:docMkLst>
-        <pc:docMk/>
-      </pc:docMkLst>
-      <pc:sldChg chg="addSp delSp modSp mod">
-        <pc:chgData name="zhang hua" userId="692e123b3e9a7e92" providerId="LiveId" clId="{77E15D27-0BB6-4DFC-A2A3-6EB05682AAD4}" dt="2021-06-04T00:29:48.310" v="2886" actId="20577"/>
-        <pc:sldMkLst>
-          <pc:docMk/>
-          <pc:sldMk cId="3707575789" sldId="464"/>
-        </pc:sldMkLst>
-        <pc:spChg chg="mod">
-          <ac:chgData name="zhang hua" userId="692e123b3e9a7e92" providerId="LiveId" clId="{77E15D27-0BB6-4DFC-A2A3-6EB05682AAD4}" dt="2021-06-04T00:29:48.310" v="2886" actId="20577"/>
-          <ac:spMkLst>
-            <pc:docMk/>
-            <pc:sldMk cId="3707575789" sldId="464"/>
-            <ac:spMk id="8" creationId="{53894266-BE4C-43B1-A182-8AC388DF9AED}"/>
-          </ac:spMkLst>
-        </pc:spChg>
-        <pc:spChg chg="mod">
-          <ac:chgData name="zhang hua" userId="692e123b3e9a7e92" providerId="LiveId" clId="{77E15D27-0BB6-4DFC-A2A3-6EB05682AAD4}" dt="2021-05-31T14:44:50.388" v="820" actId="2711"/>
-          <ac:spMkLst>
-            <pc:docMk/>
-            <pc:sldMk cId="3707575789" sldId="464"/>
-            <ac:spMk id="10" creationId="{D6A21F6C-F435-45C5-8F71-F867F0D79F04}"/>
-          </ac:spMkLst>
-        </pc:spChg>
-        <pc:inkChg chg="add del">
-          <ac:chgData name="zhang hua" userId="692e123b3e9a7e92" providerId="LiveId" clId="{77E15D27-0BB6-4DFC-A2A3-6EB05682AAD4}" dt="2021-05-28T15:33:10.722" v="2" actId="478"/>
-          <ac:inkMkLst>
-            <pc:docMk/>
-            <pc:sldMk cId="3707575789" sldId="464"/>
-            <ac:inkMk id="4" creationId="{D9D543C0-4E04-4A78-9E9C-B880929C7ED9}"/>
-          </ac:inkMkLst>
-        </pc:inkChg>
-      </pc:sldChg>
-      <pc:sldChg chg="addSp delSp modSp mod addAnim delAnim modAnim">
-        <pc:chgData name="zhang hua" userId="692e123b3e9a7e92" providerId="LiveId" clId="{77E15D27-0BB6-4DFC-A2A3-6EB05682AAD4}" dt="2021-06-03T17:03:34.989" v="2745"/>
-        <pc:sldMkLst>
-          <pc:docMk/>
-          <pc:sldMk cId="3978341358" sldId="539"/>
-        </pc:sldMkLst>
-        <pc:spChg chg="mod">
-          <ac:chgData name="zhang hua" userId="692e123b3e9a7e92" providerId="LiveId" clId="{77E15D27-0BB6-4DFC-A2A3-6EB05682AAD4}" dt="2021-05-28T16:08:52.288" v="43" actId="20577"/>
-          <ac:spMkLst>
-            <pc:docMk/>
-            <pc:sldMk cId="3978341358" sldId="539"/>
-            <ac:spMk id="7" creationId="{495119F0-9BC1-4B86-A2F7-78EA40B35DEC}"/>
-          </ac:spMkLst>
-        </pc:spChg>
-        <pc:spChg chg="del">
-          <ac:chgData name="zhang hua" userId="692e123b3e9a7e92" providerId="LiveId" clId="{77E15D27-0BB6-4DFC-A2A3-6EB05682AAD4}" dt="2021-05-28T16:09:34.638" v="50" actId="478"/>
-          <ac:spMkLst>
-            <pc:docMk/>
-            <pc:sldMk cId="3978341358" sldId="539"/>
-            <ac:spMk id="8" creationId="{45FB3874-F02B-754E-98BD-C600DC253B68}"/>
-          </ac:spMkLst>
-        </pc:spChg>
-        <pc:spChg chg="del">
-          <ac:chgData name="zhang hua" userId="692e123b3e9a7e92" providerId="LiveId" clId="{77E15D27-0BB6-4DFC-A2A3-6EB05682AAD4}" dt="2021-05-28T16:09:20.501" v="46" actId="478"/>
-          <ac:spMkLst>
-            <pc:docMk/>
-            <pc:sldMk cId="3978341358" sldId="539"/>
-            <ac:spMk id="9" creationId="{6B14A96A-3EEC-C144-ABFE-45383DD23123}"/>
-          </ac:spMkLst>
-        </pc:spChg>
-        <pc:spChg chg="mod">
-          <ac:chgData name="zhang hua" userId="692e123b3e9a7e92" providerId="LiveId" clId="{77E15D27-0BB6-4DFC-A2A3-6EB05682AAD4}" dt="2021-05-29T03:35:18.965" v="65" actId="1076"/>
-          <ac:spMkLst>
-            <pc:docMk/>
-            <pc:sldMk cId="3978341358" sldId="539"/>
-            <ac:spMk id="10" creationId="{431F5C29-FEDB-9243-B0D6-EB3C5FC4BA5B}"/>
-          </ac:spMkLst>
-        </pc:spChg>
-        <pc:spChg chg="add del mod">
-          <ac:chgData name="zhang hua" userId="692e123b3e9a7e92" providerId="LiveId" clId="{77E15D27-0BB6-4DFC-A2A3-6EB05682AAD4}" dt="2021-05-29T03:35:35.793" v="70" actId="1076"/>
-          <ac:spMkLst>
-            <pc:docMk/>
-            <pc:sldMk cId="3978341358" sldId="539"/>
-            <ac:spMk id="11" creationId="{8118F8BA-2F9C-408B-87F0-A06EB9262D70}"/>
-          </ac:spMkLst>
-        </pc:spChg>
-        <pc:spChg chg="add mod">
-          <ac:chgData name="zhang hua" userId="692e123b3e9a7e92" providerId="LiveId" clId="{77E15D27-0BB6-4DFC-A2A3-6EB05682AAD4}" dt="2021-05-29T03:35:56.616" v="72" actId="207"/>
-          <ac:spMkLst>
-            <pc:docMk/>
-            <pc:sldMk cId="3978341358" sldId="539"/>
-            <ac:spMk id="12" creationId="{DB0B2522-2616-4C09-A0B0-2F8772369925}"/>
-          </ac:spMkLst>
-        </pc:spChg>
-        <pc:inkChg chg="add del">
-          <ac:chgData name="zhang hua" userId="692e123b3e9a7e92" providerId="LiveId" clId="{77E15D27-0BB6-4DFC-A2A3-6EB05682AAD4}" dt="2021-05-28T15:33:13.577" v="3" actId="478"/>
-          <ac:inkMkLst>
-            <pc:docMk/>
-            <pc:sldMk cId="3978341358" sldId="539"/>
-            <ac:inkMk id="3" creationId="{B3C5FAF5-C579-4A13-B865-2DBAFA86C0B7}"/>
-          </ac:inkMkLst>
-        </pc:inkChg>
-      </pc:sldChg>
-      <pc:sldChg chg="addSp delSp modSp mod delAnim modAnim">
-        <pc:chgData name="zhang hua" userId="692e123b3e9a7e92" providerId="LiveId" clId="{77E15D27-0BB6-4DFC-A2A3-6EB05682AAD4}" dt="2021-05-29T06:48:57.289" v="141" actId="20577"/>
-        <pc:sldMkLst>
-          <pc:docMk/>
-          <pc:sldMk cId="3283854528" sldId="596"/>
-        </pc:sldMkLst>
-        <pc:spChg chg="del">
-          <ac:chgData name="zhang hua" userId="692e123b3e9a7e92" providerId="LiveId" clId="{77E15D27-0BB6-4DFC-A2A3-6EB05682AAD4}" dt="2021-05-29T06:39:08.031" v="78" actId="478"/>
-          <ac:spMkLst>
-            <pc:docMk/>
-            <pc:sldMk cId="3283854528" sldId="596"/>
-            <ac:spMk id="8" creationId="{46743DB1-C235-4A6F-B42B-917BA0AAFF72}"/>
-          </ac:spMkLst>
-        </pc:spChg>
-        <pc:spChg chg="add mod">
-          <ac:chgData name="zhang hua" userId="692e123b3e9a7e92" providerId="LiveId" clId="{77E15D27-0BB6-4DFC-A2A3-6EB05682AAD4}" dt="2021-05-29T06:48:57.289" v="141" actId="20577"/>
-          <ac:spMkLst>
-            <pc:docMk/>
-            <pc:sldMk cId="3283854528" sldId="596"/>
-            <ac:spMk id="10" creationId="{B2A505DA-C286-4DDA-A934-B1DC8E670B6A}"/>
-          </ac:spMkLst>
-        </pc:spChg>
-        <pc:spChg chg="del mod">
-          <ac:chgData name="zhang hua" userId="692e123b3e9a7e92" providerId="LiveId" clId="{77E15D27-0BB6-4DFC-A2A3-6EB05682AAD4}" dt="2021-05-29T06:47:54.867" v="125" actId="478"/>
-          <ac:spMkLst>
-            <pc:docMk/>
-            <pc:sldMk cId="3283854528" sldId="596"/>
-            <ac:spMk id="11" creationId="{8118F8BA-2F9C-408B-87F0-A06EB9262D70}"/>
-          </ac:spMkLst>
-        </pc:spChg>
-        <pc:spChg chg="del">
-          <ac:chgData name="zhang hua" userId="692e123b3e9a7e92" providerId="LiveId" clId="{77E15D27-0BB6-4DFC-A2A3-6EB05682AAD4}" dt="2021-05-29T06:39:12.007" v="80" actId="478"/>
-          <ac:spMkLst>
-            <pc:docMk/>
-            <pc:sldMk cId="3283854528" sldId="596"/>
-            <ac:spMk id="12" creationId="{7AFCE5CA-2E15-9D40-9070-EBA0D0A7F00D}"/>
-          </ac:spMkLst>
-        </pc:spChg>
-        <pc:spChg chg="add mod">
-          <ac:chgData name="zhang hua" userId="692e123b3e9a7e92" providerId="LiveId" clId="{77E15D27-0BB6-4DFC-A2A3-6EB05682AAD4}" dt="2021-05-29T06:48:48.496" v="135" actId="12"/>
-          <ac:spMkLst>
-            <pc:docMk/>
-            <pc:sldMk cId="3283854528" sldId="596"/>
-            <ac:spMk id="13" creationId="{A4044EDB-3DE0-4C76-A3CA-E68356F916C6}"/>
-          </ac:spMkLst>
-        </pc:spChg>
-        <pc:spChg chg="del mod">
-          <ac:chgData name="zhang hua" userId="692e123b3e9a7e92" providerId="LiveId" clId="{77E15D27-0BB6-4DFC-A2A3-6EB05682AAD4}" dt="2021-05-29T06:47:53.744" v="124" actId="478"/>
-          <ac:spMkLst>
-            <pc:docMk/>
-            <pc:sldMk cId="3283854528" sldId="596"/>
-            <ac:spMk id="14" creationId="{0D392486-9F7C-4223-A04B-61250234450B}"/>
-          </ac:spMkLst>
-        </pc:spChg>
-        <pc:spChg chg="del">
-          <ac:chgData name="zhang hua" userId="692e123b3e9a7e92" providerId="LiveId" clId="{77E15D27-0BB6-4DFC-A2A3-6EB05682AAD4}" dt="2021-05-29T06:39:10.033" v="79" actId="478"/>
-          <ac:spMkLst>
-            <pc:docMk/>
-            <pc:sldMk cId="3283854528" sldId="596"/>
-            <ac:spMk id="15" creationId="{2707FEC7-03AD-4C36-B09D-41A5FD14E060}"/>
-          </ac:spMkLst>
-        </pc:spChg>
-        <pc:inkChg chg="add del">
-          <ac:chgData name="zhang hua" userId="692e123b3e9a7e92" providerId="LiveId" clId="{77E15D27-0BB6-4DFC-A2A3-6EB05682AAD4}" dt="2021-05-28T15:33:15.943" v="4" actId="478"/>
-          <ac:inkMkLst>
-            <pc:docMk/>
-            <pc:sldMk cId="3283854528" sldId="596"/>
-            <ac:inkMk id="3" creationId="{64329C80-A1BA-4297-8E10-7A4DAED5855A}"/>
-          </ac:inkMkLst>
-        </pc:inkChg>
-      </pc:sldChg>
-      <pc:sldChg chg="addSp del">
-        <pc:chgData name="zhang hua" userId="692e123b3e9a7e92" providerId="LiveId" clId="{77E15D27-0BB6-4DFC-A2A3-6EB05682AAD4}" dt="2021-05-31T14:56:46.583" v="834" actId="47"/>
-        <pc:sldMkLst>
-          <pc:docMk/>
-          <pc:sldMk cId="4214470502" sldId="597"/>
-        </pc:sldMkLst>
-        <pc:inkChg chg="add">
-          <ac:chgData name="zhang hua" userId="692e123b3e9a7e92" providerId="LiveId" clId="{77E15D27-0BB6-4DFC-A2A3-6EB05682AAD4}" dt="2021-05-21T12:38:51.191" v="1"/>
-          <ac:inkMkLst>
-            <pc:docMk/>
-            <pc:sldMk cId="4214470502" sldId="597"/>
-            <ac:inkMk id="3" creationId="{94976FFC-B918-46BA-A400-FDA5CC3F1533}"/>
-          </ac:inkMkLst>
-        </pc:inkChg>
-      </pc:sldChg>
-      <pc:sldChg chg="addSp del">
-        <pc:chgData name="zhang hua" userId="692e123b3e9a7e92" providerId="LiveId" clId="{77E15D27-0BB6-4DFC-A2A3-6EB05682AAD4}" dt="2021-05-31T14:59:21.218" v="836" actId="47"/>
-        <pc:sldMkLst>
-          <pc:docMk/>
-          <pc:sldMk cId="3836628674" sldId="598"/>
-        </pc:sldMkLst>
-        <pc:inkChg chg="add">
-          <ac:chgData name="zhang hua" userId="692e123b3e9a7e92" providerId="LiveId" clId="{77E15D27-0BB6-4DFC-A2A3-6EB05682AAD4}" dt="2021-05-21T12:38:51.191" v="1"/>
-          <ac:inkMkLst>
-            <pc:docMk/>
-            <pc:sldMk cId="3836628674" sldId="598"/>
-            <ac:inkMk id="3" creationId="{E2355B7D-B2D3-4065-BB3E-AA44FD862387}"/>
-          </ac:inkMkLst>
-        </pc:inkChg>
-      </pc:sldChg>
-      <pc:sldChg chg="addSp modSp mod">
-        <pc:chgData name="zhang hua" userId="692e123b3e9a7e92" providerId="LiveId" clId="{77E15D27-0BB6-4DFC-A2A3-6EB05682AAD4}" dt="2021-06-03T15:12:49.167" v="1503" actId="207"/>
-        <pc:sldMkLst>
-          <pc:docMk/>
-          <pc:sldMk cId="2743064620" sldId="611"/>
-        </pc:sldMkLst>
-        <pc:spChg chg="add mod">
-          <ac:chgData name="zhang hua" userId="692e123b3e9a7e92" providerId="LiveId" clId="{77E15D27-0BB6-4DFC-A2A3-6EB05682AAD4}" dt="2021-06-03T15:12:49.167" v="1503" actId="207"/>
-          <ac:spMkLst>
-            <pc:docMk/>
-            <pc:sldMk cId="2743064620" sldId="611"/>
-            <ac:spMk id="4" creationId="{8D4DD288-A32A-4232-A6D4-86D8F8B48040}"/>
-          </ac:spMkLst>
-        </pc:spChg>
-      </pc:sldChg>
-      <pc:sldChg chg="addSp modSp mod modAnim">
-        <pc:chgData name="zhang hua" userId="692e123b3e9a7e92" providerId="LiveId" clId="{77E15D27-0BB6-4DFC-A2A3-6EB05682AAD4}" dt="2021-06-04T01:17:08.745" v="2887" actId="20577"/>
-        <pc:sldMkLst>
-          <pc:docMk/>
-          <pc:sldMk cId="2936971934" sldId="612"/>
-        </pc:sldMkLst>
-        <pc:spChg chg="add mod">
-          <ac:chgData name="zhang hua" userId="692e123b3e9a7e92" providerId="LiveId" clId="{77E15D27-0BB6-4DFC-A2A3-6EB05682AAD4}" dt="2021-06-03T15:33:34.784" v="2149" actId="1076"/>
-          <ac:spMkLst>
-            <pc:docMk/>
-            <pc:sldMk cId="2936971934" sldId="612"/>
-            <ac:spMk id="4" creationId="{6955FB27-435C-472D-ACF9-DC7E16F77E01}"/>
-          </ac:spMkLst>
-        </pc:spChg>
-        <pc:spChg chg="add mod">
-          <ac:chgData name="zhang hua" userId="692e123b3e9a7e92" providerId="LiveId" clId="{77E15D27-0BB6-4DFC-A2A3-6EB05682AAD4}" dt="2021-06-03T16:03:21.986" v="2479" actId="20577"/>
-          <ac:spMkLst>
-            <pc:docMk/>
-            <pc:sldMk cId="2936971934" sldId="612"/>
-            <ac:spMk id="5" creationId="{27F16099-0810-4C4D-A188-F75005EC4B30}"/>
-          </ac:spMkLst>
-        </pc:spChg>
-        <pc:spChg chg="add mod">
-          <ac:chgData name="zhang hua" userId="692e123b3e9a7e92" providerId="LiveId" clId="{77E15D27-0BB6-4DFC-A2A3-6EB05682AAD4}" dt="2021-06-04T01:17:08.745" v="2887" actId="20577"/>
-          <ac:spMkLst>
-            <pc:docMk/>
-            <pc:sldMk cId="2936971934" sldId="612"/>
-            <ac:spMk id="6" creationId="{93B1EA73-CBAE-41C8-9DB0-2B5AEA4B0E92}"/>
-          </ac:spMkLst>
-        </pc:spChg>
-      </pc:sldChg>
-      <pc:sldChg chg="addSp modSp mod modAnim">
-        <pc:chgData name="zhang hua" userId="692e123b3e9a7e92" providerId="LiveId" clId="{77E15D27-0BB6-4DFC-A2A3-6EB05682AAD4}" dt="2021-06-04T02:29:26.045" v="2901" actId="20577"/>
-        <pc:sldMkLst>
-          <pc:docMk/>
-          <pc:sldMk cId="479595479" sldId="614"/>
-        </pc:sldMkLst>
-        <pc:spChg chg="add mod">
-          <ac:chgData name="zhang hua" userId="692e123b3e9a7e92" providerId="LiveId" clId="{77E15D27-0BB6-4DFC-A2A3-6EB05682AAD4}" dt="2021-06-04T02:29:26.045" v="2901" actId="20577"/>
-          <ac:spMkLst>
-            <pc:docMk/>
-            <pc:sldMk cId="479595479" sldId="614"/>
-            <ac:spMk id="4" creationId="{33AE0C3F-0126-4888-9576-4237308DF724}"/>
-          </ac:spMkLst>
-        </pc:spChg>
-        <pc:spChg chg="add mod">
-          <ac:chgData name="zhang hua" userId="692e123b3e9a7e92" providerId="LiveId" clId="{77E15D27-0BB6-4DFC-A2A3-6EB05682AAD4}" dt="2021-06-03T16:16:13.274" v="2589" actId="20577"/>
-          <ac:spMkLst>
-            <pc:docMk/>
-            <pc:sldMk cId="479595479" sldId="614"/>
-            <ac:spMk id="5" creationId="{7035B9EF-66B4-4824-8B28-486B447C0D84}"/>
-          </ac:spMkLst>
-        </pc:spChg>
-      </pc:sldChg>
-      <pc:sldChg chg="addSp add del">
-        <pc:chgData name="zhang hua" userId="692e123b3e9a7e92" providerId="LiveId" clId="{77E15D27-0BB6-4DFC-A2A3-6EB05682AAD4}" dt="2021-05-31T14:56:49.873" v="835" actId="47"/>
-        <pc:sldMkLst>
-          <pc:docMk/>
-          <pc:sldMk cId="1583862867" sldId="619"/>
-        </pc:sldMkLst>
-        <pc:inkChg chg="add">
-          <ac:chgData name="zhang hua" userId="692e123b3e9a7e92" providerId="LiveId" clId="{77E15D27-0BB6-4DFC-A2A3-6EB05682AAD4}" dt="2021-05-21T12:38:51.191" v="1"/>
-          <ac:inkMkLst>
-            <pc:docMk/>
-            <pc:sldMk cId="1583862867" sldId="619"/>
-            <ac:inkMk id="4" creationId="{BFE7DE3B-6849-44B8-AE5D-71B70965425B}"/>
-          </ac:inkMkLst>
-        </pc:inkChg>
-      </pc:sldChg>
-      <pc:sldChg chg="delSp add mod ord delAnim">
-        <pc:chgData name="zhang hua" userId="692e123b3e9a7e92" providerId="LiveId" clId="{77E15D27-0BB6-4DFC-A2A3-6EB05682AAD4}" dt="2021-05-29T06:50:11.950" v="144" actId="478"/>
-        <pc:sldMkLst>
-          <pc:docMk/>
-          <pc:sldMk cId="2140974664" sldId="620"/>
-        </pc:sldMkLst>
-        <pc:spChg chg="del">
-          <ac:chgData name="zhang hua" userId="692e123b3e9a7e92" providerId="LiveId" clId="{77E15D27-0BB6-4DFC-A2A3-6EB05682AAD4}" dt="2021-05-29T06:50:11.950" v="144" actId="478"/>
-          <ac:spMkLst>
-            <pc:docMk/>
-            <pc:sldMk cId="2140974664" sldId="620"/>
-            <ac:spMk id="10" creationId="{B2A505DA-C286-4DDA-A934-B1DC8E670B6A}"/>
-          </ac:spMkLst>
-        </pc:spChg>
-      </pc:sldChg>
-      <pc:sldChg chg="addSp delSp modSp add mod addAnim delAnim modAnim">
-        <pc:chgData name="zhang hua" userId="692e123b3e9a7e92" providerId="LiveId" clId="{77E15D27-0BB6-4DFC-A2A3-6EB05682AAD4}" dt="2021-06-03T17:04:12.083" v="2755"/>
-        <pc:sldMkLst>
-          <pc:docMk/>
-          <pc:sldMk cId="1380495108" sldId="621"/>
-        </pc:sldMkLst>
-        <pc:spChg chg="add mod">
-          <ac:chgData name="zhang hua" userId="692e123b3e9a7e92" providerId="LiveId" clId="{77E15D27-0BB6-4DFC-A2A3-6EB05682AAD4}" dt="2021-05-31T14:50:53.588" v="830" actId="14100"/>
-          <ac:spMkLst>
-            <pc:docMk/>
-            <pc:sldMk cId="1380495108" sldId="621"/>
-            <ac:spMk id="6" creationId="{0882AC06-443D-4B78-AD1A-1968CEBBF782}"/>
-          </ac:spMkLst>
-        </pc:spChg>
-        <pc:spChg chg="add mod">
-          <ac:chgData name="zhang hua" userId="692e123b3e9a7e92" providerId="LiveId" clId="{77E15D27-0BB6-4DFC-A2A3-6EB05682AAD4}" dt="2021-05-29T06:59:09.702" v="207" actId="5793"/>
-          <ac:spMkLst>
-            <pc:docMk/>
-            <pc:sldMk cId="1380495108" sldId="621"/>
-            <ac:spMk id="7" creationId="{D13B9C49-DACE-4371-89CC-BEB20E369DD2}"/>
-          </ac:spMkLst>
-        </pc:spChg>
-        <pc:spChg chg="mod">
-          <ac:chgData name="zhang hua" userId="692e123b3e9a7e92" providerId="LiveId" clId="{77E15D27-0BB6-4DFC-A2A3-6EB05682AAD4}" dt="2021-05-29T06:53:15.570" v="150" actId="207"/>
-          <ac:spMkLst>
-            <pc:docMk/>
-            <pc:sldMk cId="1380495108" sldId="621"/>
-            <ac:spMk id="10" creationId="{B2A505DA-C286-4DDA-A934-B1DC8E670B6A}"/>
-          </ac:spMkLst>
-        </pc:spChg>
-        <pc:spChg chg="add del mod">
-          <ac:chgData name="zhang hua" userId="692e123b3e9a7e92" providerId="LiveId" clId="{77E15D27-0BB6-4DFC-A2A3-6EB05682AAD4}" dt="2021-06-03T17:03:58.598" v="2747" actId="478"/>
-          <ac:spMkLst>
-            <pc:docMk/>
-            <pc:sldMk cId="1380495108" sldId="621"/>
-            <ac:spMk id="13" creationId="{A4044EDB-3DE0-4C76-A3CA-E68356F916C6}"/>
-          </ac:spMkLst>
-        </pc:spChg>
-      </pc:sldChg>
-      <pc:sldChg chg="delSp modSp add mod delAnim modAnim">
-        <pc:chgData name="zhang hua" userId="692e123b3e9a7e92" providerId="LiveId" clId="{77E15D27-0BB6-4DFC-A2A3-6EB05682AAD4}" dt="2021-05-29T07:11:39.252" v="226" actId="20577"/>
-        <pc:sldMkLst>
-          <pc:docMk/>
-          <pc:sldMk cId="1106910788" sldId="622"/>
-        </pc:sldMkLst>
-        <pc:spChg chg="del">
-          <ac:chgData name="zhang hua" userId="692e123b3e9a7e92" providerId="LiveId" clId="{77E15D27-0BB6-4DFC-A2A3-6EB05682AAD4}" dt="2021-05-29T07:10:25.671" v="212" actId="478"/>
-          <ac:spMkLst>
-            <pc:docMk/>
-            <pc:sldMk cId="1106910788" sldId="622"/>
-            <ac:spMk id="6" creationId="{0882AC06-443D-4B78-AD1A-1968CEBBF782}"/>
-          </ac:spMkLst>
-        </pc:spChg>
-        <pc:spChg chg="del">
-          <ac:chgData name="zhang hua" userId="692e123b3e9a7e92" providerId="LiveId" clId="{77E15D27-0BB6-4DFC-A2A3-6EB05682AAD4}" dt="2021-05-29T07:10:34.205" v="215" actId="478"/>
-          <ac:spMkLst>
-            <pc:docMk/>
-            <pc:sldMk cId="1106910788" sldId="622"/>
-            <ac:spMk id="7" creationId="{D13B9C49-DACE-4371-89CC-BEB20E369DD2}"/>
-          </ac:spMkLst>
-        </pc:spChg>
-        <pc:spChg chg="mod">
-          <ac:chgData name="zhang hua" userId="692e123b3e9a7e92" providerId="LiveId" clId="{77E15D27-0BB6-4DFC-A2A3-6EB05682AAD4}" dt="2021-05-29T07:11:39.252" v="226" actId="20577"/>
-          <ac:spMkLst>
-            <pc:docMk/>
-            <pc:sldMk cId="1106910788" sldId="622"/>
-            <ac:spMk id="10" creationId="{B2A505DA-C286-4DDA-A934-B1DC8E670B6A}"/>
-          </ac:spMkLst>
-        </pc:spChg>
-        <pc:spChg chg="del">
-          <ac:chgData name="zhang hua" userId="692e123b3e9a7e92" providerId="LiveId" clId="{77E15D27-0BB6-4DFC-A2A3-6EB05682AAD4}" dt="2021-05-29T07:10:24.251" v="211" actId="478"/>
-          <ac:spMkLst>
-            <pc:docMk/>
-            <pc:sldMk cId="1106910788" sldId="622"/>
-            <ac:spMk id="13" creationId="{A4044EDB-3DE0-4C76-A3CA-E68356F916C6}"/>
-          </ac:spMkLst>
-        </pc:spChg>
-      </pc:sldChg>
-      <pc:sldChg chg="modSp add modAnim">
-        <pc:chgData name="zhang hua" userId="692e123b3e9a7e92" providerId="LiveId" clId="{77E15D27-0BB6-4DFC-A2A3-6EB05682AAD4}" dt="2021-05-31T14:53:02.070" v="831" actId="207"/>
-        <pc:sldMkLst>
-          <pc:docMk/>
-          <pc:sldMk cId="116602333" sldId="623"/>
-        </pc:sldMkLst>
-        <pc:spChg chg="mod">
-          <ac:chgData name="zhang hua" userId="692e123b3e9a7e92" providerId="LiveId" clId="{77E15D27-0BB6-4DFC-A2A3-6EB05682AAD4}" dt="2021-05-31T14:53:02.070" v="831" actId="207"/>
-          <ac:spMkLst>
-            <pc:docMk/>
-            <pc:sldMk cId="116602333" sldId="623"/>
-            <ac:spMk id="10" creationId="{B2A505DA-C286-4DDA-A934-B1DC8E670B6A}"/>
-          </ac:spMkLst>
-        </pc:spChg>
-      </pc:sldChg>
-      <pc:sldChg chg="addSp delSp modSp add mod modAnim">
-        <pc:chgData name="zhang hua" userId="692e123b3e9a7e92" providerId="LiveId" clId="{77E15D27-0BB6-4DFC-A2A3-6EB05682AAD4}" dt="2021-05-29T07:49:11.279" v="579" actId="207"/>
-        <pc:sldMkLst>
-          <pc:docMk/>
-          <pc:sldMk cId="361577793" sldId="624"/>
-        </pc:sldMkLst>
-        <pc:spChg chg="add del">
-          <ac:chgData name="zhang hua" userId="692e123b3e9a7e92" providerId="LiveId" clId="{77E15D27-0BB6-4DFC-A2A3-6EB05682AAD4}" dt="2021-05-29T07:18:27.009" v="285" actId="22"/>
-          <ac:spMkLst>
-            <pc:docMk/>
-            <pc:sldMk cId="361577793" sldId="624"/>
-            <ac:spMk id="6" creationId="{8D7BA530-B10B-4B99-914C-5CE81CB4A25D}"/>
-          </ac:spMkLst>
-        </pc:spChg>
-        <pc:spChg chg="mod">
-          <ac:chgData name="zhang hua" userId="692e123b3e9a7e92" providerId="LiveId" clId="{77E15D27-0BB6-4DFC-A2A3-6EB05682AAD4}" dt="2021-05-29T07:49:11.279" v="579" actId="207"/>
-          <ac:spMkLst>
-            <pc:docMk/>
-            <pc:sldMk cId="361577793" sldId="624"/>
-            <ac:spMk id="10" creationId="{B2A505DA-C286-4DDA-A934-B1DC8E670B6A}"/>
-          </ac:spMkLst>
-        </pc:spChg>
-      </pc:sldChg>
-      <pc:sldChg chg="modSp add modAnim">
-        <pc:chgData name="zhang hua" userId="692e123b3e9a7e92" providerId="LiveId" clId="{77E15D27-0BB6-4DFC-A2A3-6EB05682AAD4}" dt="2021-06-03T17:02:04.733" v="2743"/>
-        <pc:sldMkLst>
-          <pc:docMk/>
-          <pc:sldMk cId="807724742" sldId="625"/>
-        </pc:sldMkLst>
-        <pc:spChg chg="mod">
-          <ac:chgData name="zhang hua" userId="692e123b3e9a7e92" providerId="LiveId" clId="{77E15D27-0BB6-4DFC-A2A3-6EB05682AAD4}" dt="2021-05-31T14:54:28.999" v="832"/>
-          <ac:spMkLst>
-            <pc:docMk/>
-            <pc:sldMk cId="807724742" sldId="625"/>
-            <ac:spMk id="10" creationId="{B2A505DA-C286-4DDA-A934-B1DC8E670B6A}"/>
-          </ac:spMkLst>
-        </pc:spChg>
-      </pc:sldChg>
-      <pc:sldChg chg="modSp add mod modShow">
-        <pc:chgData name="zhang hua" userId="692e123b3e9a7e92" providerId="LiveId" clId="{77E15D27-0BB6-4DFC-A2A3-6EB05682AAD4}" dt="2021-06-03T17:02:23.738" v="2744" actId="729"/>
-        <pc:sldMkLst>
-          <pc:docMk/>
-          <pc:sldMk cId="850366677" sldId="626"/>
-        </pc:sldMkLst>
-        <pc:spChg chg="mod">
-          <ac:chgData name="zhang hua" userId="692e123b3e9a7e92" providerId="LiveId" clId="{77E15D27-0BB6-4DFC-A2A3-6EB05682AAD4}" dt="2021-05-29T08:09:25.989" v="663" actId="20577"/>
-          <ac:spMkLst>
-            <pc:docMk/>
-            <pc:sldMk cId="850366677" sldId="626"/>
-            <ac:spMk id="10" creationId="{B2A505DA-C286-4DDA-A934-B1DC8E670B6A}"/>
-          </ac:spMkLst>
-        </pc:spChg>
-      </pc:sldChg>
-      <pc:sldChg chg="addSp modSp add mod">
-        <pc:chgData name="zhang hua" userId="692e123b3e9a7e92" providerId="LiveId" clId="{77E15D27-0BB6-4DFC-A2A3-6EB05682AAD4}" dt="2021-05-31T14:56:12.332" v="833" actId="207"/>
-        <pc:sldMkLst>
-          <pc:docMk/>
-          <pc:sldMk cId="3628398660" sldId="627"/>
-        </pc:sldMkLst>
-        <pc:spChg chg="add mod">
-          <ac:chgData name="zhang hua" userId="692e123b3e9a7e92" providerId="LiveId" clId="{77E15D27-0BB6-4DFC-A2A3-6EB05682AAD4}" dt="2021-05-29T09:41:37.754" v="796" actId="20577"/>
-          <ac:spMkLst>
-            <pc:docMk/>
-            <pc:sldMk cId="3628398660" sldId="627"/>
-            <ac:spMk id="5" creationId="{103E7F0D-CBDF-4E22-A4C6-E2F252E03B83}"/>
-          </ac:spMkLst>
-        </pc:spChg>
-        <pc:spChg chg="mod">
-          <ac:chgData name="zhang hua" userId="692e123b3e9a7e92" providerId="LiveId" clId="{77E15D27-0BB6-4DFC-A2A3-6EB05682AAD4}" dt="2021-05-31T14:56:12.332" v="833" actId="207"/>
-          <ac:spMkLst>
-            <pc:docMk/>
-            <pc:sldMk cId="3628398660" sldId="627"/>
-            <ac:spMk id="10" creationId="{B2A505DA-C286-4DDA-A934-B1DC8E670B6A}"/>
-          </ac:spMkLst>
-        </pc:spChg>
-      </pc:sldChg>
-      <pc:sldChg chg="addSp modSp add mod modAnim">
-        <pc:chgData name="zhang hua" userId="692e123b3e9a7e92" providerId="LiveId" clId="{77E15D27-0BB6-4DFC-A2A3-6EB05682AAD4}" dt="2021-06-04T01:17:45.461" v="2894" actId="20577"/>
-        <pc:sldMkLst>
-          <pc:docMk/>
-          <pc:sldMk cId="1411823124" sldId="628"/>
-        </pc:sldMkLst>
-        <pc:spChg chg="mod">
-          <ac:chgData name="zhang hua" userId="692e123b3e9a7e92" providerId="LiveId" clId="{77E15D27-0BB6-4DFC-A2A3-6EB05682AAD4}" dt="2021-06-04T01:17:45.461" v="2894" actId="20577"/>
-          <ac:spMkLst>
-            <pc:docMk/>
-            <pc:sldMk cId="1411823124" sldId="628"/>
-            <ac:spMk id="4" creationId="{6955FB27-435C-472D-ACF9-DC7E16F77E01}"/>
-          </ac:spMkLst>
-        </pc:spChg>
-        <pc:spChg chg="add mod">
-          <ac:chgData name="zhang hua" userId="692e123b3e9a7e92" providerId="LiveId" clId="{77E15D27-0BB6-4DFC-A2A3-6EB05682AAD4}" dt="2021-06-04T00:25:48.615" v="2812"/>
-          <ac:spMkLst>
-            <pc:docMk/>
-            <pc:sldMk cId="1411823124" sldId="628"/>
-            <ac:spMk id="5" creationId="{10DB6818-FCD8-471C-9CC8-B42522848AFB}"/>
-          </ac:spMkLst>
-        </pc:spChg>
-      </pc:sldChg>
-      <pc:sldChg chg="addSp delSp modSp add mod modAnim">
-        <pc:chgData name="zhang hua" userId="692e123b3e9a7e92" providerId="LiveId" clId="{77E15D27-0BB6-4DFC-A2A3-6EB05682AAD4}" dt="2021-06-03T16:36:46.333" v="2735" actId="20577"/>
-        <pc:sldMkLst>
-          <pc:docMk/>
-          <pc:sldMk cId="3110529430" sldId="629"/>
-        </pc:sldMkLst>
-        <pc:spChg chg="mod">
-          <ac:chgData name="zhang hua" userId="692e123b3e9a7e92" providerId="LiveId" clId="{77E15D27-0BB6-4DFC-A2A3-6EB05682AAD4}" dt="2021-06-03T16:36:46.333" v="2735" actId="20577"/>
-          <ac:spMkLst>
-            <pc:docMk/>
-            <pc:sldMk cId="3110529430" sldId="629"/>
-            <ac:spMk id="4" creationId="{6955FB27-435C-472D-ACF9-DC7E16F77E01}"/>
-          </ac:spMkLst>
-        </pc:spChg>
-        <pc:spChg chg="del">
-          <ac:chgData name="zhang hua" userId="692e123b3e9a7e92" providerId="LiveId" clId="{77E15D27-0BB6-4DFC-A2A3-6EB05682AAD4}" dt="2021-06-03T15:51:04.975" v="2348" actId="478"/>
-          <ac:spMkLst>
-            <pc:docMk/>
-            <pc:sldMk cId="3110529430" sldId="629"/>
-            <ac:spMk id="5" creationId="{10DB6818-FCD8-471C-9CC8-B42522848AFB}"/>
-          </ac:spMkLst>
-        </pc:spChg>
-        <pc:spChg chg="add mod">
-          <ac:chgData name="zhang hua" userId="692e123b3e9a7e92" providerId="LiveId" clId="{77E15D27-0BB6-4DFC-A2A3-6EB05682AAD4}" dt="2021-06-03T16:16:04.677" v="2584" actId="20577"/>
-          <ac:spMkLst>
-            <pc:docMk/>
-            <pc:sldMk cId="3110529430" sldId="629"/>
-            <ac:spMk id="6" creationId="{7A22F99A-FD1D-42CE-B705-6DA9CCA0E53E}"/>
-          </ac:spMkLst>
-        </pc:spChg>
-      </pc:sldChg>
-      <pc:sldChg chg="modSp add modAnim">
-        <pc:chgData name="zhang hua" userId="692e123b3e9a7e92" providerId="LiveId" clId="{77E15D27-0BB6-4DFC-A2A3-6EB05682AAD4}" dt="2021-06-04T00:27:23.205" v="2828" actId="20577"/>
-        <pc:sldMkLst>
-          <pc:docMk/>
-          <pc:sldMk cId="1001349609" sldId="630"/>
-        </pc:sldMkLst>
-        <pc:spChg chg="mod">
-          <ac:chgData name="zhang hua" userId="692e123b3e9a7e92" providerId="LiveId" clId="{77E15D27-0BB6-4DFC-A2A3-6EB05682AAD4}" dt="2021-06-04T00:27:23.205" v="2828" actId="20577"/>
-          <ac:spMkLst>
-            <pc:docMk/>
-            <pc:sldMk cId="1001349609" sldId="630"/>
-            <ac:spMk id="4" creationId="{6955FB27-435C-472D-ACF9-DC7E16F77E01}"/>
-          </ac:spMkLst>
-        </pc:spChg>
-        <pc:spChg chg="mod">
-          <ac:chgData name="zhang hua" userId="692e123b3e9a7e92" providerId="LiveId" clId="{77E15D27-0BB6-4DFC-A2A3-6EB05682AAD4}" dt="2021-06-03T16:22:30.864" v="2618" actId="20577"/>
-          <ac:spMkLst>
-            <pc:docMk/>
-            <pc:sldMk cId="1001349609" sldId="630"/>
-            <ac:spMk id="5" creationId="{10DB6818-FCD8-471C-9CC8-B42522848AFB}"/>
-          </ac:spMkLst>
-        </pc:spChg>
-      </pc:sldChg>
-      <pc:sldChg chg="modSp add modAnim">
-        <pc:chgData name="zhang hua" userId="692e123b3e9a7e92" providerId="LiveId" clId="{77E15D27-0BB6-4DFC-A2A3-6EB05682AAD4}" dt="2021-06-03T16:36:39.512" v="2734" actId="20577"/>
-        <pc:sldMkLst>
-          <pc:docMk/>
-          <pc:sldMk cId="26805153" sldId="631"/>
-        </pc:sldMkLst>
-        <pc:spChg chg="mod">
-          <ac:chgData name="zhang hua" userId="692e123b3e9a7e92" providerId="LiveId" clId="{77E15D27-0BB6-4DFC-A2A3-6EB05682AAD4}" dt="2021-06-03T16:36:39.512" v="2734" actId="20577"/>
-          <ac:spMkLst>
-            <pc:docMk/>
-            <pc:sldMk cId="26805153" sldId="631"/>
-            <ac:spMk id="4" creationId="{6955FB27-435C-472D-ACF9-DC7E16F77E01}"/>
-          </ac:spMkLst>
-        </pc:spChg>
-      </pc:sldChg>
-      <pc:sldChg chg="modSp add mod modAnim">
-        <pc:chgData name="zhang hua" userId="692e123b3e9a7e92" providerId="LiveId" clId="{77E15D27-0BB6-4DFC-A2A3-6EB05682AAD4}" dt="2021-06-03T17:07:06.359" v="2786"/>
-        <pc:sldMkLst>
-          <pc:docMk/>
-          <pc:sldMk cId="237733207" sldId="632"/>
-        </pc:sldMkLst>
-        <pc:spChg chg="mod">
-          <ac:chgData name="zhang hua" userId="692e123b3e9a7e92" providerId="LiveId" clId="{77E15D27-0BB6-4DFC-A2A3-6EB05682AAD4}" dt="2021-06-03T17:07:06.359" v="2786"/>
-          <ac:spMkLst>
-            <pc:docMk/>
-            <pc:sldMk cId="237733207" sldId="632"/>
-            <ac:spMk id="4" creationId="{33AE0C3F-0126-4888-9576-4237308DF724}"/>
-          </ac:spMkLst>
-        </pc:spChg>
-        <pc:spChg chg="mod">
-          <ac:chgData name="zhang hua" userId="692e123b3e9a7e92" providerId="LiveId" clId="{77E15D27-0BB6-4DFC-A2A3-6EB05682AAD4}" dt="2021-06-03T17:05:57.208" v="2774" actId="20577"/>
-          <ac:spMkLst>
-            <pc:docMk/>
-            <pc:sldMk cId="237733207" sldId="632"/>
-            <ac:spMk id="5" creationId="{7035B9EF-66B4-4824-8B28-486B447C0D84}"/>
-          </ac:spMkLst>
-        </pc:spChg>
-      </pc:sldChg>
-      <pc:sldChg chg="modSp add modAnim">
-        <pc:chgData name="zhang hua" userId="692e123b3e9a7e92" providerId="LiveId" clId="{77E15D27-0BB6-4DFC-A2A3-6EB05682AAD4}" dt="2021-06-03T17:07:59.632" v="2800" actId="6549"/>
-        <pc:sldMkLst>
-          <pc:docMk/>
-          <pc:sldMk cId="4289403496" sldId="633"/>
-        </pc:sldMkLst>
-        <pc:spChg chg="mod">
-          <ac:chgData name="zhang hua" userId="692e123b3e9a7e92" providerId="LiveId" clId="{77E15D27-0BB6-4DFC-A2A3-6EB05682AAD4}" dt="2021-06-03T17:07:59.632" v="2800" actId="6549"/>
-          <ac:spMkLst>
-            <pc:docMk/>
-            <pc:sldMk cId="4289403496" sldId="633"/>
-            <ac:spMk id="4" creationId="{33AE0C3F-0126-4888-9576-4237308DF724}"/>
-          </ac:spMkLst>
-        </pc:spChg>
-        <pc:spChg chg="mod">
-          <ac:chgData name="zhang hua" userId="692e123b3e9a7e92" providerId="LiveId" clId="{77E15D27-0BB6-4DFC-A2A3-6EB05682AAD4}" dt="2021-06-03T16:31:29.151" v="2670" actId="20577"/>
-          <ac:spMkLst>
-            <pc:docMk/>
-            <pc:sldMk cId="4289403496" sldId="633"/>
-            <ac:spMk id="5" creationId="{7035B9EF-66B4-4824-8B28-486B447C0D84}"/>
-          </ac:spMkLst>
-        </pc:spChg>
-      </pc:sldChg>
-      <pc:sldChg chg="modSp add modAnim">
-        <pc:chgData name="zhang hua" userId="692e123b3e9a7e92" providerId="LiveId" clId="{77E15D27-0BB6-4DFC-A2A3-6EB05682AAD4}" dt="2021-06-03T16:36:51.921" v="2736" actId="20577"/>
-        <pc:sldMkLst>
-          <pc:docMk/>
-          <pc:sldMk cId="2523989912" sldId="634"/>
-        </pc:sldMkLst>
-        <pc:spChg chg="mod">
-          <ac:chgData name="zhang hua" userId="692e123b3e9a7e92" providerId="LiveId" clId="{77E15D27-0BB6-4DFC-A2A3-6EB05682AAD4}" dt="2021-06-03T16:36:51.921" v="2736" actId="20577"/>
-          <ac:spMkLst>
-            <pc:docMk/>
-            <pc:sldMk cId="2523989912" sldId="634"/>
-            <ac:spMk id="4" creationId="{6955FB27-435C-472D-ACF9-DC7E16F77E01}"/>
-          </ac:spMkLst>
-        </pc:spChg>
-        <pc:spChg chg="mod">
-          <ac:chgData name="zhang hua" userId="692e123b3e9a7e92" providerId="LiveId" clId="{77E15D27-0BB6-4DFC-A2A3-6EB05682AAD4}" dt="2021-06-03T16:33:46.163" v="2691" actId="6549"/>
-          <ac:spMkLst>
-            <pc:docMk/>
-            <pc:sldMk cId="2523989912" sldId="634"/>
-            <ac:spMk id="6" creationId="{7A22F99A-FD1D-42CE-B705-6DA9CCA0E53E}"/>
-          </ac:spMkLst>
-        </pc:spChg>
-      </pc:sldChg>
-      <pc:sldChg chg="modSp add modAnim">
-        <pc:chgData name="zhang hua" userId="692e123b3e9a7e92" providerId="LiveId" clId="{77E15D27-0BB6-4DFC-A2A3-6EB05682AAD4}" dt="2021-06-03T16:36:14.246" v="2731" actId="20577"/>
-        <pc:sldMkLst>
-          <pc:docMk/>
-          <pc:sldMk cId="678719431" sldId="635"/>
-        </pc:sldMkLst>
-        <pc:spChg chg="mod">
-          <ac:chgData name="zhang hua" userId="692e123b3e9a7e92" providerId="LiveId" clId="{77E15D27-0BB6-4DFC-A2A3-6EB05682AAD4}" dt="2021-06-03T16:36:14.246" v="2731" actId="20577"/>
-          <ac:spMkLst>
-            <pc:docMk/>
-            <pc:sldMk cId="678719431" sldId="635"/>
-            <ac:spMk id="4" creationId="{6955FB27-435C-472D-ACF9-DC7E16F77E01}"/>
-          </ac:spMkLst>
-        </pc:spChg>
-      </pc:sldChg>
-    </pc:docChg>
-  </pc:docChgLst>
-  <pc:docChgLst>
-    <pc:chgData name="zhang hua" userId="692e123b3e9a7e92" providerId="LiveId" clId="{D9B66C08-7609-4D4B-B9E2-052D8FF3FBA1}"/>
-    <pc:docChg chg="undo custSel addSld delSld modSld">
-      <pc:chgData name="zhang hua" userId="692e123b3e9a7e92" providerId="LiveId" clId="{D9B66C08-7609-4D4B-B9E2-052D8FF3FBA1}" dt="2021-10-28T15:30:27.626" v="270"/>
-      <pc:docMkLst>
-        <pc:docMk/>
-      </pc:docMkLst>
-      <pc:sldChg chg="del">
-        <pc:chgData name="zhang hua" userId="692e123b3e9a7e92" providerId="LiveId" clId="{D9B66C08-7609-4D4B-B9E2-052D8FF3FBA1}" dt="2021-10-28T15:00:15.773" v="0" actId="47"/>
-        <pc:sldMkLst>
-          <pc:docMk/>
-          <pc:sldMk cId="3707575789" sldId="464"/>
-        </pc:sldMkLst>
-      </pc:sldChg>
-      <pc:sldChg chg="del">
-        <pc:chgData name="zhang hua" userId="692e123b3e9a7e92" providerId="LiveId" clId="{D9B66C08-7609-4D4B-B9E2-052D8FF3FBA1}" dt="2021-10-28T15:00:16.232" v="1" actId="47"/>
-        <pc:sldMkLst>
-          <pc:docMk/>
-          <pc:sldMk cId="3978341358" sldId="539"/>
-        </pc:sldMkLst>
-      </pc:sldChg>
-      <pc:sldChg chg="del">
-        <pc:chgData name="zhang hua" userId="692e123b3e9a7e92" providerId="LiveId" clId="{D9B66C08-7609-4D4B-B9E2-052D8FF3FBA1}" dt="2021-10-28T15:00:16.942" v="2" actId="47"/>
-        <pc:sldMkLst>
-          <pc:docMk/>
-          <pc:sldMk cId="3283854528" sldId="596"/>
-        </pc:sldMkLst>
-      </pc:sldChg>
-      <pc:sldChg chg="addSp delSp modSp add del mod modTransition">
-        <pc:chgData name="zhang hua" userId="692e123b3e9a7e92" providerId="LiveId" clId="{D9B66C08-7609-4D4B-B9E2-052D8FF3FBA1}" dt="2021-10-28T15:02:09.392" v="54" actId="14100"/>
-        <pc:sldMkLst>
-          <pc:docMk/>
-          <pc:sldMk cId="2177102389" sldId="600"/>
-        </pc:sldMkLst>
-        <pc:picChg chg="del">
-          <ac:chgData name="zhang hua" userId="692e123b3e9a7e92" providerId="LiveId" clId="{D9B66C08-7609-4D4B-B9E2-052D8FF3FBA1}" dt="2021-10-28T15:00:31.085" v="26" actId="478"/>
-          <ac:picMkLst>
-            <pc:docMk/>
-            <pc:sldMk cId="2177102389" sldId="600"/>
-            <ac:picMk id="4" creationId="{5D61566E-2589-470F-9268-80D97DEFEA12}"/>
-          </ac:picMkLst>
-        </pc:picChg>
-        <pc:picChg chg="add mod">
-          <ac:chgData name="zhang hua" userId="692e123b3e9a7e92" providerId="LiveId" clId="{D9B66C08-7609-4D4B-B9E2-052D8FF3FBA1}" dt="2021-10-28T15:01:51.005" v="51" actId="14100"/>
-          <ac:picMkLst>
-            <pc:docMk/>
-            <pc:sldMk cId="2177102389" sldId="600"/>
-            <ac:picMk id="5" creationId="{232C890D-BBCB-4AAD-B8A4-E5069F7713C3}"/>
-          </ac:picMkLst>
-        </pc:picChg>
-        <pc:picChg chg="add mod">
-          <ac:chgData name="zhang hua" userId="692e123b3e9a7e92" providerId="LiveId" clId="{D9B66C08-7609-4D4B-B9E2-052D8FF3FBA1}" dt="2021-10-28T15:02:09.392" v="54" actId="14100"/>
-          <ac:picMkLst>
-            <pc:docMk/>
-            <pc:sldMk cId="2177102389" sldId="600"/>
-            <ac:picMk id="7" creationId="{7B823A4C-4310-4DC6-990E-41A3FADC3153}"/>
-          </ac:picMkLst>
-        </pc:picChg>
-      </pc:sldChg>
-      <pc:sldChg chg="addSp delSp modSp add mod modTransition">
-        <pc:chgData name="zhang hua" userId="692e123b3e9a7e92" providerId="LiveId" clId="{D9B66C08-7609-4D4B-B9E2-052D8FF3FBA1}" dt="2021-10-28T15:20:50.821" v="221"/>
-        <pc:sldMkLst>
-          <pc:docMk/>
-          <pc:sldMk cId="3202909132" sldId="601"/>
-        </pc:sldMkLst>
-        <pc:picChg chg="add mod">
-          <ac:chgData name="zhang hua" userId="692e123b3e9a7e92" providerId="LiveId" clId="{D9B66C08-7609-4D4B-B9E2-052D8FF3FBA1}" dt="2021-10-28T15:02:35.028" v="59" actId="14100"/>
-          <ac:picMkLst>
-            <pc:docMk/>
-            <pc:sldMk cId="3202909132" sldId="601"/>
-            <ac:picMk id="4" creationId="{BE897608-2DFD-45B3-B974-63034AC5891D}"/>
-          </ac:picMkLst>
-        </pc:picChg>
-        <pc:picChg chg="add del mod">
-          <ac:chgData name="zhang hua" userId="692e123b3e9a7e92" providerId="LiveId" clId="{D9B66C08-7609-4D4B-B9E2-052D8FF3FBA1}" dt="2021-10-28T15:20:49.278" v="219" actId="21"/>
-          <ac:picMkLst>
-            <pc:docMk/>
-            <pc:sldMk cId="3202909132" sldId="601"/>
-            <ac:picMk id="6" creationId="{CC6DD2AD-649E-4F16-AC81-4774EA4D0EE5}"/>
-          </ac:picMkLst>
-        </pc:picChg>
-      </pc:sldChg>
-      <pc:sldChg chg="addSp modSp add mod modTransition">
-        <pc:chgData name="zhang hua" userId="692e123b3e9a7e92" providerId="LiveId" clId="{D9B66C08-7609-4D4B-B9E2-052D8FF3FBA1}" dt="2021-10-28T15:23:00.379" v="232"/>
-        <pc:sldMkLst>
-          <pc:docMk/>
-          <pc:sldMk cId="2671076134" sldId="602"/>
-        </pc:sldMkLst>
-        <pc:picChg chg="add mod">
-          <ac:chgData name="zhang hua" userId="692e123b3e9a7e92" providerId="LiveId" clId="{D9B66C08-7609-4D4B-B9E2-052D8FF3FBA1}" dt="2021-10-28T15:03:59.094" v="71" actId="14100"/>
-          <ac:picMkLst>
-            <pc:docMk/>
-            <pc:sldMk cId="2671076134" sldId="602"/>
-            <ac:picMk id="4" creationId="{498681F2-20F1-473A-9101-F978B3B6A424}"/>
-          </ac:picMkLst>
-        </pc:picChg>
-        <pc:picChg chg="add mod">
-          <ac:chgData name="zhang hua" userId="692e123b3e9a7e92" providerId="LiveId" clId="{D9B66C08-7609-4D4B-B9E2-052D8FF3FBA1}" dt="2021-10-28T15:04:19.741" v="74" actId="14100"/>
-          <ac:picMkLst>
-            <pc:docMk/>
-            <pc:sldMk cId="2671076134" sldId="602"/>
-            <ac:picMk id="6" creationId="{CE68421E-BC5B-4EE0-BA3B-F946E64D1688}"/>
-          </ac:picMkLst>
-        </pc:picChg>
-      </pc:sldChg>
-      <pc:sldChg chg="addSp modSp add mod modTransition">
-        <pc:chgData name="zhang hua" userId="692e123b3e9a7e92" providerId="LiveId" clId="{D9B66C08-7609-4D4B-B9E2-052D8FF3FBA1}" dt="2021-10-28T15:23:37.001" v="236"/>
-        <pc:sldMkLst>
-          <pc:docMk/>
-          <pc:sldMk cId="3988354388" sldId="603"/>
-        </pc:sldMkLst>
-        <pc:picChg chg="add mod">
-          <ac:chgData name="zhang hua" userId="692e123b3e9a7e92" providerId="LiveId" clId="{D9B66C08-7609-4D4B-B9E2-052D8FF3FBA1}" dt="2021-10-28T15:04:40.866" v="82" actId="14100"/>
-          <ac:picMkLst>
-            <pc:docMk/>
-            <pc:sldMk cId="3988354388" sldId="603"/>
-            <ac:picMk id="4" creationId="{C3138DF0-1A02-4F67-AE37-BC7C9F3C0976}"/>
-          </ac:picMkLst>
-        </pc:picChg>
-        <pc:picChg chg="add mod">
-          <ac:chgData name="zhang hua" userId="692e123b3e9a7e92" providerId="LiveId" clId="{D9B66C08-7609-4D4B-B9E2-052D8FF3FBA1}" dt="2021-10-28T15:05:11.744" v="94" actId="1036"/>
-          <ac:picMkLst>
-            <pc:docMk/>
-            <pc:sldMk cId="3988354388" sldId="603"/>
-            <ac:picMk id="6" creationId="{0BA67F57-60BF-46D5-9A64-C11BCC12A01A}"/>
-          </ac:picMkLst>
-        </pc:picChg>
-      </pc:sldChg>
-      <pc:sldChg chg="addSp modSp add mod modTransition">
-        <pc:chgData name="zhang hua" userId="692e123b3e9a7e92" providerId="LiveId" clId="{D9B66C08-7609-4D4B-B9E2-052D8FF3FBA1}" dt="2021-10-28T15:23:54.229" v="248"/>
-        <pc:sldMkLst>
-          <pc:docMk/>
-          <pc:sldMk cId="2602930772" sldId="604"/>
-        </pc:sldMkLst>
-        <pc:picChg chg="add mod">
-          <ac:chgData name="zhang hua" userId="692e123b3e9a7e92" providerId="LiveId" clId="{D9B66C08-7609-4D4B-B9E2-052D8FF3FBA1}" dt="2021-10-28T15:05:30.635" v="101" actId="14100"/>
-          <ac:picMkLst>
-            <pc:docMk/>
-            <pc:sldMk cId="2602930772" sldId="604"/>
-            <ac:picMk id="4" creationId="{F7ADBABE-A6B9-4A4C-994A-77F9B234F14C}"/>
-          </ac:picMkLst>
-        </pc:picChg>
-        <pc:picChg chg="add mod">
-          <ac:chgData name="zhang hua" userId="692e123b3e9a7e92" providerId="LiveId" clId="{D9B66C08-7609-4D4B-B9E2-052D8FF3FBA1}" dt="2021-10-28T15:05:48.848" v="112" actId="14100"/>
-          <ac:picMkLst>
-            <pc:docMk/>
-            <pc:sldMk cId="2602930772" sldId="604"/>
-            <ac:picMk id="6" creationId="{5F74A90E-A462-46FE-AC27-DFF67808AEAA}"/>
-          </ac:picMkLst>
-        </pc:picChg>
-      </pc:sldChg>
-      <pc:sldChg chg="addSp modSp add mod modTransition">
-        <pc:chgData name="zhang hua" userId="692e123b3e9a7e92" providerId="LiveId" clId="{D9B66C08-7609-4D4B-B9E2-052D8FF3FBA1}" dt="2021-10-28T15:26:07.782" v="252"/>
-        <pc:sldMkLst>
-          <pc:docMk/>
-          <pc:sldMk cId="2239448993" sldId="605"/>
-        </pc:sldMkLst>
-        <pc:picChg chg="add mod">
-          <ac:chgData name="zhang hua" userId="692e123b3e9a7e92" providerId="LiveId" clId="{D9B66C08-7609-4D4B-B9E2-052D8FF3FBA1}" dt="2021-10-28T15:06:08.143" v="120" actId="14100"/>
-          <ac:picMkLst>
-            <pc:docMk/>
-            <pc:sldMk cId="2239448993" sldId="605"/>
-            <ac:picMk id="4" creationId="{0EBD8B58-6B81-4D4E-8236-3A01B0DDBCB9}"/>
-          </ac:picMkLst>
-        </pc:picChg>
-        <pc:picChg chg="add mod">
-          <ac:chgData name="zhang hua" userId="692e123b3e9a7e92" providerId="LiveId" clId="{D9B66C08-7609-4D4B-B9E2-052D8FF3FBA1}" dt="2021-10-28T15:06:52.748" v="130" actId="1076"/>
-          <ac:picMkLst>
-            <pc:docMk/>
-            <pc:sldMk cId="2239448993" sldId="605"/>
-            <ac:picMk id="6" creationId="{6C5FC585-2515-489C-8FD4-1139CE7F6AF6}"/>
-          </ac:picMkLst>
-        </pc:picChg>
-        <pc:picChg chg="add mod">
-          <ac:chgData name="zhang hua" userId="692e123b3e9a7e92" providerId="LiveId" clId="{D9B66C08-7609-4D4B-B9E2-052D8FF3FBA1}" dt="2021-10-28T15:06:42.188" v="126" actId="14100"/>
-          <ac:picMkLst>
-            <pc:docMk/>
-            <pc:sldMk cId="2239448993" sldId="605"/>
-            <ac:picMk id="8" creationId="{2BB21B69-C513-4141-A0D7-92ECEF4074C9}"/>
-          </ac:picMkLst>
-        </pc:picChg>
-      </pc:sldChg>
-      <pc:sldChg chg="addSp modSp add mod modTransition">
-        <pc:chgData name="zhang hua" userId="692e123b3e9a7e92" providerId="LiveId" clId="{D9B66C08-7609-4D4B-B9E2-052D8FF3FBA1}" dt="2021-10-28T15:26:48.278" v="256"/>
-        <pc:sldMkLst>
-          <pc:docMk/>
-          <pc:sldMk cId="3980338196" sldId="606"/>
-        </pc:sldMkLst>
-        <pc:picChg chg="add mod">
-          <ac:chgData name="zhang hua" userId="692e123b3e9a7e92" providerId="LiveId" clId="{D9B66C08-7609-4D4B-B9E2-052D8FF3FBA1}" dt="2021-10-28T15:07:09.613" v="137" actId="14100"/>
-          <ac:picMkLst>
-            <pc:docMk/>
-            <pc:sldMk cId="3980338196" sldId="606"/>
-            <ac:picMk id="4" creationId="{F64B2FED-6AE5-4DC3-87EC-A42BC7D3D84D}"/>
-          </ac:picMkLst>
-        </pc:picChg>
-        <pc:picChg chg="add mod">
-          <ac:chgData name="zhang hua" userId="692e123b3e9a7e92" providerId="LiveId" clId="{D9B66C08-7609-4D4B-B9E2-052D8FF3FBA1}" dt="2021-10-28T15:07:30.184" v="142" actId="14100"/>
-          <ac:picMkLst>
-            <pc:docMk/>
-            <pc:sldMk cId="3980338196" sldId="606"/>
-            <ac:picMk id="6" creationId="{E6CB50CB-1402-4426-9D8F-837D388FE440}"/>
-          </ac:picMkLst>
-        </pc:picChg>
-      </pc:sldChg>
-      <pc:sldChg chg="addSp modSp add mod modTransition">
-        <pc:chgData name="zhang hua" userId="692e123b3e9a7e92" providerId="LiveId" clId="{D9B66C08-7609-4D4B-B9E2-052D8FF3FBA1}" dt="2021-10-28T15:27:07.481" v="260"/>
-        <pc:sldMkLst>
-          <pc:docMk/>
-          <pc:sldMk cId="2231970788" sldId="607"/>
-        </pc:sldMkLst>
-        <pc:picChg chg="add mod">
-          <ac:chgData name="zhang hua" userId="692e123b3e9a7e92" providerId="LiveId" clId="{D9B66C08-7609-4D4B-B9E2-052D8FF3FBA1}" dt="2021-10-28T15:08:02.731" v="152" actId="14100"/>
-          <ac:picMkLst>
-            <pc:docMk/>
-            <pc:sldMk cId="2231970788" sldId="607"/>
-            <ac:picMk id="4" creationId="{AFACB90E-98AB-499F-B6ED-467002F76F8C}"/>
-          </ac:picMkLst>
-        </pc:picChg>
-        <pc:picChg chg="add mod">
-          <ac:chgData name="zhang hua" userId="692e123b3e9a7e92" providerId="LiveId" clId="{D9B66C08-7609-4D4B-B9E2-052D8FF3FBA1}" dt="2021-10-28T15:08:22.187" v="155" actId="14100"/>
-          <ac:picMkLst>
-            <pc:docMk/>
-            <pc:sldMk cId="2231970788" sldId="607"/>
-            <ac:picMk id="6" creationId="{1F81FBE6-54A3-4E60-BC74-63DEF6AFA658}"/>
-          </ac:picMkLst>
-        </pc:picChg>
-      </pc:sldChg>
-      <pc:sldChg chg="addSp modSp add mod modTransition">
-        <pc:chgData name="zhang hua" userId="692e123b3e9a7e92" providerId="LiveId" clId="{D9B66C08-7609-4D4B-B9E2-052D8FF3FBA1}" dt="2021-10-28T15:30:06.429" v="264"/>
-        <pc:sldMkLst>
-          <pc:docMk/>
-          <pc:sldMk cId="867763444" sldId="608"/>
-        </pc:sldMkLst>
-        <pc:picChg chg="add mod">
-          <ac:chgData name="zhang hua" userId="692e123b3e9a7e92" providerId="LiveId" clId="{D9B66C08-7609-4D4B-B9E2-052D8FF3FBA1}" dt="2021-10-28T15:08:44.222" v="164" actId="14100"/>
-          <ac:picMkLst>
-            <pc:docMk/>
-            <pc:sldMk cId="867763444" sldId="608"/>
-            <ac:picMk id="4" creationId="{2712BCE4-82BD-468C-B373-81DB0BCC2D9C}"/>
-          </ac:picMkLst>
-        </pc:picChg>
-      </pc:sldChg>
-      <pc:sldChg chg="addSp modSp add mod modTransition">
-        <pc:chgData name="zhang hua" userId="692e123b3e9a7e92" providerId="LiveId" clId="{D9B66C08-7609-4D4B-B9E2-052D8FF3FBA1}" dt="2021-10-28T15:30:27.625" v="268"/>
-        <pc:sldMkLst>
-          <pc:docMk/>
-          <pc:sldMk cId="1372430918" sldId="609"/>
-        </pc:sldMkLst>
-        <pc:picChg chg="add mod">
-          <ac:chgData name="zhang hua" userId="692e123b3e9a7e92" providerId="LiveId" clId="{D9B66C08-7609-4D4B-B9E2-052D8FF3FBA1}" dt="2021-10-28T15:09:01.171" v="171" actId="14100"/>
-          <ac:picMkLst>
-            <pc:docMk/>
-            <pc:sldMk cId="1372430918" sldId="609"/>
-            <ac:picMk id="4" creationId="{44F94118-E8D7-47CE-A161-99F3948B39C2}"/>
-          </ac:picMkLst>
-        </pc:picChg>
-      </pc:sldChg>
-      <pc:sldChg chg="addSp delSp modSp add mod modTransition">
-        <pc:chgData name="zhang hua" userId="692e123b3e9a7e92" providerId="LiveId" clId="{D9B66C08-7609-4D4B-B9E2-052D8FF3FBA1}" dt="2021-10-28T15:30:27.626" v="270"/>
-        <pc:sldMkLst>
-          <pc:docMk/>
-          <pc:sldMk cId="996605378" sldId="610"/>
-        </pc:sldMkLst>
-        <pc:picChg chg="add del mod">
-          <ac:chgData name="zhang hua" userId="692e123b3e9a7e92" providerId="LiveId" clId="{D9B66C08-7609-4D4B-B9E2-052D8FF3FBA1}" dt="2021-10-28T15:09:21.980" v="178" actId="478"/>
-          <ac:picMkLst>
-            <pc:docMk/>
-            <pc:sldMk cId="996605378" sldId="610"/>
-            <ac:picMk id="4" creationId="{69A0864B-67E4-48A3-8E7D-3B0D82EDDF17}"/>
-          </ac:picMkLst>
-        </pc:picChg>
-        <pc:picChg chg="add mod">
-          <ac:chgData name="zhang hua" userId="692e123b3e9a7e92" providerId="LiveId" clId="{D9B66C08-7609-4D4B-B9E2-052D8FF3FBA1}" dt="2021-10-28T15:09:49.214" v="182" actId="14100"/>
-          <ac:picMkLst>
-            <pc:docMk/>
-            <pc:sldMk cId="996605378" sldId="610"/>
-            <ac:picMk id="6" creationId="{1AFAD7BD-5F16-47EA-B272-818F5D1F4919}"/>
-          </ac:picMkLst>
-        </pc:picChg>
-      </pc:sldChg>
-      <pc:sldChg chg="addSp modSp add mod modTransition">
-        <pc:chgData name="zhang hua" userId="692e123b3e9a7e92" providerId="LiveId" clId="{D9B66C08-7609-4D4B-B9E2-052D8FF3FBA1}" dt="2021-10-28T15:20:18.188" v="201"/>
-        <pc:sldMkLst>
-          <pc:docMk/>
-          <pc:sldMk cId="1509737855" sldId="611"/>
-        </pc:sldMkLst>
-        <pc:picChg chg="add mod">
-          <ac:chgData name="zhang hua" userId="692e123b3e9a7e92" providerId="LiveId" clId="{D9B66C08-7609-4D4B-B9E2-052D8FF3FBA1}" dt="2021-10-28T15:20:14.059" v="199" actId="1035"/>
-          <ac:picMkLst>
-            <pc:docMk/>
-            <pc:sldMk cId="1509737855" sldId="611"/>
-            <ac:picMk id="4" creationId="{9F745EB5-D4B8-4EE7-9C86-278A89DB9317}"/>
-          </ac:picMkLst>
-        </pc:picChg>
-      </pc:sldChg>
-      <pc:sldChg chg="add">
-        <pc:chgData name="zhang hua" userId="692e123b3e9a7e92" providerId="LiveId" clId="{D9B66C08-7609-4D4B-B9E2-052D8FF3FBA1}" dt="2021-10-28T15:00:37.556" v="38"/>
-        <pc:sldMkLst>
-          <pc:docMk/>
-          <pc:sldMk cId="2610388346" sldId="612"/>
-        </pc:sldMkLst>
-      </pc:sldChg>
-      <pc:sldChg chg="add">
-        <pc:chgData name="zhang hua" userId="692e123b3e9a7e92" providerId="LiveId" clId="{D9B66C08-7609-4D4B-B9E2-052D8FF3FBA1}" dt="2021-10-28T15:00:37.751" v="39"/>
-        <pc:sldMkLst>
-          <pc:docMk/>
-          <pc:sldMk cId="2807655177" sldId="613"/>
-        </pc:sldMkLst>
-      </pc:sldChg>
-      <pc:sldChg chg="del">
-        <pc:chgData name="zhang hua" userId="692e123b3e9a7e92" providerId="LiveId" clId="{D9B66C08-7609-4D4B-B9E2-052D8FF3FBA1}" dt="2021-10-28T15:00:23.385" v="15" actId="47"/>
-        <pc:sldMkLst>
-          <pc:docMk/>
-          <pc:sldMk cId="479595479" sldId="614"/>
-        </pc:sldMkLst>
-      </pc:sldChg>
-      <pc:sldChg chg="add">
-        <pc:chgData name="zhang hua" userId="692e123b3e9a7e92" providerId="LiveId" clId="{D9B66C08-7609-4D4B-B9E2-052D8FF3FBA1}" dt="2021-10-28T15:00:37.945" v="40"/>
-        <pc:sldMkLst>
-          <pc:docMk/>
-          <pc:sldMk cId="968480306" sldId="614"/>
-        </pc:sldMkLst>
-      </pc:sldChg>
-      <pc:sldChg chg="add">
-        <pc:chgData name="zhang hua" userId="692e123b3e9a7e92" providerId="LiveId" clId="{D9B66C08-7609-4D4B-B9E2-052D8FF3FBA1}" dt="2021-10-28T15:00:38.143" v="41"/>
-        <pc:sldMkLst>
-          <pc:docMk/>
-          <pc:sldMk cId="1295687018" sldId="615"/>
-        </pc:sldMkLst>
-      </pc:sldChg>
-      <pc:sldChg chg="add modTransition">
-        <pc:chgData name="zhang hua" userId="692e123b3e9a7e92" providerId="LiveId" clId="{D9B66C08-7609-4D4B-B9E2-052D8FF3FBA1}" dt="2021-10-28T15:01:40.166" v="48"/>
-        <pc:sldMkLst>
-          <pc:docMk/>
-          <pc:sldMk cId="138991699" sldId="616"/>
-        </pc:sldMkLst>
-      </pc:sldChg>
-      <pc:sldChg chg="del">
-        <pc:chgData name="zhang hua" userId="692e123b3e9a7e92" providerId="LiveId" clId="{D9B66C08-7609-4D4B-B9E2-052D8FF3FBA1}" dt="2021-10-28T15:00:24.851" v="18" actId="47"/>
-        <pc:sldMkLst>
-          <pc:docMk/>
-          <pc:sldMk cId="287288892" sldId="616"/>
-        </pc:sldMkLst>
-      </pc:sldChg>
-      <pc:sldChg chg="del">
-        <pc:chgData name="zhang hua" userId="692e123b3e9a7e92" providerId="LiveId" clId="{D9B66C08-7609-4D4B-B9E2-052D8FF3FBA1}" dt="2021-10-28T15:00:24.973" v="19" actId="47"/>
-        <pc:sldMkLst>
-          <pc:docMk/>
-          <pc:sldMk cId="1084548999" sldId="617"/>
-        </pc:sldMkLst>
-      </pc:sldChg>
-      <pc:sldChg chg="addSp delSp modSp new mod modTransition">
-        <pc:chgData name="zhang hua" userId="692e123b3e9a7e92" providerId="LiveId" clId="{D9B66C08-7609-4D4B-B9E2-052D8FF3FBA1}" dt="2021-10-28T15:20:57.888" v="228"/>
-        <pc:sldMkLst>
-          <pc:docMk/>
-          <pc:sldMk cId="4035995922" sldId="617"/>
-        </pc:sldMkLst>
-        <pc:spChg chg="del">
-          <ac:chgData name="zhang hua" userId="692e123b3e9a7e92" providerId="LiveId" clId="{D9B66C08-7609-4D4B-B9E2-052D8FF3FBA1}" dt="2021-10-28T15:20:44.406" v="213" actId="478"/>
-          <ac:spMkLst>
-            <pc:docMk/>
-            <pc:sldMk cId="4035995922" sldId="617"/>
-            <ac:spMk id="2" creationId="{E0F5356F-AA10-4EB7-9AA9-353DF456DB47}"/>
-          </ac:spMkLst>
-        </pc:spChg>
-        <pc:spChg chg="del">
-          <ac:chgData name="zhang hua" userId="692e123b3e9a7e92" providerId="LiveId" clId="{D9B66C08-7609-4D4B-B9E2-052D8FF3FBA1}" dt="2021-10-28T15:20:45.900" v="214" actId="478"/>
-          <ac:spMkLst>
-            <pc:docMk/>
-            <pc:sldMk cId="4035995922" sldId="617"/>
-            <ac:spMk id="3" creationId="{6FB473E7-E2B7-4E3C-8D0E-E10D765A350D}"/>
-          </ac:spMkLst>
-        </pc:spChg>
-        <pc:picChg chg="add mod">
-          <ac:chgData name="zhang hua" userId="692e123b3e9a7e92" providerId="LiveId" clId="{D9B66C08-7609-4D4B-B9E2-052D8FF3FBA1}" dt="2021-10-28T15:20:55.261" v="226" actId="1076"/>
-          <ac:picMkLst>
-            <pc:docMk/>
-            <pc:sldMk cId="4035995922" sldId="617"/>
-            <ac:picMk id="4" creationId="{42ADBE70-A273-4FCF-8FAB-5252A8BCDE5D}"/>
-          </ac:picMkLst>
-        </pc:picChg>
-      </pc:sldChg>
-      <pc:sldChg chg="del">
-        <pc:chgData name="zhang hua" userId="692e123b3e9a7e92" providerId="LiveId" clId="{D9B66C08-7609-4D4B-B9E2-052D8FF3FBA1}" dt="2021-10-28T15:00:25.147" v="20" actId="47"/>
-        <pc:sldMkLst>
-          <pc:docMk/>
-          <pc:sldMk cId="2651034160" sldId="618"/>
-        </pc:sldMkLst>
-      </pc:sldChg>
-      <pc:sldChg chg="del">
-        <pc:chgData name="zhang hua" userId="692e123b3e9a7e92" providerId="LiveId" clId="{D9B66C08-7609-4D4B-B9E2-052D8FF3FBA1}" dt="2021-10-28T15:00:17.006" v="3" actId="47"/>
-        <pc:sldMkLst>
-          <pc:docMk/>
-          <pc:sldMk cId="1106910788" sldId="622"/>
-        </pc:sldMkLst>
-      </pc:sldChg>
-      <pc:sldChg chg="del">
-        <pc:chgData name="zhang hua" userId="692e123b3e9a7e92" providerId="LiveId" clId="{D9B66C08-7609-4D4B-B9E2-052D8FF3FBA1}" dt="2021-10-28T15:00:17.559" v="4" actId="47"/>
-        <pc:sldMkLst>
-          <pc:docMk/>
-          <pc:sldMk cId="116602333" sldId="623"/>
-        </pc:sldMkLst>
-      </pc:sldChg>
-      <pc:sldChg chg="del">
-        <pc:chgData name="zhang hua" userId="692e123b3e9a7e92" providerId="LiveId" clId="{D9B66C08-7609-4D4B-B9E2-052D8FF3FBA1}" dt="2021-10-28T15:00:17.971" v="5" actId="47"/>
-        <pc:sldMkLst>
-          <pc:docMk/>
-          <pc:sldMk cId="361577793" sldId="624"/>
-        </pc:sldMkLst>
-      </pc:sldChg>
-      <pc:sldChg chg="del">
-        <pc:chgData name="zhang hua" userId="692e123b3e9a7e92" providerId="LiveId" clId="{D9B66C08-7609-4D4B-B9E2-052D8FF3FBA1}" dt="2021-10-28T15:00:18.204" v="6" actId="47"/>
-        <pc:sldMkLst>
-          <pc:docMk/>
-          <pc:sldMk cId="807724742" sldId="625"/>
-        </pc:sldMkLst>
-      </pc:sldChg>
-      <pc:sldChg chg="del">
-        <pc:chgData name="zhang hua" userId="692e123b3e9a7e92" providerId="LiveId" clId="{D9B66C08-7609-4D4B-B9E2-052D8FF3FBA1}" dt="2021-10-28T15:00:19.416" v="10" actId="47"/>
-        <pc:sldMkLst>
-          <pc:docMk/>
-          <pc:sldMk cId="3628398660" sldId="627"/>
-        </pc:sldMkLst>
-      </pc:sldChg>
-      <pc:sldChg chg="del">
-        <pc:chgData name="zhang hua" userId="692e123b3e9a7e92" providerId="LiveId" clId="{D9B66C08-7609-4D4B-B9E2-052D8FF3FBA1}" dt="2021-10-28T15:00:20.300" v="11" actId="47"/>
-        <pc:sldMkLst>
-          <pc:docMk/>
-          <pc:sldMk cId="1411823124" sldId="628"/>
-        </pc:sldMkLst>
-      </pc:sldChg>
-      <pc:sldChg chg="del">
-        <pc:chgData name="zhang hua" userId="692e123b3e9a7e92" providerId="LiveId" clId="{D9B66C08-7609-4D4B-B9E2-052D8FF3FBA1}" dt="2021-10-28T15:00:21.893" v="13" actId="47"/>
-        <pc:sldMkLst>
-          <pc:docMk/>
-          <pc:sldMk cId="3110529430" sldId="629"/>
-        </pc:sldMkLst>
-      </pc:sldChg>
-      <pc:sldChg chg="del">
-        <pc:chgData name="zhang hua" userId="692e123b3e9a7e92" providerId="LiveId" clId="{D9B66C08-7609-4D4B-B9E2-052D8FF3FBA1}" dt="2021-10-28T15:00:21.201" v="12" actId="47"/>
-        <pc:sldMkLst>
-          <pc:docMk/>
-          <pc:sldMk cId="1001349609" sldId="630"/>
-        </pc:sldMkLst>
-      </pc:sldChg>
-      <pc:sldChg chg="del">
-        <pc:chgData name="zhang hua" userId="692e123b3e9a7e92" providerId="LiveId" clId="{D9B66C08-7609-4D4B-B9E2-052D8FF3FBA1}" dt="2021-10-28T15:00:24.140" v="16" actId="47"/>
-        <pc:sldMkLst>
-          <pc:docMk/>
-          <pc:sldMk cId="237733207" sldId="632"/>
-        </pc:sldMkLst>
-      </pc:sldChg>
-      <pc:sldChg chg="del">
-        <pc:chgData name="zhang hua" userId="692e123b3e9a7e92" providerId="LiveId" clId="{D9B66C08-7609-4D4B-B9E2-052D8FF3FBA1}" dt="2021-10-28T15:00:22.717" v="14" actId="47"/>
-        <pc:sldMkLst>
-          <pc:docMk/>
-          <pc:sldMk cId="2523989912" sldId="634"/>
-        </pc:sldMkLst>
-      </pc:sldChg>
-      <pc:sldChg chg="del">
-        <pc:chgData name="zhang hua" userId="692e123b3e9a7e92" providerId="LiveId" clId="{D9B66C08-7609-4D4B-B9E2-052D8FF3FBA1}" dt="2021-10-28T15:00:18.367" v="7" actId="47"/>
-        <pc:sldMkLst>
-          <pc:docMk/>
-          <pc:sldMk cId="3955880690" sldId="636"/>
-        </pc:sldMkLst>
-      </pc:sldChg>
-      <pc:sldChg chg="del">
-        <pc:chgData name="zhang hua" userId="692e123b3e9a7e92" providerId="LiveId" clId="{D9B66C08-7609-4D4B-B9E2-052D8FF3FBA1}" dt="2021-10-28T15:00:18.557" v="8" actId="47"/>
-        <pc:sldMkLst>
-          <pc:docMk/>
-          <pc:sldMk cId="1442741240" sldId="637"/>
-        </pc:sldMkLst>
-      </pc:sldChg>
-      <pc:sldChg chg="del">
-        <pc:chgData name="zhang hua" userId="692e123b3e9a7e92" providerId="LiveId" clId="{D9B66C08-7609-4D4B-B9E2-052D8FF3FBA1}" dt="2021-10-28T15:00:18.851" v="9" actId="47"/>
-        <pc:sldMkLst>
-          <pc:docMk/>
-          <pc:sldMk cId="2570470883" sldId="638"/>
-        </pc:sldMkLst>
-      </pc:sldChg>
-      <pc:sldChg chg="del">
-        <pc:chgData name="zhang hua" userId="692e123b3e9a7e92" providerId="LiveId" clId="{D9B66C08-7609-4D4B-B9E2-052D8FF3FBA1}" dt="2021-10-28T15:00:25.528" v="21" actId="47"/>
-        <pc:sldMkLst>
-          <pc:docMk/>
-          <pc:sldMk cId="711597523" sldId="639"/>
-        </pc:sldMkLst>
-      </pc:sldChg>
-      <pc:sldChg chg="del">
-        <pc:chgData name="zhang hua" userId="692e123b3e9a7e92" providerId="LiveId" clId="{D9B66C08-7609-4D4B-B9E2-052D8FF3FBA1}" dt="2021-10-28T15:00:25.888" v="22" actId="47"/>
-        <pc:sldMkLst>
-          <pc:docMk/>
-          <pc:sldMk cId="3036265426" sldId="640"/>
-        </pc:sldMkLst>
-      </pc:sldChg>
-      <pc:sldChg chg="del">
-        <pc:chgData name="zhang hua" userId="692e123b3e9a7e92" providerId="LiveId" clId="{D9B66C08-7609-4D4B-B9E2-052D8FF3FBA1}" dt="2021-10-28T15:00:25.954" v="23" actId="47"/>
-        <pc:sldMkLst>
-          <pc:docMk/>
-          <pc:sldMk cId="2704386023" sldId="641"/>
-        </pc:sldMkLst>
-      </pc:sldChg>
-      <pc:sldChg chg="del">
-        <pc:chgData name="zhang hua" userId="692e123b3e9a7e92" providerId="LiveId" clId="{D9B66C08-7609-4D4B-B9E2-052D8FF3FBA1}" dt="2021-10-28T15:00:24.604" v="17" actId="47"/>
-        <pc:sldMkLst>
-          <pc:docMk/>
-          <pc:sldMk cId="2451321393" sldId="642"/>
-        </pc:sldMkLst>
-      </pc:sldChg>
     </pc:docChg>
   </pc:docChgLst>
 </pc:chgInfo>
@@ -5330,62 +5329,6 @@
 </inkml:ink>
 </file>
 
-<file path=ppt/ink/ink33.xml><?xml version="1.0" encoding="utf-8"?>
-<inkml:ink xmlns:inkml="http://www.w3.org/2003/InkML">
-  <inkml:definitions>
-    <inkml:context xml:id="ctx0">
-      <inkml:inkSource xml:id="inkSrc0">
-        <inkml:traceFormat>
-          <inkml:channel name="X" type="integer" min="-2.14748E9" max="2.14748E9" units="cm"/>
-          <inkml:channel name="Y" type="integer" min="-2.14748E9" max="2.14748E9" units="cm"/>
-          <inkml:channel name="F" type="integer" max="32767" units="dev"/>
-        </inkml:traceFormat>
-        <inkml:channelProperties>
-          <inkml:channelProperty channel="X" name="resolution" value="1000" units="1/cm"/>
-          <inkml:channelProperty channel="Y" name="resolution" value="1000" units="1/cm"/>
-          <inkml:channelProperty channel="F" name="resolution" value="0" units="1/dev"/>
-        </inkml:channelProperties>
-      </inkml:inkSource>
-      <inkml:timestamp xml:id="ts0" timeString="2020-03-13T07:27:08.351"/>
-    </inkml:context>
-    <inkml:brush xml:id="br0">
-      <inkml:brushProperty name="width" value="0.05" units="cm"/>
-      <inkml:brushProperty name="height" value="0.05" units="cm"/>
-      <inkml:brushProperty name="color" value="#FFFFFF"/>
-    </inkml:brush>
-  </inkml:definitions>
-  <inkml:trace contextRef="#ctx0" brushRef="#br0">11419 0 24575,'0'0'0</inkml:trace>
-</inkml:ink>
-</file>
-
-<file path=ppt/ink/ink34.xml><?xml version="1.0" encoding="utf-8"?>
-<inkml:ink xmlns:inkml="http://www.w3.org/2003/InkML">
-  <inkml:definitions>
-    <inkml:context xml:id="ctx0">
-      <inkml:inkSource xml:id="inkSrc0">
-        <inkml:traceFormat>
-          <inkml:channel name="X" type="integer" min="-2.14748E9" max="2.14748E9" units="cm"/>
-          <inkml:channel name="Y" type="integer" min="-2.14748E9" max="2.14748E9" units="cm"/>
-          <inkml:channel name="F" type="integer" max="32767" units="dev"/>
-        </inkml:traceFormat>
-        <inkml:channelProperties>
-          <inkml:channelProperty channel="X" name="resolution" value="1000" units="1/cm"/>
-          <inkml:channelProperty channel="Y" name="resolution" value="1000" units="1/cm"/>
-          <inkml:channelProperty channel="F" name="resolution" value="0" units="1/dev"/>
-        </inkml:channelProperties>
-      </inkml:inkSource>
-      <inkml:timestamp xml:id="ts0" timeString="2020-03-13T07:38:14.313"/>
-    </inkml:context>
-    <inkml:brush xml:id="br0">
-      <inkml:brushProperty name="width" value="0.05" units="cm"/>
-      <inkml:brushProperty name="height" value="0.05" units="cm"/>
-      <inkml:brushProperty name="color" value="#FFFFFF"/>
-    </inkml:brush>
-  </inkml:definitions>
-  <inkml:trace contextRef="#ctx0" brushRef="#br0">0 0 24575,'0'0'0</inkml:trace>
-</inkml:ink>
-</file>
-
 <file path=ppt/ink/ink4.xml><?xml version="1.0" encoding="utf-8"?>
 <inkml:ink xmlns:inkml="http://www.w3.org/2003/InkML">
   <inkml:definitions>
@@ -5636,7 +5579,7 @@
           <a:p>
             <a:fld id="{B64DF4CD-7A5B-8743-BD38-600CFC4060CF}" type="datetimeFigureOut">
               <a:rPr kumimoji="1" lang="zh-CN" altLang="en-US" smtClean="0"/>
-              <a:t>2021-10-29</a:t>
+              <a:t>2024.11.4</a:t>
             </a:fld>
             <a:endParaRPr kumimoji="1" lang="zh-CN" altLang="en-US"/>
           </a:p>
@@ -5943,7 +5886,7 @@
           <a:p>
             <a:fld id="{3318B6EF-F1C4-4A30-A82B-CFEB014EBE0F}" type="datetimeFigureOut">
               <a:rPr lang="zh-CN" altLang="en-US" smtClean="0"/>
-              <a:t>2021-10-29</a:t>
+              <a:t>2024.11.4</a:t>
             </a:fld>
             <a:endParaRPr lang="zh-CN" altLang="en-US"/>
           </a:p>
@@ -6157,7 +6100,7 @@
           <a:p>
             <a:fld id="{3318B6EF-F1C4-4A30-A82B-CFEB014EBE0F}" type="datetimeFigureOut">
               <a:rPr lang="zh-CN" altLang="en-US" smtClean="0"/>
-              <a:t>2021-10-29</a:t>
+              <a:t>2024.11.4</a:t>
             </a:fld>
             <a:endParaRPr lang="zh-CN" altLang="en-US"/>
           </a:p>
@@ -6371,7 +6314,7 @@
           <a:p>
             <a:fld id="{3318B6EF-F1C4-4A30-A82B-CFEB014EBE0F}" type="datetimeFigureOut">
               <a:rPr lang="zh-CN" altLang="en-US" smtClean="0"/>
-              <a:t>2021-10-29</a:t>
+              <a:t>2024.11.4</a:t>
             </a:fld>
             <a:endParaRPr lang="zh-CN" altLang="en-US"/>
           </a:p>
@@ -6585,7 +6528,7 @@
           <a:p>
             <a:fld id="{3318B6EF-F1C4-4A30-A82B-CFEB014EBE0F}" type="datetimeFigureOut">
               <a:rPr lang="zh-CN" altLang="en-US" smtClean="0"/>
-              <a:t>2021-10-29</a:t>
+              <a:t>2024.11.4</a:t>
             </a:fld>
             <a:endParaRPr lang="zh-CN" altLang="en-US"/>
           </a:p>
@@ -6866,7 +6809,7 @@
           <a:p>
             <a:fld id="{3318B6EF-F1C4-4A30-A82B-CFEB014EBE0F}" type="datetimeFigureOut">
               <a:rPr lang="zh-CN" altLang="en-US" smtClean="0"/>
-              <a:t>2021-10-29</a:t>
+              <a:t>2024.11.4</a:t>
             </a:fld>
             <a:endParaRPr lang="zh-CN" altLang="en-US"/>
           </a:p>
@@ -7145,7 +7088,7 @@
           <a:p>
             <a:fld id="{3318B6EF-F1C4-4A30-A82B-CFEB014EBE0F}" type="datetimeFigureOut">
               <a:rPr lang="zh-CN" altLang="en-US" smtClean="0"/>
-              <a:t>2021-10-29</a:t>
+              <a:t>2024.11.4</a:t>
             </a:fld>
             <a:endParaRPr lang="zh-CN" altLang="en-US"/>
           </a:p>
@@ -7572,7 +7515,7 @@
           <a:p>
             <a:fld id="{3318B6EF-F1C4-4A30-A82B-CFEB014EBE0F}" type="datetimeFigureOut">
               <a:rPr lang="zh-CN" altLang="en-US" smtClean="0"/>
-              <a:t>2021-10-29</a:t>
+              <a:t>2024.11.4</a:t>
             </a:fld>
             <a:endParaRPr lang="zh-CN" altLang="en-US"/>
           </a:p>
@@ -7721,7 +7664,7 @@
           <a:p>
             <a:fld id="{3318B6EF-F1C4-4A30-A82B-CFEB014EBE0F}" type="datetimeFigureOut">
               <a:rPr lang="zh-CN" altLang="en-US" smtClean="0"/>
-              <a:t>2021-10-29</a:t>
+              <a:t>2024.11.4</a:t>
             </a:fld>
             <a:endParaRPr lang="zh-CN" altLang="en-US"/>
           </a:p>
@@ -7834,7 +7777,7 @@
           <a:p>
             <a:fld id="{3318B6EF-F1C4-4A30-A82B-CFEB014EBE0F}" type="datetimeFigureOut">
               <a:rPr lang="zh-CN" altLang="en-US" smtClean="0"/>
-              <a:t>2021-10-29</a:t>
+              <a:t>2024.11.4</a:t>
             </a:fld>
             <a:endParaRPr lang="zh-CN" altLang="en-US"/>
           </a:p>
@@ -8154,7 +8097,7 @@
           <a:p>
             <a:fld id="{3318B6EF-F1C4-4A30-A82B-CFEB014EBE0F}" type="datetimeFigureOut">
               <a:rPr lang="zh-CN" altLang="en-US" smtClean="0"/>
-              <a:t>2021-10-29</a:t>
+              <a:t>2024.11.4</a:t>
             </a:fld>
             <a:endParaRPr lang="zh-CN" altLang="en-US"/>
           </a:p>
@@ -8451,7 +8394,7 @@
           <a:p>
             <a:fld id="{3318B6EF-F1C4-4A30-A82B-CFEB014EBE0F}" type="datetimeFigureOut">
               <a:rPr lang="zh-CN" altLang="en-US" smtClean="0"/>
-              <a:t>2021-10-29</a:t>
+              <a:t>2024.11.4</a:t>
             </a:fld>
             <a:endParaRPr lang="zh-CN" altLang="en-US"/>
           </a:p>
@@ -8587,7 +8530,7 @@
           <a:p>
             <a:fld id="{3318B6EF-F1C4-4A30-A82B-CFEB014EBE0F}" type="datetimeFigureOut">
               <a:rPr lang="zh-CN" altLang="en-US" smtClean="0"/>
-              <a:t>2021-10-29</a:t>
+              <a:t>2024.11.4</a:t>
             </a:fld>
             <a:endParaRPr lang="zh-CN" altLang="en-US"/>
           </a:p>
@@ -9176,11 +9119,11 @@
   <p:clrMapOvr>
     <a:masterClrMapping/>
   </p:clrMapOvr>
-  <mc:AlternateContent xmlns:mc="http://schemas.openxmlformats.org/markup-compatibility/2006">
-    <mc:Choice xmlns:p14="http://schemas.microsoft.com/office/powerpoint/2010/main" Requires="p14">
+  <mc:AlternateContent xmlns:mc="http://schemas.openxmlformats.org/markup-compatibility/2006" xmlns:p14="http://schemas.microsoft.com/office/powerpoint/2010/main">
+    <mc:Choice Requires="p14">
       <p:transition spd="slow" p14:dur="999"/>
     </mc:Choice>
-    <mc:Fallback>
+    <mc:Fallback xmlns="">
       <p:transition spd="slow"/>
     </mc:Fallback>
   </mc:AlternateContent>
@@ -9346,11 +9289,11 @@
   <p:clrMapOvr>
     <a:masterClrMapping/>
   </p:clrMapOvr>
-  <mc:AlternateContent xmlns:mc="http://schemas.openxmlformats.org/markup-compatibility/2006">
-    <mc:Choice xmlns:p14="http://schemas.microsoft.com/office/powerpoint/2010/main" Requires="p14">
+  <mc:AlternateContent xmlns:mc="http://schemas.openxmlformats.org/markup-compatibility/2006" xmlns:p14="http://schemas.microsoft.com/office/powerpoint/2010/main">
+    <mc:Choice Requires="p14">
       <p:transition spd="slow" p14:dur="999"/>
     </mc:Choice>
-    <mc:Fallback>
+    <mc:Fallback xmlns="">
       <p:transition spd="slow"/>
     </mc:Fallback>
   </mc:AlternateContent>
@@ -9516,11 +9459,11 @@
   <p:clrMapOvr>
     <a:masterClrMapping/>
   </p:clrMapOvr>
-  <mc:AlternateContent xmlns:mc="http://schemas.openxmlformats.org/markup-compatibility/2006">
-    <mc:Choice xmlns:p14="http://schemas.microsoft.com/office/powerpoint/2010/main" Requires="p14">
+  <mc:AlternateContent xmlns:mc="http://schemas.openxmlformats.org/markup-compatibility/2006" xmlns:p14="http://schemas.microsoft.com/office/powerpoint/2010/main">
+    <mc:Choice Requires="p14">
       <p:transition spd="slow" p14:dur="999"/>
     </mc:Choice>
-    <mc:Fallback>
+    <mc:Fallback xmlns="">
       <p:transition spd="slow"/>
     </mc:Fallback>
   </mc:AlternateContent>
@@ -9686,11 +9629,11 @@
   <p:clrMapOvr>
     <a:masterClrMapping/>
   </p:clrMapOvr>
-  <mc:AlternateContent xmlns:mc="http://schemas.openxmlformats.org/markup-compatibility/2006">
-    <mc:Choice xmlns:p14="http://schemas.microsoft.com/office/powerpoint/2010/main" Requires="p14">
+  <mc:AlternateContent xmlns:mc="http://schemas.openxmlformats.org/markup-compatibility/2006" xmlns:p14="http://schemas.microsoft.com/office/powerpoint/2010/main">
+    <mc:Choice Requires="p14">
       <p:transition spd="slow" p14:dur="999"/>
     </mc:Choice>
-    <mc:Fallback>
+    <mc:Fallback xmlns="">
       <p:transition spd="slow"/>
     </mc:Fallback>
   </mc:AlternateContent>
@@ -9856,11 +9799,11 @@
   <p:clrMapOvr>
     <a:masterClrMapping/>
   </p:clrMapOvr>
-  <mc:AlternateContent xmlns:mc="http://schemas.openxmlformats.org/markup-compatibility/2006">
-    <mc:Choice xmlns:p14="http://schemas.microsoft.com/office/powerpoint/2010/main" Requires="p14">
+  <mc:AlternateContent xmlns:mc="http://schemas.openxmlformats.org/markup-compatibility/2006" xmlns:p14="http://schemas.microsoft.com/office/powerpoint/2010/main">
+    <mc:Choice Requires="p14">
       <p:transition spd="slow" p14:dur="999"/>
     </mc:Choice>
-    <mc:Fallback>
+    <mc:Fallback xmlns="">
       <p:transition spd="slow"/>
     </mc:Fallback>
   </mc:AlternateContent>
@@ -10026,11 +9969,11 @@
   <p:clrMapOvr>
     <a:masterClrMapping/>
   </p:clrMapOvr>
-  <mc:AlternateContent xmlns:mc="http://schemas.openxmlformats.org/markup-compatibility/2006">
-    <mc:Choice xmlns:p14="http://schemas.microsoft.com/office/powerpoint/2010/main" Requires="p14">
+  <mc:AlternateContent xmlns:mc="http://schemas.openxmlformats.org/markup-compatibility/2006" xmlns:p14="http://schemas.microsoft.com/office/powerpoint/2010/main">
+    <mc:Choice Requires="p14">
       <p:transition spd="slow" p14:dur="999"/>
     </mc:Choice>
-    <mc:Fallback>
+    <mc:Fallback xmlns="">
       <p:transition spd="slow"/>
     </mc:Fallback>
   </mc:AlternateContent>
@@ -10196,11 +10139,11 @@
   <p:clrMapOvr>
     <a:masterClrMapping/>
   </p:clrMapOvr>
-  <mc:AlternateContent xmlns:mc="http://schemas.openxmlformats.org/markup-compatibility/2006">
-    <mc:Choice xmlns:p14="http://schemas.microsoft.com/office/powerpoint/2010/main" Requires="p14">
+  <mc:AlternateContent xmlns:mc="http://schemas.openxmlformats.org/markup-compatibility/2006" xmlns:p14="http://schemas.microsoft.com/office/powerpoint/2010/main">
+    <mc:Choice Requires="p14">
       <p:transition spd="slow" p14:dur="999"/>
     </mc:Choice>
-    <mc:Fallback>
+    <mc:Fallback xmlns="">
       <p:transition spd="slow"/>
     </mc:Fallback>
   </mc:AlternateContent>
@@ -10366,151 +10309,11 @@
   <p:clrMapOvr>
     <a:masterClrMapping/>
   </p:clrMapOvr>
-  <mc:AlternateContent xmlns:mc="http://schemas.openxmlformats.org/markup-compatibility/2006">
-    <mc:Choice xmlns:p14="http://schemas.microsoft.com/office/powerpoint/2010/main" Requires="p14">
+  <mc:AlternateContent xmlns:mc="http://schemas.openxmlformats.org/markup-compatibility/2006" xmlns:p14="http://schemas.microsoft.com/office/powerpoint/2010/main">
+    <mc:Choice Requires="p14">
       <p:transition spd="slow" p14:dur="999"/>
     </mc:Choice>
-    <mc:Fallback>
-      <p:transition spd="slow"/>
-    </mc:Fallback>
-  </mc:AlternateContent>
-</p:sld>
-</file>
-
-<file path=ppt/slides/slide17.xml><?xml version="1.0" encoding="utf-8"?>
-<p:sld xmlns:a="http://schemas.openxmlformats.org/drawingml/2006/main" xmlns:r="http://schemas.openxmlformats.org/officeDocument/2006/relationships" xmlns:p="http://schemas.openxmlformats.org/presentationml/2006/main">
-  <p:cSld>
-    <p:spTree>
-      <p:nvGrpSpPr>
-        <p:cNvPr id="1" name=""/>
-        <p:cNvGrpSpPr/>
-        <p:nvPr/>
-      </p:nvGrpSpPr>
-      <p:grpSpPr>
-        <a:xfrm>
-          <a:off x="0" y="0"/>
-          <a:ext cx="0" cy="0"/>
-          <a:chOff x="0" y="0"/>
-          <a:chExt cx="0" cy="0"/>
-        </a:xfrm>
-      </p:grpSpPr>
-      <mc:AlternateContent xmlns:mc="http://schemas.openxmlformats.org/markup-compatibility/2006" xmlns:p14="http://schemas.microsoft.com/office/powerpoint/2010/main">
-        <mc:Choice Requires="p14">
-          <p:contentPart p14:bwMode="auto" r:id="rId2">
-            <p14:nvContentPartPr>
-              <p14:cNvPr id="2" name="墨迹 1">
-                <a:extLst>
-                  <a:ext uri="{FF2B5EF4-FFF2-40B4-BE49-F238E27FC236}">
-                    <a16:creationId xmlns:a16="http://schemas.microsoft.com/office/drawing/2014/main" id="{BC630E9B-7705-5541-AAD3-A631EBE87CA4}"/>
-                  </a:ext>
-                </a:extLst>
-              </p14:cNvPr>
-              <p14:cNvContentPartPr/>
-              <p14:nvPr/>
-            </p14:nvContentPartPr>
-            <p14:xfrm>
-              <a:off x="778624" y="151952"/>
-              <a:ext cx="45719" cy="360"/>
-            </p14:xfrm>
-          </p:contentPart>
-        </mc:Choice>
-        <mc:Fallback xmlns="">
-          <p:pic>
-            <p:nvPicPr>
-              <p:cNvPr id="2" name="墨迹 1">
-                <a:extLst>
-                  <a:ext uri="{FF2B5EF4-FFF2-40B4-BE49-F238E27FC236}">
-                    <a16:creationId xmlns:a16="http://schemas.microsoft.com/office/drawing/2014/main" id="{BC630E9B-7705-5541-AAD3-A631EBE87CA4}"/>
-                  </a:ext>
-                </a:extLst>
-              </p:cNvPr>
-              <p:cNvPicPr/>
-              <p:nvPr/>
-            </p:nvPicPr>
-            <p:blipFill>
-              <a:blip r:embed="rId3"/>
-              <a:stretch>
-                <a:fillRect/>
-              </a:stretch>
-            </p:blipFill>
-            <p:spPr>
-              <a:xfrm>
-                <a:off x="-364351" y="142952"/>
-                <a:ext cx="2285950" cy="18000"/>
-              </a:xfrm>
-              <a:prstGeom prst="rect">
-                <a:avLst/>
-              </a:prstGeom>
-            </p:spPr>
-          </p:pic>
-        </mc:Fallback>
-      </mc:AlternateContent>
-      <mc:AlternateContent xmlns:mc="http://schemas.openxmlformats.org/markup-compatibility/2006" xmlns:p14="http://schemas.microsoft.com/office/powerpoint/2010/main">
-        <mc:Choice Requires="p14">
-          <p:contentPart p14:bwMode="auto" r:id="rId4">
-            <p14:nvContentPartPr>
-              <p14:cNvPr id="144" name="墨迹 143">
-                <a:extLst>
-                  <a:ext uri="{FF2B5EF4-FFF2-40B4-BE49-F238E27FC236}">
-                    <a16:creationId xmlns:a16="http://schemas.microsoft.com/office/drawing/2014/main" id="{1C9903B5-B1CB-B043-88E4-42B407BD32C7}"/>
-                  </a:ext>
-                </a:extLst>
-              </p14:cNvPr>
-              <p14:cNvContentPartPr/>
-              <p14:nvPr/>
-            </p14:nvContentPartPr>
-            <p14:xfrm>
-              <a:off x="1194592" y="-222124"/>
-              <a:ext cx="360" cy="360"/>
-            </p14:xfrm>
-          </p:contentPart>
-        </mc:Choice>
-        <mc:Fallback xmlns="">
-          <p:pic>
-            <p:nvPicPr>
-              <p:cNvPr id="144" name="墨迹 143">
-                <a:extLst>
-                  <a:ext uri="{FF2B5EF4-FFF2-40B4-BE49-F238E27FC236}">
-                    <a16:creationId xmlns:a16="http://schemas.microsoft.com/office/drawing/2014/main" id="{1C9903B5-B1CB-B043-88E4-42B407BD32C7}"/>
-                  </a:ext>
-                </a:extLst>
-              </p:cNvPr>
-              <p:cNvPicPr/>
-              <p:nvPr/>
-            </p:nvPicPr>
-            <p:blipFill>
-              <a:blip r:embed="rId3"/>
-              <a:stretch>
-                <a:fillRect/>
-              </a:stretch>
-            </p:blipFill>
-            <p:spPr>
-              <a:xfrm>
-                <a:off x="1185592" y="-231124"/>
-                <a:ext cx="18000" cy="18000"/>
-              </a:xfrm>
-              <a:prstGeom prst="rect">
-                <a:avLst/>
-              </a:prstGeom>
-            </p:spPr>
-          </p:pic>
-        </mc:Fallback>
-      </mc:AlternateContent>
-    </p:spTree>
-    <p:extLst>
-      <p:ext uri="{BB962C8B-B14F-4D97-AF65-F5344CB8AC3E}">
-        <p14:creationId xmlns:p14="http://schemas.microsoft.com/office/powerpoint/2010/main" val="450686623"/>
-      </p:ext>
-    </p:extLst>
-  </p:cSld>
-  <p:clrMapOvr>
-    <a:masterClrMapping/>
-  </p:clrMapOvr>
-  <mc:AlternateContent xmlns:mc="http://schemas.openxmlformats.org/markup-compatibility/2006">
-    <mc:Choice xmlns:p14="http://schemas.microsoft.com/office/powerpoint/2010/main" Requires="p14">
-      <p:transition spd="slow" p14:dur="999"/>
-    </mc:Choice>
-    <mc:Fallback>
+    <mc:Fallback xmlns="">
       <p:transition spd="slow"/>
     </mc:Fallback>
   </mc:AlternateContent>
